--- a/docs/Soutenance/PréSoutenance 0511.pptx
+++ b/docs/Soutenance/PréSoutenance 0511.pptx
@@ -3118,7 +3118,11 @@
           <a:bodyPr/>
           <a:lstStyle/>
           <a:p>
-            <a:endParaRPr lang="fr-FR"/>
+            <a:r>
+              <a:rPr lang="fr-FR" dirty="0" err="1" smtClean="0"/>
+              <a:t>tretzertze</a:t>
+            </a:r>
+            <a:endParaRPr lang="fr-FR" dirty="0"/>
           </a:p>
         </p:txBody>
       </p:sp>

--- a/docs/Soutenance/PréSoutenance 0511.pptx
+++ b/docs/Soutenance/PréSoutenance 0511.pptx
@@ -9,11 +9,14 @@
     <p:sldId id="257" r:id="rId3"/>
     <p:sldId id="259" r:id="rId4"/>
     <p:sldId id="258" r:id="rId5"/>
-    <p:sldId id="260" r:id="rId6"/>
-    <p:sldId id="261" r:id="rId7"/>
-    <p:sldId id="264" r:id="rId8"/>
-    <p:sldId id="262" r:id="rId9"/>
-    <p:sldId id="263" r:id="rId10"/>
+    <p:sldId id="265" r:id="rId6"/>
+    <p:sldId id="264" r:id="rId7"/>
+    <p:sldId id="260" r:id="rId8"/>
+    <p:sldId id="261" r:id="rId9"/>
+    <p:sldId id="266" r:id="rId10"/>
+    <p:sldId id="262" r:id="rId11"/>
+    <p:sldId id="263" r:id="rId12"/>
+    <p:sldId id="269" r:id="rId13"/>
   </p:sldIdLst>
   <p:sldSz cx="9144000" cy="6858000" type="screen4x3"/>
   <p:notesSz cx="6858000" cy="9144000"/>
@@ -113,6 +116,5167 @@
     </a:lvl9pPr>
   </p:defaultTextStyle>
 </p:presentation>
+</file>
+
+<file path=ppt/diagrams/colors1.xml><?xml version="1.0" encoding="utf-8"?>
+<dgm:colorsDef xmlns:dgm="http://schemas.openxmlformats.org/drawingml/2006/diagram" xmlns:a="http://schemas.openxmlformats.org/drawingml/2006/main" uniqueId="urn:microsoft.com/office/officeart/2005/8/colors/accent1_2">
+  <dgm:title val=""/>
+  <dgm:desc val=""/>
+  <dgm:catLst>
+    <dgm:cat type="accent1" pri="11200"/>
+  </dgm:catLst>
+  <dgm:styleLbl name="node0">
+    <dgm:fillClrLst meth="repeat">
+      <a:schemeClr val="accent1"/>
+    </dgm:fillClrLst>
+    <dgm:linClrLst meth="repeat">
+      <a:schemeClr val="lt1"/>
+    </dgm:linClrLst>
+    <dgm:effectClrLst/>
+    <dgm:txLinClrLst/>
+    <dgm:txFillClrLst/>
+    <dgm:txEffectClrLst/>
+  </dgm:styleLbl>
+  <dgm:styleLbl name="alignNode1">
+    <dgm:fillClrLst meth="repeat">
+      <a:schemeClr val="accent1"/>
+    </dgm:fillClrLst>
+    <dgm:linClrLst meth="repeat">
+      <a:schemeClr val="accent1"/>
+    </dgm:linClrLst>
+    <dgm:effectClrLst/>
+    <dgm:txLinClrLst/>
+    <dgm:txFillClrLst/>
+    <dgm:txEffectClrLst/>
+  </dgm:styleLbl>
+  <dgm:styleLbl name="node1">
+    <dgm:fillClrLst meth="repeat">
+      <a:schemeClr val="accent1"/>
+    </dgm:fillClrLst>
+    <dgm:linClrLst meth="repeat">
+      <a:schemeClr val="lt1"/>
+    </dgm:linClrLst>
+    <dgm:effectClrLst/>
+    <dgm:txLinClrLst/>
+    <dgm:txFillClrLst/>
+    <dgm:txEffectClrLst/>
+  </dgm:styleLbl>
+  <dgm:styleLbl name="lnNode1">
+    <dgm:fillClrLst meth="repeat">
+      <a:schemeClr val="accent1"/>
+    </dgm:fillClrLst>
+    <dgm:linClrLst meth="repeat">
+      <a:schemeClr val="lt1"/>
+    </dgm:linClrLst>
+    <dgm:effectClrLst/>
+    <dgm:txLinClrLst/>
+    <dgm:txFillClrLst/>
+    <dgm:txEffectClrLst/>
+  </dgm:styleLbl>
+  <dgm:styleLbl name="vennNode1">
+    <dgm:fillClrLst meth="repeat">
+      <a:schemeClr val="accent1">
+        <a:alpha val="50000"/>
+      </a:schemeClr>
+    </dgm:fillClrLst>
+    <dgm:linClrLst meth="repeat">
+      <a:schemeClr val="lt1"/>
+    </dgm:linClrLst>
+    <dgm:effectClrLst/>
+    <dgm:txLinClrLst/>
+    <dgm:txFillClrLst/>
+    <dgm:txEffectClrLst/>
+  </dgm:styleLbl>
+  <dgm:styleLbl name="node2">
+    <dgm:fillClrLst meth="repeat">
+      <a:schemeClr val="accent1"/>
+    </dgm:fillClrLst>
+    <dgm:linClrLst meth="repeat">
+      <a:schemeClr val="lt1"/>
+    </dgm:linClrLst>
+    <dgm:effectClrLst/>
+    <dgm:txLinClrLst/>
+    <dgm:txFillClrLst/>
+    <dgm:txEffectClrLst/>
+  </dgm:styleLbl>
+  <dgm:styleLbl name="node3">
+    <dgm:fillClrLst meth="repeat">
+      <a:schemeClr val="accent1"/>
+    </dgm:fillClrLst>
+    <dgm:linClrLst meth="repeat">
+      <a:schemeClr val="lt1"/>
+    </dgm:linClrLst>
+    <dgm:effectClrLst/>
+    <dgm:txLinClrLst/>
+    <dgm:txFillClrLst/>
+    <dgm:txEffectClrLst/>
+  </dgm:styleLbl>
+  <dgm:styleLbl name="node4">
+    <dgm:fillClrLst meth="repeat">
+      <a:schemeClr val="accent1"/>
+    </dgm:fillClrLst>
+    <dgm:linClrLst meth="repeat">
+      <a:schemeClr val="lt1"/>
+    </dgm:linClrLst>
+    <dgm:effectClrLst/>
+    <dgm:txLinClrLst/>
+    <dgm:txFillClrLst/>
+    <dgm:txEffectClrLst/>
+  </dgm:styleLbl>
+  <dgm:styleLbl name="fgImgPlace1">
+    <dgm:fillClrLst meth="repeat">
+      <a:schemeClr val="accent1">
+        <a:tint val="50000"/>
+      </a:schemeClr>
+    </dgm:fillClrLst>
+    <dgm:linClrLst meth="repeat">
+      <a:schemeClr val="lt1"/>
+    </dgm:linClrLst>
+    <dgm:effectClrLst/>
+    <dgm:txLinClrLst/>
+    <dgm:txFillClrLst meth="repeat">
+      <a:schemeClr val="lt1"/>
+    </dgm:txFillClrLst>
+    <dgm:txEffectClrLst/>
+  </dgm:styleLbl>
+  <dgm:styleLbl name="alignImgPlace1">
+    <dgm:fillClrLst meth="repeat">
+      <a:schemeClr val="accent1">
+        <a:tint val="50000"/>
+      </a:schemeClr>
+    </dgm:fillClrLst>
+    <dgm:linClrLst meth="repeat">
+      <a:schemeClr val="lt1"/>
+    </dgm:linClrLst>
+    <dgm:effectClrLst/>
+    <dgm:txLinClrLst/>
+    <dgm:txFillClrLst meth="repeat">
+      <a:schemeClr val="lt1"/>
+    </dgm:txFillClrLst>
+    <dgm:txEffectClrLst/>
+  </dgm:styleLbl>
+  <dgm:styleLbl name="bgImgPlace1">
+    <dgm:fillClrLst meth="repeat">
+      <a:schemeClr val="accent1">
+        <a:tint val="50000"/>
+      </a:schemeClr>
+    </dgm:fillClrLst>
+    <dgm:linClrLst meth="repeat">
+      <a:schemeClr val="lt1"/>
+    </dgm:linClrLst>
+    <dgm:effectClrLst/>
+    <dgm:txLinClrLst/>
+    <dgm:txFillClrLst meth="repeat">
+      <a:schemeClr val="lt1"/>
+    </dgm:txFillClrLst>
+    <dgm:txEffectClrLst/>
+  </dgm:styleLbl>
+  <dgm:styleLbl name="sibTrans2D1">
+    <dgm:fillClrLst meth="repeat">
+      <a:schemeClr val="accent1">
+        <a:tint val="60000"/>
+      </a:schemeClr>
+    </dgm:fillClrLst>
+    <dgm:linClrLst meth="repeat">
+      <a:schemeClr val="accent1">
+        <a:tint val="60000"/>
+      </a:schemeClr>
+    </dgm:linClrLst>
+    <dgm:effectClrLst/>
+    <dgm:txLinClrLst/>
+    <dgm:txFillClrLst/>
+    <dgm:txEffectClrLst/>
+  </dgm:styleLbl>
+  <dgm:styleLbl name="fgSibTrans2D1">
+    <dgm:fillClrLst meth="repeat">
+      <a:schemeClr val="accent1">
+        <a:tint val="60000"/>
+      </a:schemeClr>
+    </dgm:fillClrLst>
+    <dgm:linClrLst meth="repeat">
+      <a:schemeClr val="accent1">
+        <a:tint val="60000"/>
+      </a:schemeClr>
+    </dgm:linClrLst>
+    <dgm:effectClrLst/>
+    <dgm:txLinClrLst/>
+    <dgm:txFillClrLst/>
+    <dgm:txEffectClrLst/>
+  </dgm:styleLbl>
+  <dgm:styleLbl name="bgSibTrans2D1">
+    <dgm:fillClrLst meth="repeat">
+      <a:schemeClr val="accent1">
+        <a:tint val="60000"/>
+      </a:schemeClr>
+    </dgm:fillClrLst>
+    <dgm:linClrLst meth="repeat">
+      <a:schemeClr val="accent1">
+        <a:tint val="60000"/>
+      </a:schemeClr>
+    </dgm:linClrLst>
+    <dgm:effectClrLst/>
+    <dgm:txLinClrLst/>
+    <dgm:txFillClrLst/>
+    <dgm:txEffectClrLst/>
+  </dgm:styleLbl>
+  <dgm:styleLbl name="sibTrans1D1">
+    <dgm:fillClrLst meth="repeat">
+      <a:schemeClr val="accent1"/>
+    </dgm:fillClrLst>
+    <dgm:linClrLst meth="repeat">
+      <a:schemeClr val="accent1"/>
+    </dgm:linClrLst>
+    <dgm:effectClrLst/>
+    <dgm:txLinClrLst/>
+    <dgm:txFillClrLst meth="repeat">
+      <a:schemeClr val="tx1"/>
+    </dgm:txFillClrLst>
+    <dgm:txEffectClrLst/>
+  </dgm:styleLbl>
+  <dgm:styleLbl name="callout">
+    <dgm:fillClrLst meth="repeat">
+      <a:schemeClr val="accent1"/>
+    </dgm:fillClrLst>
+    <dgm:linClrLst meth="repeat">
+      <a:schemeClr val="accent1">
+        <a:tint val="50000"/>
+      </a:schemeClr>
+    </dgm:linClrLst>
+    <dgm:effectClrLst/>
+    <dgm:txLinClrLst/>
+    <dgm:txFillClrLst meth="repeat">
+      <a:schemeClr val="tx1"/>
+    </dgm:txFillClrLst>
+    <dgm:txEffectClrLst/>
+  </dgm:styleLbl>
+  <dgm:styleLbl name="asst0">
+    <dgm:fillClrLst meth="repeat">
+      <a:schemeClr val="accent1"/>
+    </dgm:fillClrLst>
+    <dgm:linClrLst meth="repeat">
+      <a:schemeClr val="lt1"/>
+    </dgm:linClrLst>
+    <dgm:effectClrLst/>
+    <dgm:txLinClrLst/>
+    <dgm:txFillClrLst/>
+    <dgm:txEffectClrLst/>
+  </dgm:styleLbl>
+  <dgm:styleLbl name="asst1">
+    <dgm:fillClrLst meth="repeat">
+      <a:schemeClr val="accent1"/>
+    </dgm:fillClrLst>
+    <dgm:linClrLst meth="repeat">
+      <a:schemeClr val="lt1"/>
+    </dgm:linClrLst>
+    <dgm:effectClrLst/>
+    <dgm:txLinClrLst/>
+    <dgm:txFillClrLst/>
+    <dgm:txEffectClrLst/>
+  </dgm:styleLbl>
+  <dgm:styleLbl name="asst2">
+    <dgm:fillClrLst meth="repeat">
+      <a:schemeClr val="accent1"/>
+    </dgm:fillClrLst>
+    <dgm:linClrLst meth="repeat">
+      <a:schemeClr val="lt1"/>
+    </dgm:linClrLst>
+    <dgm:effectClrLst/>
+    <dgm:txLinClrLst/>
+    <dgm:txFillClrLst/>
+    <dgm:txEffectClrLst/>
+  </dgm:styleLbl>
+  <dgm:styleLbl name="asst3">
+    <dgm:fillClrLst meth="repeat">
+      <a:schemeClr val="accent1"/>
+    </dgm:fillClrLst>
+    <dgm:linClrLst meth="repeat">
+      <a:schemeClr val="lt1"/>
+    </dgm:linClrLst>
+    <dgm:effectClrLst/>
+    <dgm:txLinClrLst/>
+    <dgm:txFillClrLst/>
+    <dgm:txEffectClrLst/>
+  </dgm:styleLbl>
+  <dgm:styleLbl name="asst4">
+    <dgm:fillClrLst meth="repeat">
+      <a:schemeClr val="accent1"/>
+    </dgm:fillClrLst>
+    <dgm:linClrLst meth="repeat">
+      <a:schemeClr val="lt1"/>
+    </dgm:linClrLst>
+    <dgm:effectClrLst/>
+    <dgm:txLinClrLst/>
+    <dgm:txFillClrLst/>
+    <dgm:txEffectClrLst/>
+  </dgm:styleLbl>
+  <dgm:styleLbl name="parChTrans2D1">
+    <dgm:fillClrLst meth="repeat">
+      <a:schemeClr val="accent1">
+        <a:tint val="60000"/>
+      </a:schemeClr>
+    </dgm:fillClrLst>
+    <dgm:linClrLst meth="repeat">
+      <a:schemeClr val="accent1">
+        <a:tint val="60000"/>
+      </a:schemeClr>
+    </dgm:linClrLst>
+    <dgm:effectClrLst/>
+    <dgm:txLinClrLst/>
+    <dgm:txFillClrLst meth="repeat">
+      <a:schemeClr val="lt1"/>
+    </dgm:txFillClrLst>
+    <dgm:txEffectClrLst/>
+  </dgm:styleLbl>
+  <dgm:styleLbl name="parChTrans2D2">
+    <dgm:fillClrLst meth="repeat">
+      <a:schemeClr val="accent1"/>
+    </dgm:fillClrLst>
+    <dgm:linClrLst meth="repeat">
+      <a:schemeClr val="accent1"/>
+    </dgm:linClrLst>
+    <dgm:effectClrLst/>
+    <dgm:txLinClrLst/>
+    <dgm:txFillClrLst meth="repeat">
+      <a:schemeClr val="lt1"/>
+    </dgm:txFillClrLst>
+    <dgm:txEffectClrLst/>
+  </dgm:styleLbl>
+  <dgm:styleLbl name="parChTrans2D3">
+    <dgm:fillClrLst meth="repeat">
+      <a:schemeClr val="accent1"/>
+    </dgm:fillClrLst>
+    <dgm:linClrLst meth="repeat">
+      <a:schemeClr val="accent1"/>
+    </dgm:linClrLst>
+    <dgm:effectClrLst/>
+    <dgm:txLinClrLst/>
+    <dgm:txFillClrLst meth="repeat">
+      <a:schemeClr val="lt1"/>
+    </dgm:txFillClrLst>
+    <dgm:txEffectClrLst/>
+  </dgm:styleLbl>
+  <dgm:styleLbl name="parChTrans2D4">
+    <dgm:fillClrLst meth="repeat">
+      <a:schemeClr val="accent1"/>
+    </dgm:fillClrLst>
+    <dgm:linClrLst meth="repeat">
+      <a:schemeClr val="accent1"/>
+    </dgm:linClrLst>
+    <dgm:effectClrLst/>
+    <dgm:txLinClrLst/>
+    <dgm:txFillClrLst meth="repeat">
+      <a:schemeClr val="lt1"/>
+    </dgm:txFillClrLst>
+    <dgm:txEffectClrLst/>
+  </dgm:styleLbl>
+  <dgm:styleLbl name="parChTrans1D1">
+    <dgm:fillClrLst meth="repeat">
+      <a:schemeClr val="accent1"/>
+    </dgm:fillClrLst>
+    <dgm:linClrLst meth="repeat">
+      <a:schemeClr val="accent1">
+        <a:shade val="60000"/>
+      </a:schemeClr>
+    </dgm:linClrLst>
+    <dgm:effectClrLst/>
+    <dgm:txLinClrLst/>
+    <dgm:txFillClrLst meth="repeat">
+      <a:schemeClr val="tx1"/>
+    </dgm:txFillClrLst>
+    <dgm:txEffectClrLst/>
+  </dgm:styleLbl>
+  <dgm:styleLbl name="parChTrans1D2">
+    <dgm:fillClrLst meth="repeat">
+      <a:schemeClr val="accent1"/>
+    </dgm:fillClrLst>
+    <dgm:linClrLst meth="repeat">
+      <a:schemeClr val="accent1">
+        <a:shade val="60000"/>
+      </a:schemeClr>
+    </dgm:linClrLst>
+    <dgm:effectClrLst/>
+    <dgm:txLinClrLst/>
+    <dgm:txFillClrLst meth="repeat">
+      <a:schemeClr val="tx1"/>
+    </dgm:txFillClrLst>
+    <dgm:txEffectClrLst/>
+  </dgm:styleLbl>
+  <dgm:styleLbl name="parChTrans1D3">
+    <dgm:fillClrLst meth="repeat">
+      <a:schemeClr val="accent1"/>
+    </dgm:fillClrLst>
+    <dgm:linClrLst meth="repeat">
+      <a:schemeClr val="accent1">
+        <a:shade val="80000"/>
+      </a:schemeClr>
+    </dgm:linClrLst>
+    <dgm:effectClrLst/>
+    <dgm:txLinClrLst/>
+    <dgm:txFillClrLst meth="repeat">
+      <a:schemeClr val="tx1"/>
+    </dgm:txFillClrLst>
+    <dgm:txEffectClrLst/>
+  </dgm:styleLbl>
+  <dgm:styleLbl name="parChTrans1D4">
+    <dgm:fillClrLst meth="repeat">
+      <a:schemeClr val="accent1"/>
+    </dgm:fillClrLst>
+    <dgm:linClrLst meth="repeat">
+      <a:schemeClr val="accent1">
+        <a:shade val="80000"/>
+      </a:schemeClr>
+    </dgm:linClrLst>
+    <dgm:effectClrLst/>
+    <dgm:txLinClrLst/>
+    <dgm:txFillClrLst meth="repeat">
+      <a:schemeClr val="tx1"/>
+    </dgm:txFillClrLst>
+    <dgm:txEffectClrLst/>
+  </dgm:styleLbl>
+  <dgm:styleLbl name="fgAcc1">
+    <dgm:fillClrLst meth="repeat">
+      <a:schemeClr val="lt1">
+        <a:alpha val="90000"/>
+      </a:schemeClr>
+    </dgm:fillClrLst>
+    <dgm:linClrLst meth="repeat">
+      <a:schemeClr val="accent1"/>
+    </dgm:linClrLst>
+    <dgm:effectClrLst/>
+    <dgm:txLinClrLst/>
+    <dgm:txFillClrLst meth="repeat">
+      <a:schemeClr val="dk1"/>
+    </dgm:txFillClrLst>
+    <dgm:txEffectClrLst/>
+  </dgm:styleLbl>
+  <dgm:styleLbl name="conFgAcc1">
+    <dgm:fillClrLst meth="repeat">
+      <a:schemeClr val="lt1">
+        <a:alpha val="90000"/>
+      </a:schemeClr>
+    </dgm:fillClrLst>
+    <dgm:linClrLst meth="repeat">
+      <a:schemeClr val="accent1"/>
+    </dgm:linClrLst>
+    <dgm:effectClrLst/>
+    <dgm:txLinClrLst/>
+    <dgm:txFillClrLst meth="repeat">
+      <a:schemeClr val="dk1"/>
+    </dgm:txFillClrLst>
+    <dgm:txEffectClrLst/>
+  </dgm:styleLbl>
+  <dgm:styleLbl name="alignAcc1">
+    <dgm:fillClrLst meth="repeat">
+      <a:schemeClr val="lt1">
+        <a:alpha val="90000"/>
+      </a:schemeClr>
+    </dgm:fillClrLst>
+    <dgm:linClrLst meth="repeat">
+      <a:schemeClr val="accent1"/>
+    </dgm:linClrLst>
+    <dgm:effectClrLst/>
+    <dgm:txLinClrLst/>
+    <dgm:txFillClrLst meth="repeat">
+      <a:schemeClr val="dk1"/>
+    </dgm:txFillClrLst>
+    <dgm:txEffectClrLst/>
+  </dgm:styleLbl>
+  <dgm:styleLbl name="trAlignAcc1">
+    <dgm:fillClrLst meth="repeat">
+      <a:schemeClr val="lt1">
+        <a:alpha val="40000"/>
+      </a:schemeClr>
+    </dgm:fillClrLst>
+    <dgm:linClrLst meth="repeat">
+      <a:schemeClr val="accent1"/>
+    </dgm:linClrLst>
+    <dgm:effectClrLst/>
+    <dgm:txLinClrLst/>
+    <dgm:txFillClrLst meth="repeat">
+      <a:schemeClr val="dk1"/>
+    </dgm:txFillClrLst>
+    <dgm:txEffectClrLst/>
+  </dgm:styleLbl>
+  <dgm:styleLbl name="bgAcc1">
+    <dgm:fillClrLst meth="repeat">
+      <a:schemeClr val="lt1">
+        <a:alpha val="90000"/>
+      </a:schemeClr>
+    </dgm:fillClrLst>
+    <dgm:linClrLst meth="repeat">
+      <a:schemeClr val="accent1"/>
+    </dgm:linClrLst>
+    <dgm:effectClrLst/>
+    <dgm:txLinClrLst/>
+    <dgm:txFillClrLst meth="repeat">
+      <a:schemeClr val="dk1"/>
+    </dgm:txFillClrLst>
+    <dgm:txEffectClrLst/>
+  </dgm:styleLbl>
+  <dgm:styleLbl name="solidFgAcc1">
+    <dgm:fillClrLst meth="repeat">
+      <a:schemeClr val="lt1"/>
+    </dgm:fillClrLst>
+    <dgm:linClrLst meth="repeat">
+      <a:schemeClr val="accent1"/>
+    </dgm:linClrLst>
+    <dgm:effectClrLst/>
+    <dgm:txLinClrLst/>
+    <dgm:txFillClrLst meth="repeat">
+      <a:schemeClr val="dk1"/>
+    </dgm:txFillClrLst>
+    <dgm:txEffectClrLst/>
+  </dgm:styleLbl>
+  <dgm:styleLbl name="solidAlignAcc1">
+    <dgm:fillClrLst meth="repeat">
+      <a:schemeClr val="lt1"/>
+    </dgm:fillClrLst>
+    <dgm:linClrLst meth="repeat">
+      <a:schemeClr val="accent1"/>
+    </dgm:linClrLst>
+    <dgm:effectClrLst/>
+    <dgm:txLinClrLst/>
+    <dgm:txFillClrLst meth="repeat">
+      <a:schemeClr val="dk1"/>
+    </dgm:txFillClrLst>
+    <dgm:txEffectClrLst/>
+  </dgm:styleLbl>
+  <dgm:styleLbl name="solidBgAcc1">
+    <dgm:fillClrLst meth="repeat">
+      <a:schemeClr val="lt1"/>
+    </dgm:fillClrLst>
+    <dgm:linClrLst meth="repeat">
+      <a:schemeClr val="accent1"/>
+    </dgm:linClrLst>
+    <dgm:effectClrLst/>
+    <dgm:txLinClrLst/>
+    <dgm:txFillClrLst meth="repeat">
+      <a:schemeClr val="dk1"/>
+    </dgm:txFillClrLst>
+    <dgm:txEffectClrLst/>
+  </dgm:styleLbl>
+  <dgm:styleLbl name="fgAccFollowNode1">
+    <dgm:fillClrLst meth="repeat">
+      <a:schemeClr val="accent1">
+        <a:alpha val="90000"/>
+        <a:tint val="40000"/>
+      </a:schemeClr>
+    </dgm:fillClrLst>
+    <dgm:linClrLst meth="repeat">
+      <a:schemeClr val="accent1">
+        <a:alpha val="90000"/>
+        <a:tint val="40000"/>
+      </a:schemeClr>
+    </dgm:linClrLst>
+    <dgm:effectClrLst/>
+    <dgm:txLinClrLst/>
+    <dgm:txFillClrLst meth="repeat">
+      <a:schemeClr val="dk1"/>
+    </dgm:txFillClrLst>
+    <dgm:txEffectClrLst/>
+  </dgm:styleLbl>
+  <dgm:styleLbl name="alignAccFollowNode1">
+    <dgm:fillClrLst meth="repeat">
+      <a:schemeClr val="accent1">
+        <a:alpha val="90000"/>
+        <a:tint val="40000"/>
+      </a:schemeClr>
+    </dgm:fillClrLst>
+    <dgm:linClrLst meth="repeat">
+      <a:schemeClr val="accent1">
+        <a:alpha val="90000"/>
+        <a:tint val="40000"/>
+      </a:schemeClr>
+    </dgm:linClrLst>
+    <dgm:effectClrLst/>
+    <dgm:txLinClrLst/>
+    <dgm:txFillClrLst meth="repeat">
+      <a:schemeClr val="dk1"/>
+    </dgm:txFillClrLst>
+    <dgm:txEffectClrLst/>
+  </dgm:styleLbl>
+  <dgm:styleLbl name="bgAccFollowNode1">
+    <dgm:fillClrLst meth="repeat">
+      <a:schemeClr val="accent1">
+        <a:alpha val="90000"/>
+        <a:tint val="40000"/>
+      </a:schemeClr>
+    </dgm:fillClrLst>
+    <dgm:linClrLst meth="repeat">
+      <a:schemeClr val="accent1">
+        <a:alpha val="90000"/>
+        <a:tint val="40000"/>
+      </a:schemeClr>
+    </dgm:linClrLst>
+    <dgm:effectClrLst/>
+    <dgm:txLinClrLst/>
+    <dgm:txFillClrLst meth="repeat">
+      <a:schemeClr val="dk1"/>
+    </dgm:txFillClrLst>
+    <dgm:txEffectClrLst/>
+  </dgm:styleLbl>
+  <dgm:styleLbl name="fgAcc0">
+    <dgm:fillClrLst meth="repeat">
+      <a:schemeClr val="lt1">
+        <a:alpha val="90000"/>
+      </a:schemeClr>
+    </dgm:fillClrLst>
+    <dgm:linClrLst meth="repeat">
+      <a:schemeClr val="accent1"/>
+    </dgm:linClrLst>
+    <dgm:effectClrLst/>
+    <dgm:txLinClrLst/>
+    <dgm:txFillClrLst meth="repeat">
+      <a:schemeClr val="dk1"/>
+    </dgm:txFillClrLst>
+    <dgm:txEffectClrLst/>
+  </dgm:styleLbl>
+  <dgm:styleLbl name="fgAcc2">
+    <dgm:fillClrLst meth="repeat">
+      <a:schemeClr val="lt1">
+        <a:alpha val="90000"/>
+      </a:schemeClr>
+    </dgm:fillClrLst>
+    <dgm:linClrLst meth="repeat">
+      <a:schemeClr val="accent1"/>
+    </dgm:linClrLst>
+    <dgm:effectClrLst/>
+    <dgm:txLinClrLst/>
+    <dgm:txFillClrLst meth="repeat">
+      <a:schemeClr val="dk1"/>
+    </dgm:txFillClrLst>
+    <dgm:txEffectClrLst/>
+  </dgm:styleLbl>
+  <dgm:styleLbl name="fgAcc3">
+    <dgm:fillClrLst meth="repeat">
+      <a:schemeClr val="lt1">
+        <a:alpha val="90000"/>
+      </a:schemeClr>
+    </dgm:fillClrLst>
+    <dgm:linClrLst meth="repeat">
+      <a:schemeClr val="accent1"/>
+    </dgm:linClrLst>
+    <dgm:effectClrLst/>
+    <dgm:txLinClrLst/>
+    <dgm:txFillClrLst meth="repeat">
+      <a:schemeClr val="dk1"/>
+    </dgm:txFillClrLst>
+    <dgm:txEffectClrLst/>
+  </dgm:styleLbl>
+  <dgm:styleLbl name="fgAcc4">
+    <dgm:fillClrLst meth="repeat">
+      <a:schemeClr val="lt1">
+        <a:alpha val="90000"/>
+      </a:schemeClr>
+    </dgm:fillClrLst>
+    <dgm:linClrLst meth="repeat">
+      <a:schemeClr val="accent1"/>
+    </dgm:linClrLst>
+    <dgm:effectClrLst/>
+    <dgm:txLinClrLst/>
+    <dgm:txFillClrLst meth="repeat">
+      <a:schemeClr val="dk1"/>
+    </dgm:txFillClrLst>
+    <dgm:txEffectClrLst/>
+  </dgm:styleLbl>
+  <dgm:styleLbl name="bgShp">
+    <dgm:fillClrLst meth="repeat">
+      <a:schemeClr val="accent1">
+        <a:tint val="40000"/>
+      </a:schemeClr>
+    </dgm:fillClrLst>
+    <dgm:linClrLst meth="repeat">
+      <a:schemeClr val="accent1"/>
+    </dgm:linClrLst>
+    <dgm:effectClrLst/>
+    <dgm:txLinClrLst/>
+    <dgm:txFillClrLst meth="repeat">
+      <a:schemeClr val="dk1"/>
+    </dgm:txFillClrLst>
+    <dgm:txEffectClrLst/>
+  </dgm:styleLbl>
+  <dgm:styleLbl name="dkBgShp">
+    <dgm:fillClrLst meth="repeat">
+      <a:schemeClr val="accent1">
+        <a:shade val="80000"/>
+      </a:schemeClr>
+    </dgm:fillClrLst>
+    <dgm:linClrLst meth="repeat">
+      <a:schemeClr val="accent1"/>
+    </dgm:linClrLst>
+    <dgm:effectClrLst/>
+    <dgm:txLinClrLst/>
+    <dgm:txFillClrLst meth="repeat">
+      <a:schemeClr val="lt1"/>
+    </dgm:txFillClrLst>
+    <dgm:txEffectClrLst/>
+  </dgm:styleLbl>
+  <dgm:styleLbl name="trBgShp">
+    <dgm:fillClrLst meth="repeat">
+      <a:schemeClr val="accent1">
+        <a:tint val="50000"/>
+        <a:alpha val="40000"/>
+      </a:schemeClr>
+    </dgm:fillClrLst>
+    <dgm:linClrLst meth="repeat">
+      <a:schemeClr val="accent1"/>
+    </dgm:linClrLst>
+    <dgm:effectClrLst/>
+    <dgm:txLinClrLst/>
+    <dgm:txFillClrLst meth="repeat">
+      <a:schemeClr val="lt1"/>
+    </dgm:txFillClrLst>
+    <dgm:txEffectClrLst/>
+  </dgm:styleLbl>
+  <dgm:styleLbl name="fgShp">
+    <dgm:fillClrLst meth="repeat">
+      <a:schemeClr val="accent1">
+        <a:tint val="60000"/>
+      </a:schemeClr>
+    </dgm:fillClrLst>
+    <dgm:linClrLst meth="repeat">
+      <a:schemeClr val="lt1"/>
+    </dgm:linClrLst>
+    <dgm:effectClrLst/>
+    <dgm:txLinClrLst/>
+    <dgm:txFillClrLst meth="repeat">
+      <a:schemeClr val="dk1"/>
+    </dgm:txFillClrLst>
+    <dgm:txEffectClrLst/>
+  </dgm:styleLbl>
+  <dgm:styleLbl name="revTx">
+    <dgm:fillClrLst meth="repeat">
+      <a:schemeClr val="lt1">
+        <a:alpha val="0"/>
+      </a:schemeClr>
+    </dgm:fillClrLst>
+    <dgm:linClrLst meth="repeat">
+      <a:schemeClr val="dk1">
+        <a:alpha val="0"/>
+      </a:schemeClr>
+    </dgm:linClrLst>
+    <dgm:effectClrLst/>
+    <dgm:txLinClrLst/>
+    <dgm:txFillClrLst meth="repeat">
+      <a:schemeClr val="tx1"/>
+    </dgm:txFillClrLst>
+    <dgm:txEffectClrLst/>
+  </dgm:styleLbl>
+</dgm:colorsDef>
+</file>
+
+<file path=ppt/diagrams/data1.xml><?xml version="1.0" encoding="utf-8"?>
+<dgm:dataModel xmlns:dgm="http://schemas.openxmlformats.org/drawingml/2006/diagram" xmlns:a="http://schemas.openxmlformats.org/drawingml/2006/main">
+  <dgm:ptLst>
+    <dgm:pt modelId="{C37045AB-AD52-4AB1-9AA5-A8691FD5E1E7}" type="doc">
+      <dgm:prSet loTypeId="urn:microsoft.com/office/officeart/2005/8/layout/chevron2" loCatId="list" qsTypeId="urn:microsoft.com/office/officeart/2005/8/quickstyle/simple1" qsCatId="simple" csTypeId="urn:microsoft.com/office/officeart/2005/8/colors/accent1_2" csCatId="accent1" phldr="1"/>
+      <dgm:spPr/>
+      <dgm:t>
+        <a:bodyPr/>
+        <a:lstStyle/>
+        <a:p>
+          <a:endParaRPr lang="fr-FR"/>
+        </a:p>
+      </dgm:t>
+    </dgm:pt>
+    <dgm:pt modelId="{53ECEFCB-C779-4CD5-BA6F-C3ADCC43F8E8}">
+      <dgm:prSet phldrT="[Texte]"/>
+      <dgm:spPr>
+        <a:solidFill>
+          <a:srgbClr val="C00000"/>
+        </a:solidFill>
+        <a:ln>
+          <a:solidFill>
+            <a:srgbClr val="C00000"/>
+          </a:solidFill>
+        </a:ln>
+      </dgm:spPr>
+      <dgm:t>
+        <a:bodyPr/>
+        <a:lstStyle/>
+        <a:p>
+          <a:r>
+            <a:rPr lang="fr-FR" dirty="0" smtClean="0"/>
+            <a:t>31/10/2012</a:t>
+          </a:r>
+          <a:endParaRPr lang="fr-FR" dirty="0"/>
+        </a:p>
+      </dgm:t>
+    </dgm:pt>
+    <dgm:pt modelId="{32D3F84D-E3C4-4CAA-BFC3-1B549FB347FF}" type="parTrans" cxnId="{429710F0-5B0F-43A5-8F4D-8E112BAFF689}">
+      <dgm:prSet/>
+      <dgm:spPr/>
+      <dgm:t>
+        <a:bodyPr/>
+        <a:lstStyle/>
+        <a:p>
+          <a:endParaRPr lang="fr-FR"/>
+        </a:p>
+      </dgm:t>
+    </dgm:pt>
+    <dgm:pt modelId="{17DAB22A-7CDB-44A7-AFE7-2DF4F81C6603}" type="sibTrans" cxnId="{429710F0-5B0F-43A5-8F4D-8E112BAFF689}">
+      <dgm:prSet/>
+      <dgm:spPr/>
+      <dgm:t>
+        <a:bodyPr/>
+        <a:lstStyle/>
+        <a:p>
+          <a:endParaRPr lang="fr-FR"/>
+        </a:p>
+      </dgm:t>
+    </dgm:pt>
+    <dgm:pt modelId="{F8574E59-3778-4153-AEEA-884089519B01}">
+      <dgm:prSet phldrT="[Texte]"/>
+      <dgm:spPr>
+        <a:solidFill>
+          <a:schemeClr val="bg1"/>
+        </a:solidFill>
+        <a:ln>
+          <a:solidFill>
+            <a:srgbClr val="C00000"/>
+          </a:solidFill>
+        </a:ln>
+      </dgm:spPr>
+      <dgm:t>
+        <a:bodyPr/>
+        <a:lstStyle/>
+        <a:p>
+          <a:r>
+            <a:rPr lang="fr-FR" dirty="0" smtClean="0"/>
+            <a:t>Note de cadrage</a:t>
+          </a:r>
+          <a:endParaRPr lang="fr-FR" dirty="0"/>
+        </a:p>
+      </dgm:t>
+    </dgm:pt>
+    <dgm:pt modelId="{F9DFBBAB-5F8F-4645-8B8D-B3E9092FBDDB}" type="parTrans" cxnId="{E651DE68-E956-4D20-AD77-1FE8D7A07B16}">
+      <dgm:prSet/>
+      <dgm:spPr/>
+      <dgm:t>
+        <a:bodyPr/>
+        <a:lstStyle/>
+        <a:p>
+          <a:endParaRPr lang="fr-FR"/>
+        </a:p>
+      </dgm:t>
+    </dgm:pt>
+    <dgm:pt modelId="{66EDBC74-74FA-4DA9-8D24-886F2E980433}" type="sibTrans" cxnId="{E651DE68-E956-4D20-AD77-1FE8D7A07B16}">
+      <dgm:prSet/>
+      <dgm:spPr/>
+      <dgm:t>
+        <a:bodyPr/>
+        <a:lstStyle/>
+        <a:p>
+          <a:endParaRPr lang="fr-FR"/>
+        </a:p>
+      </dgm:t>
+    </dgm:pt>
+    <dgm:pt modelId="{84CBA4DF-9766-4AF4-8D52-6978EC3191F4}">
+      <dgm:prSet phldrT="[Texte]"/>
+      <dgm:spPr>
+        <a:solidFill>
+          <a:srgbClr val="C00000"/>
+        </a:solidFill>
+        <a:ln>
+          <a:solidFill>
+            <a:srgbClr val="C00000"/>
+          </a:solidFill>
+        </a:ln>
+      </dgm:spPr>
+      <dgm:t>
+        <a:bodyPr/>
+        <a:lstStyle/>
+        <a:p>
+          <a:r>
+            <a:rPr lang="fr-FR" dirty="0" smtClean="0"/>
+            <a:t>19/12/2012</a:t>
+          </a:r>
+          <a:endParaRPr lang="fr-FR" dirty="0"/>
+        </a:p>
+      </dgm:t>
+    </dgm:pt>
+    <dgm:pt modelId="{B02195FC-D34C-4AFF-A828-7D8D5F94C4BF}" type="parTrans" cxnId="{6D0F9943-AE18-4554-AAB0-856ED12C3D13}">
+      <dgm:prSet/>
+      <dgm:spPr/>
+      <dgm:t>
+        <a:bodyPr/>
+        <a:lstStyle/>
+        <a:p>
+          <a:endParaRPr lang="fr-FR"/>
+        </a:p>
+      </dgm:t>
+    </dgm:pt>
+    <dgm:pt modelId="{668BEA88-DBD5-4373-9547-0BB89121EA66}" type="sibTrans" cxnId="{6D0F9943-AE18-4554-AAB0-856ED12C3D13}">
+      <dgm:prSet/>
+      <dgm:spPr/>
+      <dgm:t>
+        <a:bodyPr/>
+        <a:lstStyle/>
+        <a:p>
+          <a:endParaRPr lang="fr-FR"/>
+        </a:p>
+      </dgm:t>
+    </dgm:pt>
+    <dgm:pt modelId="{44102F07-E24E-41E4-8270-2AE3F7DB71CE}">
+      <dgm:prSet phldrT="[Texte]"/>
+      <dgm:spPr>
+        <a:ln>
+          <a:solidFill>
+            <a:srgbClr val="C00000"/>
+          </a:solidFill>
+        </a:ln>
+      </dgm:spPr>
+      <dgm:t>
+        <a:bodyPr/>
+        <a:lstStyle/>
+        <a:p>
+          <a:r>
+            <a:rPr lang="fr-FR" dirty="0" smtClean="0"/>
+            <a:t>Spécifications Fonctionnelles</a:t>
+          </a:r>
+          <a:endParaRPr lang="fr-FR" dirty="0"/>
+        </a:p>
+      </dgm:t>
+    </dgm:pt>
+    <dgm:pt modelId="{D2854368-9960-4BD8-B543-8B70FCE8CEA5}" type="parTrans" cxnId="{BEB6B8ED-09F0-431B-AAA9-E74F8DB6E76D}">
+      <dgm:prSet/>
+      <dgm:spPr/>
+      <dgm:t>
+        <a:bodyPr/>
+        <a:lstStyle/>
+        <a:p>
+          <a:endParaRPr lang="fr-FR"/>
+        </a:p>
+      </dgm:t>
+    </dgm:pt>
+    <dgm:pt modelId="{96F31A9C-99CD-4995-9E87-C6D83916C74A}" type="sibTrans" cxnId="{BEB6B8ED-09F0-431B-AAA9-E74F8DB6E76D}">
+      <dgm:prSet/>
+      <dgm:spPr/>
+      <dgm:t>
+        <a:bodyPr/>
+        <a:lstStyle/>
+        <a:p>
+          <a:endParaRPr lang="fr-FR"/>
+        </a:p>
+      </dgm:t>
+    </dgm:pt>
+    <dgm:pt modelId="{57AAAA08-D01F-4FA1-94FA-1CB886B9E535}">
+      <dgm:prSet phldrT="[Texte]"/>
+      <dgm:spPr>
+        <a:ln>
+          <a:solidFill>
+            <a:srgbClr val="C00000"/>
+          </a:solidFill>
+        </a:ln>
+      </dgm:spPr>
+      <dgm:t>
+        <a:bodyPr/>
+        <a:lstStyle/>
+        <a:p>
+          <a:r>
+            <a:rPr lang="fr-FR" dirty="0" smtClean="0"/>
+            <a:t>Spécifications techniques</a:t>
+          </a:r>
+          <a:endParaRPr lang="fr-FR" dirty="0"/>
+        </a:p>
+      </dgm:t>
+    </dgm:pt>
+    <dgm:pt modelId="{588B9239-B0E8-4F32-8ACA-17A1F4847455}" type="parTrans" cxnId="{DF57561F-D5EC-4C48-B447-9662E4E2DE4D}">
+      <dgm:prSet/>
+      <dgm:spPr/>
+      <dgm:t>
+        <a:bodyPr/>
+        <a:lstStyle/>
+        <a:p>
+          <a:endParaRPr lang="fr-FR"/>
+        </a:p>
+      </dgm:t>
+    </dgm:pt>
+    <dgm:pt modelId="{B755204D-A3EC-40F6-A9C8-284ED2CA7B85}" type="sibTrans" cxnId="{DF57561F-D5EC-4C48-B447-9662E4E2DE4D}">
+      <dgm:prSet/>
+      <dgm:spPr/>
+      <dgm:t>
+        <a:bodyPr/>
+        <a:lstStyle/>
+        <a:p>
+          <a:endParaRPr lang="fr-FR"/>
+        </a:p>
+      </dgm:t>
+    </dgm:pt>
+    <dgm:pt modelId="{8DE6E6D8-71BF-404E-8ED5-B0D3C50EC371}">
+      <dgm:prSet phldrT="[Texte]"/>
+      <dgm:spPr/>
+      <dgm:t>
+        <a:bodyPr/>
+        <a:lstStyle/>
+        <a:p>
+          <a:r>
+            <a:rPr lang="fr-FR" dirty="0" smtClean="0"/>
+            <a:t>À La réception</a:t>
+          </a:r>
+          <a:endParaRPr lang="fr-FR" dirty="0"/>
+        </a:p>
+      </dgm:t>
+    </dgm:pt>
+    <dgm:pt modelId="{16C23160-B7AE-4F71-BFF3-E5B760AA44B6}" type="parTrans" cxnId="{B472EB01-2E54-45FC-9443-319C76718333}">
+      <dgm:prSet/>
+      <dgm:spPr/>
+      <dgm:t>
+        <a:bodyPr/>
+        <a:lstStyle/>
+        <a:p>
+          <a:endParaRPr lang="fr-FR"/>
+        </a:p>
+      </dgm:t>
+    </dgm:pt>
+    <dgm:pt modelId="{7890AD78-E448-4C77-BF5D-41DA57FDD6E3}" type="sibTrans" cxnId="{B472EB01-2E54-45FC-9443-319C76718333}">
+      <dgm:prSet/>
+      <dgm:spPr/>
+      <dgm:t>
+        <a:bodyPr/>
+        <a:lstStyle/>
+        <a:p>
+          <a:endParaRPr lang="fr-FR"/>
+        </a:p>
+      </dgm:t>
+    </dgm:pt>
+    <dgm:pt modelId="{9562F78F-2B03-4B0A-85A1-7608B9341C73}">
+      <dgm:prSet phldrT="[Texte]"/>
+      <dgm:spPr/>
+      <dgm:t>
+        <a:bodyPr/>
+        <a:lstStyle/>
+        <a:p>
+          <a:r>
+            <a:rPr lang="fr-FR" dirty="0" smtClean="0"/>
+            <a:t>Montage du matériel et calibration R/C</a:t>
+          </a:r>
+          <a:endParaRPr lang="fr-FR" dirty="0"/>
+        </a:p>
+      </dgm:t>
+    </dgm:pt>
+    <dgm:pt modelId="{AD38C3B4-974B-4B47-9D72-E8A7E58B09A8}" type="parTrans" cxnId="{13E35594-2433-458E-A05B-33F6BE8EF33C}">
+      <dgm:prSet/>
+      <dgm:spPr/>
+      <dgm:t>
+        <a:bodyPr/>
+        <a:lstStyle/>
+        <a:p>
+          <a:endParaRPr lang="fr-FR"/>
+        </a:p>
+      </dgm:t>
+    </dgm:pt>
+    <dgm:pt modelId="{F0366B8C-C7E2-45F5-901C-70F1CF4B1BAF}" type="sibTrans" cxnId="{13E35594-2433-458E-A05B-33F6BE8EF33C}">
+      <dgm:prSet/>
+      <dgm:spPr/>
+      <dgm:t>
+        <a:bodyPr/>
+        <a:lstStyle/>
+        <a:p>
+          <a:endParaRPr lang="fr-FR"/>
+        </a:p>
+      </dgm:t>
+    </dgm:pt>
+    <dgm:pt modelId="{46F901C9-2BF1-4A1D-8B5E-CA6D44FD5893}">
+      <dgm:prSet phldrT="[Texte]"/>
+      <dgm:spPr/>
+      <dgm:t>
+        <a:bodyPr/>
+        <a:lstStyle/>
+        <a:p>
+          <a:r>
+            <a:rPr lang="fr-FR" dirty="0" err="1" smtClean="0"/>
+            <a:t>Communication</a:t>
+          </a:r>
+          <a:r>
+            <a:rPr lang="fr-FR" dirty="0" smtClean="0"/>
+            <a:t> quadri – PC</a:t>
+          </a:r>
+          <a:endParaRPr lang="fr-FR" dirty="0"/>
+        </a:p>
+      </dgm:t>
+    </dgm:pt>
+    <dgm:pt modelId="{6099A0CA-2567-404F-9431-B5AF608364A6}" type="parTrans" cxnId="{4B2E4E9F-F2C1-4FED-912A-99C8838B0F8B}">
+      <dgm:prSet/>
+      <dgm:spPr/>
+      <dgm:t>
+        <a:bodyPr/>
+        <a:lstStyle/>
+        <a:p>
+          <a:endParaRPr lang="fr-FR"/>
+        </a:p>
+      </dgm:t>
+    </dgm:pt>
+    <dgm:pt modelId="{8C0A0BFC-549A-4DB4-B02A-69B9145AD320}" type="sibTrans" cxnId="{4B2E4E9F-F2C1-4FED-912A-99C8838B0F8B}">
+      <dgm:prSet/>
+      <dgm:spPr/>
+      <dgm:t>
+        <a:bodyPr/>
+        <a:lstStyle/>
+        <a:p>
+          <a:endParaRPr lang="fr-FR"/>
+        </a:p>
+      </dgm:t>
+    </dgm:pt>
+    <dgm:pt modelId="{E49D2691-E374-4485-8CD0-017859A5596F}">
+      <dgm:prSet phldrT="[Texte]"/>
+      <dgm:spPr>
+        <a:solidFill>
+          <a:srgbClr val="C00000"/>
+        </a:solidFill>
+        <a:ln>
+          <a:solidFill>
+            <a:srgbClr val="C00000"/>
+          </a:solidFill>
+        </a:ln>
+      </dgm:spPr>
+      <dgm:t>
+        <a:bodyPr/>
+        <a:lstStyle/>
+        <a:p>
+          <a:r>
+            <a:rPr lang="fr-FR" dirty="0" smtClean="0"/>
+            <a:t>5/11/2012</a:t>
+          </a:r>
+          <a:endParaRPr lang="fr-FR" dirty="0"/>
+        </a:p>
+      </dgm:t>
+    </dgm:pt>
+    <dgm:pt modelId="{3CC1D879-26ED-4D81-9EDC-F944CBBD1182}" type="parTrans" cxnId="{6B48E8F2-1F1E-4F74-8F92-242D7A7341DC}">
+      <dgm:prSet/>
+      <dgm:spPr/>
+      <dgm:t>
+        <a:bodyPr/>
+        <a:lstStyle/>
+        <a:p>
+          <a:endParaRPr lang="fr-FR"/>
+        </a:p>
+      </dgm:t>
+    </dgm:pt>
+    <dgm:pt modelId="{10DB26F4-2DA6-467B-A677-1CE69A8AF877}" type="sibTrans" cxnId="{6B48E8F2-1F1E-4F74-8F92-242D7A7341DC}">
+      <dgm:prSet/>
+      <dgm:spPr/>
+      <dgm:t>
+        <a:bodyPr/>
+        <a:lstStyle/>
+        <a:p>
+          <a:endParaRPr lang="fr-FR"/>
+        </a:p>
+      </dgm:t>
+    </dgm:pt>
+    <dgm:pt modelId="{EE29DE21-DA1A-4DFF-B0E6-592A4ED13064}">
+      <dgm:prSet phldrT="[Texte]"/>
+      <dgm:spPr>
+        <a:ln>
+          <a:solidFill>
+            <a:srgbClr val="C00000"/>
+          </a:solidFill>
+        </a:ln>
+      </dgm:spPr>
+      <dgm:t>
+        <a:bodyPr/>
+        <a:lstStyle/>
+        <a:p>
+          <a:r>
+            <a:rPr lang="fr-FR" dirty="0" smtClean="0"/>
+            <a:t>Commande de matériel</a:t>
+          </a:r>
+          <a:endParaRPr lang="fr-FR" dirty="0"/>
+        </a:p>
+      </dgm:t>
+    </dgm:pt>
+    <dgm:pt modelId="{8DA91831-885C-4A89-B97F-AB76D44594F0}" type="parTrans" cxnId="{576898AE-C8DF-4ED5-8516-C573099961A6}">
+      <dgm:prSet/>
+      <dgm:spPr/>
+      <dgm:t>
+        <a:bodyPr/>
+        <a:lstStyle/>
+        <a:p>
+          <a:endParaRPr lang="fr-FR"/>
+        </a:p>
+      </dgm:t>
+    </dgm:pt>
+    <dgm:pt modelId="{5A094CFB-F85B-466F-B29A-64F90FDE602C}" type="sibTrans" cxnId="{576898AE-C8DF-4ED5-8516-C573099961A6}">
+      <dgm:prSet/>
+      <dgm:spPr/>
+      <dgm:t>
+        <a:bodyPr/>
+        <a:lstStyle/>
+        <a:p>
+          <a:endParaRPr lang="fr-FR"/>
+        </a:p>
+      </dgm:t>
+    </dgm:pt>
+    <dgm:pt modelId="{B549C54D-7CC0-4104-BFE2-DD86D13C9A28}">
+      <dgm:prSet phldrT="[Texte]"/>
+      <dgm:spPr/>
+      <dgm:t>
+        <a:bodyPr/>
+        <a:lstStyle/>
+        <a:p>
+          <a:r>
+            <a:rPr lang="fr-FR" dirty="0"/>
+            <a:t>02/01/2012</a:t>
+          </a:r>
+        </a:p>
+      </dgm:t>
+    </dgm:pt>
+    <dgm:pt modelId="{9D29418B-9EF2-40AD-917D-3425E871ED2C}" type="parTrans" cxnId="{D9D34EF3-F4E2-4BC6-8ECA-A4BF1773FE22}">
+      <dgm:prSet/>
+      <dgm:spPr/>
+      <dgm:t>
+        <a:bodyPr/>
+        <a:lstStyle/>
+        <a:p>
+          <a:endParaRPr lang="fr-FR"/>
+        </a:p>
+      </dgm:t>
+    </dgm:pt>
+    <dgm:pt modelId="{23B1FE75-6CDA-4A85-A360-0EC75EC5CBA4}" type="sibTrans" cxnId="{D9D34EF3-F4E2-4BC6-8ECA-A4BF1773FE22}">
+      <dgm:prSet/>
+      <dgm:spPr/>
+      <dgm:t>
+        <a:bodyPr/>
+        <a:lstStyle/>
+        <a:p>
+          <a:endParaRPr lang="fr-FR"/>
+        </a:p>
+      </dgm:t>
+    </dgm:pt>
+    <dgm:pt modelId="{D84168EC-BA0A-4067-B20A-DBC567D28936}">
+      <dgm:prSet phldrT="[Texte]"/>
+      <dgm:spPr/>
+      <dgm:t>
+        <a:bodyPr/>
+        <a:lstStyle/>
+        <a:p>
+          <a:r>
+            <a:rPr lang="fr-FR" dirty="0" smtClean="0"/>
+            <a:t>Interface</a:t>
+          </a:r>
+          <a:endParaRPr lang="fr-FR" dirty="0"/>
+        </a:p>
+      </dgm:t>
+    </dgm:pt>
+    <dgm:pt modelId="{3B046CAC-F830-4A87-9E29-25B65AC99082}" type="parTrans" cxnId="{E3569CC5-54EC-4D7B-8D3E-9525F78C6AD9}">
+      <dgm:prSet/>
+      <dgm:spPr/>
+      <dgm:t>
+        <a:bodyPr/>
+        <a:lstStyle/>
+        <a:p>
+          <a:endParaRPr lang="fr-FR"/>
+        </a:p>
+      </dgm:t>
+    </dgm:pt>
+    <dgm:pt modelId="{FD329580-1152-4652-AD08-94F7277FF66E}" type="sibTrans" cxnId="{E3569CC5-54EC-4D7B-8D3E-9525F78C6AD9}">
+      <dgm:prSet/>
+      <dgm:spPr/>
+      <dgm:t>
+        <a:bodyPr/>
+        <a:lstStyle/>
+        <a:p>
+          <a:endParaRPr lang="fr-FR"/>
+        </a:p>
+      </dgm:t>
+    </dgm:pt>
+    <dgm:pt modelId="{9281AEC2-3CF7-4941-9C26-3D5D643D6368}">
+      <dgm:prSet phldrT="[Texte]"/>
+      <dgm:spPr/>
+      <dgm:t>
+        <a:bodyPr/>
+        <a:lstStyle/>
+        <a:p>
+          <a:r>
+            <a:rPr lang="fr-FR" dirty="0"/>
+            <a:t>10/04/12</a:t>
+          </a:r>
+        </a:p>
+      </dgm:t>
+    </dgm:pt>
+    <dgm:pt modelId="{CB553776-641B-4E30-88A0-DEBCD911BCEE}" type="parTrans" cxnId="{7BDC0DDF-55D4-4AE8-923C-F474826AA931}">
+      <dgm:prSet/>
+      <dgm:spPr/>
+      <dgm:t>
+        <a:bodyPr/>
+        <a:lstStyle/>
+        <a:p>
+          <a:endParaRPr lang="fr-FR"/>
+        </a:p>
+      </dgm:t>
+    </dgm:pt>
+    <dgm:pt modelId="{9646F120-4B0A-4CFD-BCDD-6876F1326FD4}" type="sibTrans" cxnId="{7BDC0DDF-55D4-4AE8-923C-F474826AA931}">
+      <dgm:prSet/>
+      <dgm:spPr/>
+      <dgm:t>
+        <a:bodyPr/>
+        <a:lstStyle/>
+        <a:p>
+          <a:endParaRPr lang="fr-FR"/>
+        </a:p>
+      </dgm:t>
+    </dgm:pt>
+    <dgm:pt modelId="{C89C5535-6C3E-4C03-B305-EC006290FB84}">
+      <dgm:prSet phldrT="[Texte]"/>
+      <dgm:spPr/>
+      <dgm:t>
+        <a:bodyPr/>
+        <a:lstStyle/>
+        <a:p>
+          <a:r>
+            <a:rPr lang="fr-FR" dirty="0" smtClean="0"/>
+            <a:t>Tests</a:t>
+          </a:r>
+          <a:endParaRPr lang="fr-FR" dirty="0"/>
+        </a:p>
+      </dgm:t>
+    </dgm:pt>
+    <dgm:pt modelId="{CCF67694-2DC5-4B0D-AED3-066B57513CB7}" type="parTrans" cxnId="{A44E954C-3036-4224-86DC-8229437201AD}">
+      <dgm:prSet/>
+      <dgm:spPr/>
+      <dgm:t>
+        <a:bodyPr/>
+        <a:lstStyle/>
+        <a:p>
+          <a:endParaRPr lang="fr-FR"/>
+        </a:p>
+      </dgm:t>
+    </dgm:pt>
+    <dgm:pt modelId="{CB5044DF-75BB-4E8B-8D88-B8837CF625C1}" type="sibTrans" cxnId="{A44E954C-3036-4224-86DC-8229437201AD}">
+      <dgm:prSet/>
+      <dgm:spPr/>
+      <dgm:t>
+        <a:bodyPr/>
+        <a:lstStyle/>
+        <a:p>
+          <a:endParaRPr lang="fr-FR"/>
+        </a:p>
+      </dgm:t>
+    </dgm:pt>
+    <dgm:pt modelId="{7D2FB762-0229-4078-BC90-6DDC16A018D1}">
+      <dgm:prSet phldrT="[Texte]"/>
+      <dgm:spPr/>
+      <dgm:t>
+        <a:bodyPr/>
+        <a:lstStyle/>
+        <a:p>
+          <a:r>
+            <a:rPr lang="fr-FR" dirty="0"/>
+            <a:t>13/05/2012</a:t>
+          </a:r>
+        </a:p>
+      </dgm:t>
+    </dgm:pt>
+    <dgm:pt modelId="{882D6E43-D737-4B60-83E5-75CD489DF722}" type="parTrans" cxnId="{817A70AF-6EB9-43B3-9C1E-D0E3D9D0FB8A}">
+      <dgm:prSet/>
+      <dgm:spPr/>
+      <dgm:t>
+        <a:bodyPr/>
+        <a:lstStyle/>
+        <a:p>
+          <a:endParaRPr lang="fr-FR"/>
+        </a:p>
+      </dgm:t>
+    </dgm:pt>
+    <dgm:pt modelId="{33967603-9028-4EEE-99F2-74086CC5D310}" type="sibTrans" cxnId="{817A70AF-6EB9-43B3-9C1E-D0E3D9D0FB8A}">
+      <dgm:prSet/>
+      <dgm:spPr/>
+      <dgm:t>
+        <a:bodyPr/>
+        <a:lstStyle/>
+        <a:p>
+          <a:endParaRPr lang="fr-FR"/>
+        </a:p>
+      </dgm:t>
+    </dgm:pt>
+    <dgm:pt modelId="{EBE69C7C-DA59-4A94-BEC7-901135F1C0F0}">
+      <dgm:prSet phldrT="[Texte]"/>
+      <dgm:spPr>
+        <a:ln>
+          <a:solidFill>
+            <a:srgbClr val="C00000"/>
+          </a:solidFill>
+        </a:ln>
+      </dgm:spPr>
+      <dgm:t>
+        <a:bodyPr/>
+        <a:lstStyle/>
+        <a:p>
+          <a:r>
+            <a:rPr lang="fr-FR" dirty="0"/>
+            <a:t>Livrable Final</a:t>
+          </a:r>
+        </a:p>
+      </dgm:t>
+    </dgm:pt>
+    <dgm:pt modelId="{3110E8BF-709F-4F2F-922B-15476EC6DC5C}" type="parTrans" cxnId="{BE074011-947D-4279-AA5C-B1C68F9591C5}">
+      <dgm:prSet/>
+      <dgm:spPr/>
+      <dgm:t>
+        <a:bodyPr/>
+        <a:lstStyle/>
+        <a:p>
+          <a:endParaRPr lang="fr-FR"/>
+        </a:p>
+      </dgm:t>
+    </dgm:pt>
+    <dgm:pt modelId="{D4C916F7-B538-450D-8614-382273170F66}" type="sibTrans" cxnId="{BE074011-947D-4279-AA5C-B1C68F9591C5}">
+      <dgm:prSet/>
+      <dgm:spPr/>
+      <dgm:t>
+        <a:bodyPr/>
+        <a:lstStyle/>
+        <a:p>
+          <a:endParaRPr lang="fr-FR"/>
+        </a:p>
+      </dgm:t>
+    </dgm:pt>
+    <dgm:pt modelId="{6BD9EB51-F366-4912-B5F4-D92455707308}">
+      <dgm:prSet phldrT="[Texte]"/>
+      <dgm:spPr>
+        <a:solidFill>
+          <a:srgbClr val="C00000"/>
+        </a:solidFill>
+        <a:ln>
+          <a:solidFill>
+            <a:srgbClr val="C00000"/>
+          </a:solidFill>
+        </a:ln>
+      </dgm:spPr>
+      <dgm:t>
+        <a:bodyPr/>
+        <a:lstStyle/>
+        <a:p>
+          <a:r>
+            <a:rPr lang="fr-FR" dirty="0"/>
+            <a:t>17/06/13</a:t>
+          </a:r>
+        </a:p>
+      </dgm:t>
+    </dgm:pt>
+    <dgm:pt modelId="{87846598-6799-4E60-9763-B6F6D1009090}" type="parTrans" cxnId="{DCE4A30F-204B-4576-A85C-5E6038FF8F9B}">
+      <dgm:prSet/>
+      <dgm:spPr/>
+      <dgm:t>
+        <a:bodyPr/>
+        <a:lstStyle/>
+        <a:p>
+          <a:endParaRPr lang="fr-FR"/>
+        </a:p>
+      </dgm:t>
+    </dgm:pt>
+    <dgm:pt modelId="{8014758C-43A1-4356-B7D6-C25DFDEEF43F}" type="sibTrans" cxnId="{DCE4A30F-204B-4576-A85C-5E6038FF8F9B}">
+      <dgm:prSet/>
+      <dgm:spPr/>
+      <dgm:t>
+        <a:bodyPr/>
+        <a:lstStyle/>
+        <a:p>
+          <a:endParaRPr lang="fr-FR"/>
+        </a:p>
+      </dgm:t>
+    </dgm:pt>
+    <dgm:pt modelId="{596C5167-5768-4342-A3CF-014481ABC084}">
+      <dgm:prSet phldrT="[Texte]"/>
+      <dgm:spPr>
+        <a:ln>
+          <a:solidFill>
+            <a:srgbClr val="C00000"/>
+          </a:solidFill>
+        </a:ln>
+      </dgm:spPr>
+      <dgm:t>
+        <a:bodyPr/>
+        <a:lstStyle/>
+        <a:p>
+          <a:r>
+            <a:rPr lang="fr-FR" dirty="0"/>
+            <a:t>Point d'avancement critique</a:t>
+          </a:r>
+        </a:p>
+      </dgm:t>
+    </dgm:pt>
+    <dgm:pt modelId="{1E1D20C0-B6FA-4A34-823A-F94B4C87F8C3}" type="parTrans" cxnId="{BA3997C3-F828-4AE8-BF52-19E596F1F531}">
+      <dgm:prSet/>
+      <dgm:spPr/>
+      <dgm:t>
+        <a:bodyPr/>
+        <a:lstStyle/>
+        <a:p>
+          <a:endParaRPr lang="fr-FR"/>
+        </a:p>
+      </dgm:t>
+    </dgm:pt>
+    <dgm:pt modelId="{B675B7CB-0CD1-414F-BDFA-C9CF5C1E6ADB}" type="sibTrans" cxnId="{BA3997C3-F828-4AE8-BF52-19E596F1F531}">
+      <dgm:prSet/>
+      <dgm:spPr/>
+      <dgm:t>
+        <a:bodyPr/>
+        <a:lstStyle/>
+        <a:p>
+          <a:endParaRPr lang="fr-FR"/>
+        </a:p>
+      </dgm:t>
+    </dgm:pt>
+    <dgm:pt modelId="{FF41BA65-0220-4B54-8F11-D4971FACC208}">
+      <dgm:prSet phldrT="[Texte]"/>
+      <dgm:spPr>
+        <a:solidFill>
+          <a:srgbClr val="C00000"/>
+        </a:solidFill>
+        <a:ln>
+          <a:solidFill>
+            <a:srgbClr val="C00000"/>
+          </a:solidFill>
+        </a:ln>
+      </dgm:spPr>
+      <dgm:t>
+        <a:bodyPr/>
+        <a:lstStyle/>
+        <a:p>
+          <a:r>
+            <a:rPr lang="fr-FR" dirty="0"/>
+            <a:t>04/02/2012</a:t>
+          </a:r>
+        </a:p>
+      </dgm:t>
+    </dgm:pt>
+    <dgm:pt modelId="{F97EB723-05F0-4D29-9B8B-F10BBBD3A568}" type="parTrans" cxnId="{26A79B9C-1A9E-4A03-AB8F-5C768977E40C}">
+      <dgm:prSet/>
+      <dgm:spPr/>
+      <dgm:t>
+        <a:bodyPr/>
+        <a:lstStyle/>
+        <a:p>
+          <a:endParaRPr lang="fr-FR"/>
+        </a:p>
+      </dgm:t>
+    </dgm:pt>
+    <dgm:pt modelId="{CF7CBD21-20B3-46A6-ADC3-37547996697D}" type="sibTrans" cxnId="{26A79B9C-1A9E-4A03-AB8F-5C768977E40C}">
+      <dgm:prSet/>
+      <dgm:spPr/>
+      <dgm:t>
+        <a:bodyPr/>
+        <a:lstStyle/>
+        <a:p>
+          <a:endParaRPr lang="fr-FR"/>
+        </a:p>
+      </dgm:t>
+    </dgm:pt>
+    <dgm:pt modelId="{DF7603F5-7CEC-4BFE-BE3C-A37D1A4A720E}">
+      <dgm:prSet phldrT="[Texte]"/>
+      <dgm:spPr/>
+      <dgm:t>
+        <a:bodyPr/>
+        <a:lstStyle/>
+        <a:p>
+          <a:r>
+            <a:rPr lang="fr-FR" dirty="0"/>
+            <a:t>Commande de vol</a:t>
+          </a:r>
+        </a:p>
+      </dgm:t>
+    </dgm:pt>
+    <dgm:pt modelId="{3D906453-C2F4-4C40-9C59-401A6E08FAE3}" type="parTrans" cxnId="{CF60FDC6-EE4B-445B-B57E-47861F403DF8}">
+      <dgm:prSet/>
+      <dgm:spPr/>
+      <dgm:t>
+        <a:bodyPr/>
+        <a:lstStyle/>
+        <a:p>
+          <a:endParaRPr lang="fr-FR"/>
+        </a:p>
+      </dgm:t>
+    </dgm:pt>
+    <dgm:pt modelId="{DC2651C7-FE1B-4863-935F-2F47ED735B86}" type="sibTrans" cxnId="{CF60FDC6-EE4B-445B-B57E-47861F403DF8}">
+      <dgm:prSet/>
+      <dgm:spPr/>
+      <dgm:t>
+        <a:bodyPr/>
+        <a:lstStyle/>
+        <a:p>
+          <a:endParaRPr lang="fr-FR"/>
+        </a:p>
+      </dgm:t>
+    </dgm:pt>
+    <dgm:pt modelId="{9DE633E5-9837-4A1B-8A46-EF05B2F9BA3E}">
+      <dgm:prSet phldrT="[Texte]"/>
+      <dgm:spPr/>
+      <dgm:t>
+        <a:bodyPr/>
+        <a:lstStyle/>
+        <a:p>
+          <a:r>
+            <a:rPr lang="fr-FR" dirty="0"/>
+            <a:t>11/02/2012</a:t>
+          </a:r>
+        </a:p>
+      </dgm:t>
+    </dgm:pt>
+    <dgm:pt modelId="{5ACEDC46-61D2-4E7B-81A2-0E8060B066E1}" type="parTrans" cxnId="{7007BB78-4F86-4C3D-B4C4-499F462C2FF6}">
+      <dgm:prSet/>
+      <dgm:spPr/>
+      <dgm:t>
+        <a:bodyPr/>
+        <a:lstStyle/>
+        <a:p>
+          <a:endParaRPr lang="fr-FR"/>
+        </a:p>
+      </dgm:t>
+    </dgm:pt>
+    <dgm:pt modelId="{7B1AC2AB-4F8E-405D-9A01-E04672DE39FC}" type="sibTrans" cxnId="{7007BB78-4F86-4C3D-B4C4-499F462C2FF6}">
+      <dgm:prSet/>
+      <dgm:spPr/>
+      <dgm:t>
+        <a:bodyPr/>
+        <a:lstStyle/>
+        <a:p>
+          <a:endParaRPr lang="fr-FR"/>
+        </a:p>
+      </dgm:t>
+    </dgm:pt>
+    <dgm:pt modelId="{37520B6C-1446-4920-8E02-32F16CCC1045}">
+      <dgm:prSet phldrT="[Texte]"/>
+      <dgm:spPr>
+        <a:ln>
+          <a:solidFill>
+            <a:srgbClr val="C00000"/>
+          </a:solidFill>
+        </a:ln>
+      </dgm:spPr>
+      <dgm:t>
+        <a:bodyPr/>
+        <a:lstStyle/>
+        <a:p>
+          <a:r>
+            <a:rPr lang="fr-FR" dirty="0"/>
+            <a:t>Point d'avancement Critique</a:t>
+          </a:r>
+        </a:p>
+      </dgm:t>
+    </dgm:pt>
+    <dgm:pt modelId="{5999E1A1-4613-45DE-9AC6-96B81D96C38E}" type="parTrans" cxnId="{FD2D58B0-BBF1-403E-8187-BB98DBE334CA}">
+      <dgm:prSet/>
+      <dgm:spPr/>
+      <dgm:t>
+        <a:bodyPr/>
+        <a:lstStyle/>
+        <a:p>
+          <a:endParaRPr lang="fr-FR"/>
+        </a:p>
+      </dgm:t>
+    </dgm:pt>
+    <dgm:pt modelId="{8D1DA164-6C2B-4A60-B2E3-400F9BD813A3}" type="sibTrans" cxnId="{FD2D58B0-BBF1-403E-8187-BB98DBE334CA}">
+      <dgm:prSet/>
+      <dgm:spPr/>
+      <dgm:t>
+        <a:bodyPr/>
+        <a:lstStyle/>
+        <a:p>
+          <a:endParaRPr lang="fr-FR"/>
+        </a:p>
+      </dgm:t>
+    </dgm:pt>
+    <dgm:pt modelId="{261C5C28-99E7-47AE-9BBA-82E5EA5947EE}">
+      <dgm:prSet phldrT="[Texte]"/>
+      <dgm:spPr>
+        <a:solidFill>
+          <a:srgbClr val="C00000"/>
+        </a:solidFill>
+        <a:ln>
+          <a:solidFill>
+            <a:srgbClr val="C00000"/>
+          </a:solidFill>
+        </a:ln>
+      </dgm:spPr>
+      <dgm:t>
+        <a:bodyPr/>
+        <a:lstStyle/>
+        <a:p>
+          <a:r>
+            <a:rPr lang="fr-FR" dirty="0"/>
+            <a:t>19/03/2012</a:t>
+          </a:r>
+        </a:p>
+      </dgm:t>
+    </dgm:pt>
+    <dgm:pt modelId="{A21101B1-6627-4A48-9951-EE6B0CFC23BA}" type="parTrans" cxnId="{34A7BB5B-C5D9-4D5F-B7EA-3A661B5BA5F1}">
+      <dgm:prSet/>
+      <dgm:spPr/>
+      <dgm:t>
+        <a:bodyPr/>
+        <a:lstStyle/>
+        <a:p>
+          <a:endParaRPr lang="fr-FR"/>
+        </a:p>
+      </dgm:t>
+    </dgm:pt>
+    <dgm:pt modelId="{212A4122-9E44-463B-BD22-C7DFE0775086}" type="sibTrans" cxnId="{34A7BB5B-C5D9-4D5F-B7EA-3A661B5BA5F1}">
+      <dgm:prSet/>
+      <dgm:spPr/>
+      <dgm:t>
+        <a:bodyPr/>
+        <a:lstStyle/>
+        <a:p>
+          <a:endParaRPr lang="fr-FR"/>
+        </a:p>
+      </dgm:t>
+    </dgm:pt>
+    <dgm:pt modelId="{16311DCF-BA99-45F1-91B6-E5846E515FEC}" type="pres">
+      <dgm:prSet presAssocID="{C37045AB-AD52-4AB1-9AA5-A8691FD5E1E7}" presName="linearFlow" presStyleCnt="0">
+        <dgm:presLayoutVars>
+          <dgm:dir/>
+          <dgm:animLvl val="lvl"/>
+          <dgm:resizeHandles val="exact"/>
+        </dgm:presLayoutVars>
+      </dgm:prSet>
+      <dgm:spPr/>
+      <dgm:t>
+        <a:bodyPr/>
+        <a:lstStyle/>
+        <a:p>
+          <a:endParaRPr lang="fr-FR"/>
+        </a:p>
+      </dgm:t>
+    </dgm:pt>
+    <dgm:pt modelId="{7B4736A7-1BDD-4A8E-936F-621AF8FCD70B}" type="pres">
+      <dgm:prSet presAssocID="{53ECEFCB-C779-4CD5-BA6F-C3ADCC43F8E8}" presName="composite" presStyleCnt="0"/>
+      <dgm:spPr/>
+    </dgm:pt>
+    <dgm:pt modelId="{F4F68D21-A532-4CD3-848A-6A21B1E5ED00}" type="pres">
+      <dgm:prSet presAssocID="{53ECEFCB-C779-4CD5-BA6F-C3ADCC43F8E8}" presName="parentText" presStyleLbl="alignNode1" presStyleIdx="0" presStyleCnt="11">
+        <dgm:presLayoutVars>
+          <dgm:chMax val="1"/>
+          <dgm:bulletEnabled val="1"/>
+        </dgm:presLayoutVars>
+      </dgm:prSet>
+      <dgm:spPr/>
+      <dgm:t>
+        <a:bodyPr/>
+        <a:lstStyle/>
+        <a:p>
+          <a:endParaRPr lang="fr-FR"/>
+        </a:p>
+      </dgm:t>
+    </dgm:pt>
+    <dgm:pt modelId="{2CBD724B-AFB3-418F-A4F1-04F55608CC97}" type="pres">
+      <dgm:prSet presAssocID="{53ECEFCB-C779-4CD5-BA6F-C3ADCC43F8E8}" presName="descendantText" presStyleLbl="alignAcc1" presStyleIdx="0" presStyleCnt="11" custLinFactNeighborX="0" custLinFactNeighborY="-363">
+        <dgm:presLayoutVars>
+          <dgm:bulletEnabled val="1"/>
+        </dgm:presLayoutVars>
+      </dgm:prSet>
+      <dgm:spPr/>
+      <dgm:t>
+        <a:bodyPr/>
+        <a:lstStyle/>
+        <a:p>
+          <a:endParaRPr lang="fr-FR"/>
+        </a:p>
+      </dgm:t>
+    </dgm:pt>
+    <dgm:pt modelId="{807CC53E-3BD6-4189-ACFC-70A10FF81254}" type="pres">
+      <dgm:prSet presAssocID="{17DAB22A-7CDB-44A7-AFE7-2DF4F81C6603}" presName="sp" presStyleCnt="0"/>
+      <dgm:spPr/>
+    </dgm:pt>
+    <dgm:pt modelId="{02891CC1-C891-49D7-B181-96705B65752F}" type="pres">
+      <dgm:prSet presAssocID="{E49D2691-E374-4485-8CD0-017859A5596F}" presName="composite" presStyleCnt="0"/>
+      <dgm:spPr/>
+    </dgm:pt>
+    <dgm:pt modelId="{C07B4CCE-0D63-4A58-BF97-8B1DAA93BC0A}" type="pres">
+      <dgm:prSet presAssocID="{E49D2691-E374-4485-8CD0-017859A5596F}" presName="parentText" presStyleLbl="alignNode1" presStyleIdx="1" presStyleCnt="11">
+        <dgm:presLayoutVars>
+          <dgm:chMax val="1"/>
+          <dgm:bulletEnabled val="1"/>
+        </dgm:presLayoutVars>
+      </dgm:prSet>
+      <dgm:spPr/>
+      <dgm:t>
+        <a:bodyPr/>
+        <a:lstStyle/>
+        <a:p>
+          <a:endParaRPr lang="fr-FR"/>
+        </a:p>
+      </dgm:t>
+    </dgm:pt>
+    <dgm:pt modelId="{20E51FB4-9F0D-460B-8DCA-E32FD769340D}" type="pres">
+      <dgm:prSet presAssocID="{E49D2691-E374-4485-8CD0-017859A5596F}" presName="descendantText" presStyleLbl="alignAcc1" presStyleIdx="1" presStyleCnt="11">
+        <dgm:presLayoutVars>
+          <dgm:bulletEnabled val="1"/>
+        </dgm:presLayoutVars>
+      </dgm:prSet>
+      <dgm:spPr/>
+      <dgm:t>
+        <a:bodyPr/>
+        <a:lstStyle/>
+        <a:p>
+          <a:endParaRPr lang="fr-FR"/>
+        </a:p>
+      </dgm:t>
+    </dgm:pt>
+    <dgm:pt modelId="{A65250FB-BBEC-408C-B884-64B8583C17E5}" type="pres">
+      <dgm:prSet presAssocID="{10DB26F4-2DA6-467B-A677-1CE69A8AF877}" presName="sp" presStyleCnt="0"/>
+      <dgm:spPr/>
+    </dgm:pt>
+    <dgm:pt modelId="{8B7A6FB9-1B67-4852-AF4A-91DB1292A670}" type="pres">
+      <dgm:prSet presAssocID="{84CBA4DF-9766-4AF4-8D52-6978EC3191F4}" presName="composite" presStyleCnt="0"/>
+      <dgm:spPr/>
+    </dgm:pt>
+    <dgm:pt modelId="{1A6CF5FE-E3CE-42DB-A680-7CF3D9197B2A}" type="pres">
+      <dgm:prSet presAssocID="{84CBA4DF-9766-4AF4-8D52-6978EC3191F4}" presName="parentText" presStyleLbl="alignNode1" presStyleIdx="2" presStyleCnt="11">
+        <dgm:presLayoutVars>
+          <dgm:chMax val="1"/>
+          <dgm:bulletEnabled val="1"/>
+        </dgm:presLayoutVars>
+      </dgm:prSet>
+      <dgm:spPr/>
+      <dgm:t>
+        <a:bodyPr/>
+        <a:lstStyle/>
+        <a:p>
+          <a:endParaRPr lang="fr-FR"/>
+        </a:p>
+      </dgm:t>
+    </dgm:pt>
+    <dgm:pt modelId="{AE0193D3-02EE-44F1-9994-C1D73397E89B}" type="pres">
+      <dgm:prSet presAssocID="{84CBA4DF-9766-4AF4-8D52-6978EC3191F4}" presName="descendantText" presStyleLbl="alignAcc1" presStyleIdx="2" presStyleCnt="11">
+        <dgm:presLayoutVars>
+          <dgm:bulletEnabled val="1"/>
+        </dgm:presLayoutVars>
+      </dgm:prSet>
+      <dgm:spPr/>
+      <dgm:t>
+        <a:bodyPr/>
+        <a:lstStyle/>
+        <a:p>
+          <a:endParaRPr lang="fr-FR"/>
+        </a:p>
+      </dgm:t>
+    </dgm:pt>
+    <dgm:pt modelId="{FB434F45-75F1-446E-AC8E-E4DD8D448B18}" type="pres">
+      <dgm:prSet presAssocID="{668BEA88-DBD5-4373-9547-0BB89121EA66}" presName="sp" presStyleCnt="0"/>
+      <dgm:spPr/>
+    </dgm:pt>
+    <dgm:pt modelId="{6823CD4C-D785-4B56-AE14-A8D00EF9EDC0}" type="pres">
+      <dgm:prSet presAssocID="{8DE6E6D8-71BF-404E-8ED5-B0D3C50EC371}" presName="composite" presStyleCnt="0"/>
+      <dgm:spPr/>
+    </dgm:pt>
+    <dgm:pt modelId="{E01E7AB5-759C-4FE7-B908-1AA977B3A49D}" type="pres">
+      <dgm:prSet presAssocID="{8DE6E6D8-71BF-404E-8ED5-B0D3C50EC371}" presName="parentText" presStyleLbl="alignNode1" presStyleIdx="3" presStyleCnt="11">
+        <dgm:presLayoutVars>
+          <dgm:chMax val="1"/>
+          <dgm:bulletEnabled val="1"/>
+        </dgm:presLayoutVars>
+      </dgm:prSet>
+      <dgm:spPr/>
+      <dgm:t>
+        <a:bodyPr/>
+        <a:lstStyle/>
+        <a:p>
+          <a:endParaRPr lang="fr-FR"/>
+        </a:p>
+      </dgm:t>
+    </dgm:pt>
+    <dgm:pt modelId="{B1234C05-D89A-4F80-9624-244ECB8A9512}" type="pres">
+      <dgm:prSet presAssocID="{8DE6E6D8-71BF-404E-8ED5-B0D3C50EC371}" presName="descendantText" presStyleLbl="alignAcc1" presStyleIdx="3" presStyleCnt="11" custLinFactNeighborX="190">
+        <dgm:presLayoutVars>
+          <dgm:bulletEnabled val="1"/>
+        </dgm:presLayoutVars>
+      </dgm:prSet>
+      <dgm:spPr/>
+      <dgm:t>
+        <a:bodyPr/>
+        <a:lstStyle/>
+        <a:p>
+          <a:endParaRPr lang="fr-FR"/>
+        </a:p>
+      </dgm:t>
+    </dgm:pt>
+    <dgm:pt modelId="{02A4BE2E-953A-4193-8410-915C687D1A07}" type="pres">
+      <dgm:prSet presAssocID="{7890AD78-E448-4C77-BF5D-41DA57FDD6E3}" presName="sp" presStyleCnt="0"/>
+      <dgm:spPr/>
+    </dgm:pt>
+    <dgm:pt modelId="{2B5763E8-A373-4542-A82F-43EC127F70C0}" type="pres">
+      <dgm:prSet presAssocID="{B549C54D-7CC0-4104-BFE2-DD86D13C9A28}" presName="composite" presStyleCnt="0"/>
+      <dgm:spPr/>
+    </dgm:pt>
+    <dgm:pt modelId="{2DAE0C45-396F-4C3C-831D-A22F72F71429}" type="pres">
+      <dgm:prSet presAssocID="{B549C54D-7CC0-4104-BFE2-DD86D13C9A28}" presName="parentText" presStyleLbl="alignNode1" presStyleIdx="4" presStyleCnt="11">
+        <dgm:presLayoutVars>
+          <dgm:chMax val="1"/>
+          <dgm:bulletEnabled val="1"/>
+        </dgm:presLayoutVars>
+      </dgm:prSet>
+      <dgm:spPr/>
+      <dgm:t>
+        <a:bodyPr/>
+        <a:lstStyle/>
+        <a:p>
+          <a:endParaRPr lang="fr-FR"/>
+        </a:p>
+      </dgm:t>
+    </dgm:pt>
+    <dgm:pt modelId="{81801463-658B-4D1C-B84F-4D1C821E6540}" type="pres">
+      <dgm:prSet presAssocID="{B549C54D-7CC0-4104-BFE2-DD86D13C9A28}" presName="descendantText" presStyleLbl="alignAcc1" presStyleIdx="4" presStyleCnt="11">
+        <dgm:presLayoutVars>
+          <dgm:bulletEnabled val="1"/>
+        </dgm:presLayoutVars>
+      </dgm:prSet>
+      <dgm:spPr/>
+      <dgm:t>
+        <a:bodyPr/>
+        <a:lstStyle/>
+        <a:p>
+          <a:endParaRPr lang="fr-FR"/>
+        </a:p>
+      </dgm:t>
+    </dgm:pt>
+    <dgm:pt modelId="{2136E612-EDC6-429F-ADBB-4F162D5BDF77}" type="pres">
+      <dgm:prSet presAssocID="{23B1FE75-6CDA-4A85-A360-0EC75EC5CBA4}" presName="sp" presStyleCnt="0"/>
+      <dgm:spPr/>
+    </dgm:pt>
+    <dgm:pt modelId="{7D044EFF-295B-4DDE-9C78-B7F07E80C5BD}" type="pres">
+      <dgm:prSet presAssocID="{FF41BA65-0220-4B54-8F11-D4971FACC208}" presName="composite" presStyleCnt="0"/>
+      <dgm:spPr/>
+    </dgm:pt>
+    <dgm:pt modelId="{82FFD805-737F-475B-8272-0BFE30B9A8B5}" type="pres">
+      <dgm:prSet presAssocID="{FF41BA65-0220-4B54-8F11-D4971FACC208}" presName="parentText" presStyleLbl="alignNode1" presStyleIdx="5" presStyleCnt="11">
+        <dgm:presLayoutVars>
+          <dgm:chMax val="1"/>
+          <dgm:bulletEnabled val="1"/>
+        </dgm:presLayoutVars>
+      </dgm:prSet>
+      <dgm:spPr/>
+      <dgm:t>
+        <a:bodyPr/>
+        <a:lstStyle/>
+        <a:p>
+          <a:endParaRPr lang="fr-FR"/>
+        </a:p>
+      </dgm:t>
+    </dgm:pt>
+    <dgm:pt modelId="{21EE76CB-3D84-4B81-9110-5D28F3E771B0}" type="pres">
+      <dgm:prSet presAssocID="{FF41BA65-0220-4B54-8F11-D4971FACC208}" presName="descendantText" presStyleLbl="alignAcc1" presStyleIdx="5" presStyleCnt="11">
+        <dgm:presLayoutVars>
+          <dgm:bulletEnabled val="1"/>
+        </dgm:presLayoutVars>
+      </dgm:prSet>
+      <dgm:spPr/>
+      <dgm:t>
+        <a:bodyPr/>
+        <a:lstStyle/>
+        <a:p>
+          <a:endParaRPr lang="fr-FR"/>
+        </a:p>
+      </dgm:t>
+    </dgm:pt>
+    <dgm:pt modelId="{8DE0BA14-1D1F-47F8-9C68-887786A40FC5}" type="pres">
+      <dgm:prSet presAssocID="{CF7CBD21-20B3-46A6-ADC3-37547996697D}" presName="sp" presStyleCnt="0"/>
+      <dgm:spPr/>
+    </dgm:pt>
+    <dgm:pt modelId="{A8D2AA7F-2740-420F-83F7-C32DF669864D}" type="pres">
+      <dgm:prSet presAssocID="{9DE633E5-9837-4A1B-8A46-EF05B2F9BA3E}" presName="composite" presStyleCnt="0"/>
+      <dgm:spPr/>
+    </dgm:pt>
+    <dgm:pt modelId="{18D16C71-8CED-4A8E-9218-AB472E91CB63}" type="pres">
+      <dgm:prSet presAssocID="{9DE633E5-9837-4A1B-8A46-EF05B2F9BA3E}" presName="parentText" presStyleLbl="alignNode1" presStyleIdx="6" presStyleCnt="11">
+        <dgm:presLayoutVars>
+          <dgm:chMax val="1"/>
+          <dgm:bulletEnabled val="1"/>
+        </dgm:presLayoutVars>
+      </dgm:prSet>
+      <dgm:spPr/>
+      <dgm:t>
+        <a:bodyPr/>
+        <a:lstStyle/>
+        <a:p>
+          <a:endParaRPr lang="fr-FR"/>
+        </a:p>
+      </dgm:t>
+    </dgm:pt>
+    <dgm:pt modelId="{E11E8C9F-1B92-47AC-98CB-93BE71BB5B9F}" type="pres">
+      <dgm:prSet presAssocID="{9DE633E5-9837-4A1B-8A46-EF05B2F9BA3E}" presName="descendantText" presStyleLbl="alignAcc1" presStyleIdx="6" presStyleCnt="11">
+        <dgm:presLayoutVars>
+          <dgm:bulletEnabled val="1"/>
+        </dgm:presLayoutVars>
+      </dgm:prSet>
+      <dgm:spPr/>
+      <dgm:t>
+        <a:bodyPr/>
+        <a:lstStyle/>
+        <a:p>
+          <a:endParaRPr lang="fr-FR"/>
+        </a:p>
+      </dgm:t>
+    </dgm:pt>
+    <dgm:pt modelId="{6DBA8EAF-AF76-43B5-8278-DC547D742002}" type="pres">
+      <dgm:prSet presAssocID="{7B1AC2AB-4F8E-405D-9A01-E04672DE39FC}" presName="sp" presStyleCnt="0"/>
+      <dgm:spPr/>
+    </dgm:pt>
+    <dgm:pt modelId="{365D1670-445D-4A79-B6E6-22448F92848C}" type="pres">
+      <dgm:prSet presAssocID="{261C5C28-99E7-47AE-9BBA-82E5EA5947EE}" presName="composite" presStyleCnt="0"/>
+      <dgm:spPr/>
+    </dgm:pt>
+    <dgm:pt modelId="{77034779-5324-4B03-A29F-A4864243DD22}" type="pres">
+      <dgm:prSet presAssocID="{261C5C28-99E7-47AE-9BBA-82E5EA5947EE}" presName="parentText" presStyleLbl="alignNode1" presStyleIdx="7" presStyleCnt="11">
+        <dgm:presLayoutVars>
+          <dgm:chMax val="1"/>
+          <dgm:bulletEnabled val="1"/>
+        </dgm:presLayoutVars>
+      </dgm:prSet>
+      <dgm:spPr/>
+      <dgm:t>
+        <a:bodyPr/>
+        <a:lstStyle/>
+        <a:p>
+          <a:endParaRPr lang="fr-FR"/>
+        </a:p>
+      </dgm:t>
+    </dgm:pt>
+    <dgm:pt modelId="{4C4FA1E8-87B2-4537-BBF7-61CB1F2A032B}" type="pres">
+      <dgm:prSet presAssocID="{261C5C28-99E7-47AE-9BBA-82E5EA5947EE}" presName="descendantText" presStyleLbl="alignAcc1" presStyleIdx="7" presStyleCnt="11">
+        <dgm:presLayoutVars>
+          <dgm:bulletEnabled val="1"/>
+        </dgm:presLayoutVars>
+      </dgm:prSet>
+      <dgm:spPr/>
+      <dgm:t>
+        <a:bodyPr/>
+        <a:lstStyle/>
+        <a:p>
+          <a:endParaRPr lang="fr-FR"/>
+        </a:p>
+      </dgm:t>
+    </dgm:pt>
+    <dgm:pt modelId="{164068C8-9B92-4B97-B950-10F6C7F9DC94}" type="pres">
+      <dgm:prSet presAssocID="{212A4122-9E44-463B-BD22-C7DFE0775086}" presName="sp" presStyleCnt="0"/>
+      <dgm:spPr/>
+    </dgm:pt>
+    <dgm:pt modelId="{5FC185F3-B569-45E6-AC88-3685D37EBFF0}" type="pres">
+      <dgm:prSet presAssocID="{9281AEC2-3CF7-4941-9C26-3D5D643D6368}" presName="composite" presStyleCnt="0"/>
+      <dgm:spPr/>
+    </dgm:pt>
+    <dgm:pt modelId="{CF2BC555-A422-4C9E-808A-1375E6758DB7}" type="pres">
+      <dgm:prSet presAssocID="{9281AEC2-3CF7-4941-9C26-3D5D643D6368}" presName="parentText" presStyleLbl="alignNode1" presStyleIdx="8" presStyleCnt="11">
+        <dgm:presLayoutVars>
+          <dgm:chMax val="1"/>
+          <dgm:bulletEnabled val="1"/>
+        </dgm:presLayoutVars>
+      </dgm:prSet>
+      <dgm:spPr/>
+      <dgm:t>
+        <a:bodyPr/>
+        <a:lstStyle/>
+        <a:p>
+          <a:endParaRPr lang="fr-FR"/>
+        </a:p>
+      </dgm:t>
+    </dgm:pt>
+    <dgm:pt modelId="{2D409489-079A-42B5-95A4-465348C192DC}" type="pres">
+      <dgm:prSet presAssocID="{9281AEC2-3CF7-4941-9C26-3D5D643D6368}" presName="descendantText" presStyleLbl="alignAcc1" presStyleIdx="8" presStyleCnt="11">
+        <dgm:presLayoutVars>
+          <dgm:bulletEnabled val="1"/>
+        </dgm:presLayoutVars>
+      </dgm:prSet>
+      <dgm:spPr/>
+      <dgm:t>
+        <a:bodyPr/>
+        <a:lstStyle/>
+        <a:p>
+          <a:endParaRPr lang="fr-FR"/>
+        </a:p>
+      </dgm:t>
+    </dgm:pt>
+    <dgm:pt modelId="{1A1338C0-86BA-4E66-9689-013A2B678585}" type="pres">
+      <dgm:prSet presAssocID="{9646F120-4B0A-4CFD-BCDD-6876F1326FD4}" presName="sp" presStyleCnt="0"/>
+      <dgm:spPr/>
+    </dgm:pt>
+    <dgm:pt modelId="{5EDB3F29-B862-493E-AD6A-C2389FF3E73B}" type="pres">
+      <dgm:prSet presAssocID="{7D2FB762-0229-4078-BC90-6DDC16A018D1}" presName="composite" presStyleCnt="0"/>
+      <dgm:spPr/>
+    </dgm:pt>
+    <dgm:pt modelId="{2E2757CD-889B-4BFE-AFF4-CECE6BF3F53D}" type="pres">
+      <dgm:prSet presAssocID="{7D2FB762-0229-4078-BC90-6DDC16A018D1}" presName="parentText" presStyleLbl="alignNode1" presStyleIdx="9" presStyleCnt="11">
+        <dgm:presLayoutVars>
+          <dgm:chMax val="1"/>
+          <dgm:bulletEnabled val="1"/>
+        </dgm:presLayoutVars>
+      </dgm:prSet>
+      <dgm:spPr/>
+      <dgm:t>
+        <a:bodyPr/>
+        <a:lstStyle/>
+        <a:p>
+          <a:endParaRPr lang="fr-FR"/>
+        </a:p>
+      </dgm:t>
+    </dgm:pt>
+    <dgm:pt modelId="{E6315EDD-7016-48A0-B6C5-E2B94C81FBF9}" type="pres">
+      <dgm:prSet presAssocID="{7D2FB762-0229-4078-BC90-6DDC16A018D1}" presName="descendantText" presStyleLbl="alignAcc1" presStyleIdx="9" presStyleCnt="11">
+        <dgm:presLayoutVars>
+          <dgm:bulletEnabled val="1"/>
+        </dgm:presLayoutVars>
+      </dgm:prSet>
+      <dgm:spPr/>
+      <dgm:t>
+        <a:bodyPr/>
+        <a:lstStyle/>
+        <a:p>
+          <a:endParaRPr lang="fr-FR"/>
+        </a:p>
+      </dgm:t>
+    </dgm:pt>
+    <dgm:pt modelId="{09D2794A-BC79-4F07-88C7-2F529E356AC2}" type="pres">
+      <dgm:prSet presAssocID="{33967603-9028-4EEE-99F2-74086CC5D310}" presName="sp" presStyleCnt="0"/>
+      <dgm:spPr/>
+    </dgm:pt>
+    <dgm:pt modelId="{0BD04DEE-982F-4E87-ACA5-21DBB3B7DDA2}" type="pres">
+      <dgm:prSet presAssocID="{6BD9EB51-F366-4912-B5F4-D92455707308}" presName="composite" presStyleCnt="0"/>
+      <dgm:spPr/>
+    </dgm:pt>
+    <dgm:pt modelId="{C9EB9DAC-F239-4DEC-85E0-21A37A1CC121}" type="pres">
+      <dgm:prSet presAssocID="{6BD9EB51-F366-4912-B5F4-D92455707308}" presName="parentText" presStyleLbl="alignNode1" presStyleIdx="10" presStyleCnt="11">
+        <dgm:presLayoutVars>
+          <dgm:chMax val="1"/>
+          <dgm:bulletEnabled val="1"/>
+        </dgm:presLayoutVars>
+      </dgm:prSet>
+      <dgm:spPr/>
+      <dgm:t>
+        <a:bodyPr/>
+        <a:lstStyle/>
+        <a:p>
+          <a:endParaRPr lang="fr-FR"/>
+        </a:p>
+      </dgm:t>
+    </dgm:pt>
+    <dgm:pt modelId="{57F9723E-E067-4D3A-B6EA-2D316333A719}" type="pres">
+      <dgm:prSet presAssocID="{6BD9EB51-F366-4912-B5F4-D92455707308}" presName="descendantText" presStyleLbl="alignAcc1" presStyleIdx="10" presStyleCnt="11">
+        <dgm:presLayoutVars>
+          <dgm:bulletEnabled val="1"/>
+        </dgm:presLayoutVars>
+      </dgm:prSet>
+      <dgm:spPr/>
+      <dgm:t>
+        <a:bodyPr/>
+        <a:lstStyle/>
+        <a:p>
+          <a:endParaRPr lang="fr-FR"/>
+        </a:p>
+      </dgm:t>
+    </dgm:pt>
+  </dgm:ptLst>
+  <dgm:cxnLst>
+    <dgm:cxn modelId="{BEB6B8ED-09F0-431B-AAA9-E74F8DB6E76D}" srcId="{84CBA4DF-9766-4AF4-8D52-6978EC3191F4}" destId="{44102F07-E24E-41E4-8270-2AE3F7DB71CE}" srcOrd="0" destOrd="0" parTransId="{D2854368-9960-4BD8-B543-8B70FCE8CEA5}" sibTransId="{96F31A9C-99CD-4995-9E87-C6D83916C74A}"/>
+    <dgm:cxn modelId="{DF57561F-D5EC-4C48-B447-9662E4E2DE4D}" srcId="{84CBA4DF-9766-4AF4-8D52-6978EC3191F4}" destId="{57AAAA08-D01F-4FA1-94FA-1CB886B9E535}" srcOrd="1" destOrd="0" parTransId="{588B9239-B0E8-4F32-8ACA-17A1F4847455}" sibTransId="{B755204D-A3EC-40F6-A9C8-284ED2CA7B85}"/>
+    <dgm:cxn modelId="{9955CD90-60C9-4E14-B095-940AE3845ED6}" type="presOf" srcId="{FF41BA65-0220-4B54-8F11-D4971FACC208}" destId="{82FFD805-737F-475B-8272-0BFE30B9A8B5}" srcOrd="0" destOrd="0" presId="urn:microsoft.com/office/officeart/2005/8/layout/chevron2"/>
+    <dgm:cxn modelId="{429710F0-5B0F-43A5-8F4D-8E112BAFF689}" srcId="{C37045AB-AD52-4AB1-9AA5-A8691FD5E1E7}" destId="{53ECEFCB-C779-4CD5-BA6F-C3ADCC43F8E8}" srcOrd="0" destOrd="0" parTransId="{32D3F84D-E3C4-4CAA-BFC3-1B549FB347FF}" sibTransId="{17DAB22A-7CDB-44A7-AFE7-2DF4F81C6603}"/>
+    <dgm:cxn modelId="{E651DE68-E956-4D20-AD77-1FE8D7A07B16}" srcId="{53ECEFCB-C779-4CD5-BA6F-C3ADCC43F8E8}" destId="{F8574E59-3778-4153-AEEA-884089519B01}" srcOrd="0" destOrd="0" parTransId="{F9DFBBAB-5F8F-4645-8B8D-B3E9092FBDDB}" sibTransId="{66EDBC74-74FA-4DA9-8D24-886F2E980433}"/>
+    <dgm:cxn modelId="{26A79B9C-1A9E-4A03-AB8F-5C768977E40C}" srcId="{C37045AB-AD52-4AB1-9AA5-A8691FD5E1E7}" destId="{FF41BA65-0220-4B54-8F11-D4971FACC208}" srcOrd="5" destOrd="0" parTransId="{F97EB723-05F0-4D29-9B8B-F10BBBD3A568}" sibTransId="{CF7CBD21-20B3-46A6-ADC3-37547996697D}"/>
+    <dgm:cxn modelId="{FD2D58B0-BBF1-403E-8187-BB98DBE334CA}" srcId="{261C5C28-99E7-47AE-9BBA-82E5EA5947EE}" destId="{37520B6C-1446-4920-8E02-32F16CCC1045}" srcOrd="0" destOrd="0" parTransId="{5999E1A1-4613-45DE-9AC6-96B81D96C38E}" sibTransId="{8D1DA164-6C2B-4A60-B2E3-400F9BD813A3}"/>
+    <dgm:cxn modelId="{6D0C20C9-FD81-42CD-9BDD-2D3093422098}" type="presOf" srcId="{D84168EC-BA0A-4067-B20A-DBC567D28936}" destId="{2D409489-079A-42B5-95A4-465348C192DC}" srcOrd="0" destOrd="0" presId="urn:microsoft.com/office/officeart/2005/8/layout/chevron2"/>
+    <dgm:cxn modelId="{39FB02CF-7AC3-4BB0-839D-3499FA6AF881}" type="presOf" srcId="{37520B6C-1446-4920-8E02-32F16CCC1045}" destId="{4C4FA1E8-87B2-4537-BBF7-61CB1F2A032B}" srcOrd="0" destOrd="0" presId="urn:microsoft.com/office/officeart/2005/8/layout/chevron2"/>
+    <dgm:cxn modelId="{BD5F094F-4668-4A57-ABDE-2DB44B20F4A0}" type="presOf" srcId="{C89C5535-6C3E-4C03-B305-EC006290FB84}" destId="{E6315EDD-7016-48A0-B6C5-E2B94C81FBF9}" srcOrd="0" destOrd="0" presId="urn:microsoft.com/office/officeart/2005/8/layout/chevron2"/>
+    <dgm:cxn modelId="{44638BA5-30CC-4130-829C-346D7BBAC994}" type="presOf" srcId="{44102F07-E24E-41E4-8270-2AE3F7DB71CE}" destId="{AE0193D3-02EE-44F1-9994-C1D73397E89B}" srcOrd="0" destOrd="0" presId="urn:microsoft.com/office/officeart/2005/8/layout/chevron2"/>
+    <dgm:cxn modelId="{E3569CC5-54EC-4D7B-8D3E-9525F78C6AD9}" srcId="{9281AEC2-3CF7-4941-9C26-3D5D643D6368}" destId="{D84168EC-BA0A-4067-B20A-DBC567D28936}" srcOrd="0" destOrd="0" parTransId="{3B046CAC-F830-4A87-9E29-25B65AC99082}" sibTransId="{FD329580-1152-4652-AD08-94F7277FF66E}"/>
+    <dgm:cxn modelId="{BA3997C3-F828-4AE8-BF52-19E596F1F531}" srcId="{FF41BA65-0220-4B54-8F11-D4971FACC208}" destId="{596C5167-5768-4342-A3CF-014481ABC084}" srcOrd="0" destOrd="0" parTransId="{1E1D20C0-B6FA-4A34-823A-F94B4C87F8C3}" sibTransId="{B675B7CB-0CD1-414F-BDFA-C9CF5C1E6ADB}"/>
+    <dgm:cxn modelId="{4B2E4E9F-F2C1-4FED-912A-99C8838B0F8B}" srcId="{B549C54D-7CC0-4104-BFE2-DD86D13C9A28}" destId="{46F901C9-2BF1-4A1D-8B5E-CA6D44FD5893}" srcOrd="0" destOrd="0" parTransId="{6099A0CA-2567-404F-9431-B5AF608364A6}" sibTransId="{8C0A0BFC-549A-4DB4-B02A-69B9145AD320}"/>
+    <dgm:cxn modelId="{6B48E8F2-1F1E-4F74-8F92-242D7A7341DC}" srcId="{C37045AB-AD52-4AB1-9AA5-A8691FD5E1E7}" destId="{E49D2691-E374-4485-8CD0-017859A5596F}" srcOrd="1" destOrd="0" parTransId="{3CC1D879-26ED-4D81-9EDC-F944CBBD1182}" sibTransId="{10DB26F4-2DA6-467B-A677-1CE69A8AF877}"/>
+    <dgm:cxn modelId="{DCE4A30F-204B-4576-A85C-5E6038FF8F9B}" srcId="{C37045AB-AD52-4AB1-9AA5-A8691FD5E1E7}" destId="{6BD9EB51-F366-4912-B5F4-D92455707308}" srcOrd="10" destOrd="0" parTransId="{87846598-6799-4E60-9763-B6F6D1009090}" sibTransId="{8014758C-43A1-4356-B7D6-C25DFDEEF43F}"/>
+    <dgm:cxn modelId="{1297D3C2-C15A-41A5-9BC0-B3F1D27E1C83}" type="presOf" srcId="{EE29DE21-DA1A-4DFF-B0E6-592A4ED13064}" destId="{20E51FB4-9F0D-460B-8DCA-E32FD769340D}" srcOrd="0" destOrd="0" presId="urn:microsoft.com/office/officeart/2005/8/layout/chevron2"/>
+    <dgm:cxn modelId="{D5EB1B70-7BA4-4AC5-8179-5AB8420E5E45}" type="presOf" srcId="{9281AEC2-3CF7-4941-9C26-3D5D643D6368}" destId="{CF2BC555-A422-4C9E-808A-1375E6758DB7}" srcOrd="0" destOrd="0" presId="urn:microsoft.com/office/officeart/2005/8/layout/chevron2"/>
+    <dgm:cxn modelId="{6967617B-05CB-4C52-8C9A-9E0F8EA4428E}" type="presOf" srcId="{6BD9EB51-F366-4912-B5F4-D92455707308}" destId="{C9EB9DAC-F239-4DEC-85E0-21A37A1CC121}" srcOrd="0" destOrd="0" presId="urn:microsoft.com/office/officeart/2005/8/layout/chevron2"/>
+    <dgm:cxn modelId="{A44E954C-3036-4224-86DC-8229437201AD}" srcId="{7D2FB762-0229-4078-BC90-6DDC16A018D1}" destId="{C89C5535-6C3E-4C03-B305-EC006290FB84}" srcOrd="0" destOrd="0" parTransId="{CCF67694-2DC5-4B0D-AED3-066B57513CB7}" sibTransId="{CB5044DF-75BB-4E8B-8D88-B8837CF625C1}"/>
+    <dgm:cxn modelId="{BA3589A5-C789-47CF-9D87-60495DC1BC6A}" type="presOf" srcId="{53ECEFCB-C779-4CD5-BA6F-C3ADCC43F8E8}" destId="{F4F68D21-A532-4CD3-848A-6A21B1E5ED00}" srcOrd="0" destOrd="0" presId="urn:microsoft.com/office/officeart/2005/8/layout/chevron2"/>
+    <dgm:cxn modelId="{73EA6C7F-7756-446F-871E-A71C50C234AF}" type="presOf" srcId="{7D2FB762-0229-4078-BC90-6DDC16A018D1}" destId="{2E2757CD-889B-4BFE-AFF4-CECE6BF3F53D}" srcOrd="0" destOrd="0" presId="urn:microsoft.com/office/officeart/2005/8/layout/chevron2"/>
+    <dgm:cxn modelId="{C4319F54-A7D5-494A-8FF3-772667918BB4}" type="presOf" srcId="{46F901C9-2BF1-4A1D-8B5E-CA6D44FD5893}" destId="{81801463-658B-4D1C-B84F-4D1C821E6540}" srcOrd="0" destOrd="0" presId="urn:microsoft.com/office/officeart/2005/8/layout/chevron2"/>
+    <dgm:cxn modelId="{576898AE-C8DF-4ED5-8516-C573099961A6}" srcId="{E49D2691-E374-4485-8CD0-017859A5596F}" destId="{EE29DE21-DA1A-4DFF-B0E6-592A4ED13064}" srcOrd="0" destOrd="0" parTransId="{8DA91831-885C-4A89-B97F-AB76D44594F0}" sibTransId="{5A094CFB-F85B-466F-B29A-64F90FDE602C}"/>
+    <dgm:cxn modelId="{B306BAE0-F761-4BC2-AE4C-C2D14F39881E}" type="presOf" srcId="{B549C54D-7CC0-4104-BFE2-DD86D13C9A28}" destId="{2DAE0C45-396F-4C3C-831D-A22F72F71429}" srcOrd="0" destOrd="0" presId="urn:microsoft.com/office/officeart/2005/8/layout/chevron2"/>
+    <dgm:cxn modelId="{D9D34EF3-F4E2-4BC6-8ECA-A4BF1773FE22}" srcId="{C37045AB-AD52-4AB1-9AA5-A8691FD5E1E7}" destId="{B549C54D-7CC0-4104-BFE2-DD86D13C9A28}" srcOrd="4" destOrd="0" parTransId="{9D29418B-9EF2-40AD-917D-3425E871ED2C}" sibTransId="{23B1FE75-6CDA-4A85-A360-0EC75EC5CBA4}"/>
+    <dgm:cxn modelId="{B472EB01-2E54-45FC-9443-319C76718333}" srcId="{C37045AB-AD52-4AB1-9AA5-A8691FD5E1E7}" destId="{8DE6E6D8-71BF-404E-8ED5-B0D3C50EC371}" srcOrd="3" destOrd="0" parTransId="{16C23160-B7AE-4F71-BFF3-E5B760AA44B6}" sibTransId="{7890AD78-E448-4C77-BF5D-41DA57FDD6E3}"/>
+    <dgm:cxn modelId="{DBF34F37-E565-44BA-9EE7-CFD54F11D51A}" type="presOf" srcId="{C37045AB-AD52-4AB1-9AA5-A8691FD5E1E7}" destId="{16311DCF-BA99-45F1-91B6-E5846E515FEC}" srcOrd="0" destOrd="0" presId="urn:microsoft.com/office/officeart/2005/8/layout/chevron2"/>
+    <dgm:cxn modelId="{7BDC0DDF-55D4-4AE8-923C-F474826AA931}" srcId="{C37045AB-AD52-4AB1-9AA5-A8691FD5E1E7}" destId="{9281AEC2-3CF7-4941-9C26-3D5D643D6368}" srcOrd="8" destOrd="0" parTransId="{CB553776-641B-4E30-88A0-DEBCD911BCEE}" sibTransId="{9646F120-4B0A-4CFD-BCDD-6876F1326FD4}"/>
+    <dgm:cxn modelId="{9AC3D212-B65F-43D4-A564-5BF29C9D0E98}" type="presOf" srcId="{57AAAA08-D01F-4FA1-94FA-1CB886B9E535}" destId="{AE0193D3-02EE-44F1-9994-C1D73397E89B}" srcOrd="0" destOrd="1" presId="urn:microsoft.com/office/officeart/2005/8/layout/chevron2"/>
+    <dgm:cxn modelId="{2221DC22-634F-498A-BB3B-2A37A320AF2F}" type="presOf" srcId="{84CBA4DF-9766-4AF4-8D52-6978EC3191F4}" destId="{1A6CF5FE-E3CE-42DB-A680-7CF3D9197B2A}" srcOrd="0" destOrd="0" presId="urn:microsoft.com/office/officeart/2005/8/layout/chevron2"/>
+    <dgm:cxn modelId="{7D515D30-6FD2-4F88-988F-38C4F21B2719}" type="presOf" srcId="{DF7603F5-7CEC-4BFE-BE3C-A37D1A4A720E}" destId="{E11E8C9F-1B92-47AC-98CB-93BE71BB5B9F}" srcOrd="0" destOrd="0" presId="urn:microsoft.com/office/officeart/2005/8/layout/chevron2"/>
+    <dgm:cxn modelId="{840D3F96-3773-43FF-BB90-A7E44E632A5C}" type="presOf" srcId="{9562F78F-2B03-4B0A-85A1-7608B9341C73}" destId="{B1234C05-D89A-4F80-9624-244ECB8A9512}" srcOrd="0" destOrd="0" presId="urn:microsoft.com/office/officeart/2005/8/layout/chevron2"/>
+    <dgm:cxn modelId="{34A7BB5B-C5D9-4D5F-B7EA-3A661B5BA5F1}" srcId="{C37045AB-AD52-4AB1-9AA5-A8691FD5E1E7}" destId="{261C5C28-99E7-47AE-9BBA-82E5EA5947EE}" srcOrd="7" destOrd="0" parTransId="{A21101B1-6627-4A48-9951-EE6B0CFC23BA}" sibTransId="{212A4122-9E44-463B-BD22-C7DFE0775086}"/>
+    <dgm:cxn modelId="{6D0F9943-AE18-4554-AAB0-856ED12C3D13}" srcId="{C37045AB-AD52-4AB1-9AA5-A8691FD5E1E7}" destId="{84CBA4DF-9766-4AF4-8D52-6978EC3191F4}" srcOrd="2" destOrd="0" parTransId="{B02195FC-D34C-4AFF-A828-7D8D5F94C4BF}" sibTransId="{668BEA88-DBD5-4373-9547-0BB89121EA66}"/>
+    <dgm:cxn modelId="{D8F0A7C1-3EDC-4576-8441-E6F2E1F84798}" type="presOf" srcId="{F8574E59-3778-4153-AEEA-884089519B01}" destId="{2CBD724B-AFB3-418F-A4F1-04F55608CC97}" srcOrd="0" destOrd="0" presId="urn:microsoft.com/office/officeart/2005/8/layout/chevron2"/>
+    <dgm:cxn modelId="{BE074011-947D-4279-AA5C-B1C68F9591C5}" srcId="{6BD9EB51-F366-4912-B5F4-D92455707308}" destId="{EBE69C7C-DA59-4A94-BEC7-901135F1C0F0}" srcOrd="0" destOrd="0" parTransId="{3110E8BF-709F-4F2F-922B-15476EC6DC5C}" sibTransId="{D4C916F7-B538-450D-8614-382273170F66}"/>
+    <dgm:cxn modelId="{66A67308-9DA2-480F-BEDF-3BE85C48F6FF}" type="presOf" srcId="{E49D2691-E374-4485-8CD0-017859A5596F}" destId="{C07B4CCE-0D63-4A58-BF97-8B1DAA93BC0A}" srcOrd="0" destOrd="0" presId="urn:microsoft.com/office/officeart/2005/8/layout/chevron2"/>
+    <dgm:cxn modelId="{33E1BAA2-8041-4E32-A074-A241D651B9DF}" type="presOf" srcId="{9DE633E5-9837-4A1B-8A46-EF05B2F9BA3E}" destId="{18D16C71-8CED-4A8E-9218-AB472E91CB63}" srcOrd="0" destOrd="0" presId="urn:microsoft.com/office/officeart/2005/8/layout/chevron2"/>
+    <dgm:cxn modelId="{8F812559-EFA5-46E2-930F-E030C08287B7}" type="presOf" srcId="{261C5C28-99E7-47AE-9BBA-82E5EA5947EE}" destId="{77034779-5324-4B03-A29F-A4864243DD22}" srcOrd="0" destOrd="0" presId="urn:microsoft.com/office/officeart/2005/8/layout/chevron2"/>
+    <dgm:cxn modelId="{4C697AB5-9FDD-4FD1-B6F5-A68B9473279F}" type="presOf" srcId="{596C5167-5768-4342-A3CF-014481ABC084}" destId="{21EE76CB-3D84-4B81-9110-5D28F3E771B0}" srcOrd="0" destOrd="0" presId="urn:microsoft.com/office/officeart/2005/8/layout/chevron2"/>
+    <dgm:cxn modelId="{13E35594-2433-458E-A05B-33F6BE8EF33C}" srcId="{8DE6E6D8-71BF-404E-8ED5-B0D3C50EC371}" destId="{9562F78F-2B03-4B0A-85A1-7608B9341C73}" srcOrd="0" destOrd="0" parTransId="{AD38C3B4-974B-4B47-9D72-E8A7E58B09A8}" sibTransId="{F0366B8C-C7E2-45F5-901C-70F1CF4B1BAF}"/>
+    <dgm:cxn modelId="{CF60FDC6-EE4B-445B-B57E-47861F403DF8}" srcId="{9DE633E5-9837-4A1B-8A46-EF05B2F9BA3E}" destId="{DF7603F5-7CEC-4BFE-BE3C-A37D1A4A720E}" srcOrd="0" destOrd="0" parTransId="{3D906453-C2F4-4C40-9C59-401A6E08FAE3}" sibTransId="{DC2651C7-FE1B-4863-935F-2F47ED735B86}"/>
+    <dgm:cxn modelId="{817A70AF-6EB9-43B3-9C1E-D0E3D9D0FB8A}" srcId="{C37045AB-AD52-4AB1-9AA5-A8691FD5E1E7}" destId="{7D2FB762-0229-4078-BC90-6DDC16A018D1}" srcOrd="9" destOrd="0" parTransId="{882D6E43-D737-4B60-83E5-75CD489DF722}" sibTransId="{33967603-9028-4EEE-99F2-74086CC5D310}"/>
+    <dgm:cxn modelId="{0925632A-F067-4C7B-9CCA-668C62BF9FCE}" type="presOf" srcId="{8DE6E6D8-71BF-404E-8ED5-B0D3C50EC371}" destId="{E01E7AB5-759C-4FE7-B908-1AA977B3A49D}" srcOrd="0" destOrd="0" presId="urn:microsoft.com/office/officeart/2005/8/layout/chevron2"/>
+    <dgm:cxn modelId="{7007BB78-4F86-4C3D-B4C4-499F462C2FF6}" srcId="{C37045AB-AD52-4AB1-9AA5-A8691FD5E1E7}" destId="{9DE633E5-9837-4A1B-8A46-EF05B2F9BA3E}" srcOrd="6" destOrd="0" parTransId="{5ACEDC46-61D2-4E7B-81A2-0E8060B066E1}" sibTransId="{7B1AC2AB-4F8E-405D-9A01-E04672DE39FC}"/>
+    <dgm:cxn modelId="{28D743BC-6AF2-481A-9BE9-22C09944EB67}" type="presOf" srcId="{EBE69C7C-DA59-4A94-BEC7-901135F1C0F0}" destId="{57F9723E-E067-4D3A-B6EA-2D316333A719}" srcOrd="0" destOrd="0" presId="urn:microsoft.com/office/officeart/2005/8/layout/chevron2"/>
+    <dgm:cxn modelId="{ED7D6481-32C0-4185-88EE-8FEF7464F296}" type="presParOf" srcId="{16311DCF-BA99-45F1-91B6-E5846E515FEC}" destId="{7B4736A7-1BDD-4A8E-936F-621AF8FCD70B}" srcOrd="0" destOrd="0" presId="urn:microsoft.com/office/officeart/2005/8/layout/chevron2"/>
+    <dgm:cxn modelId="{E6AC5051-10CA-4EF9-8B70-D2FEA419E159}" type="presParOf" srcId="{7B4736A7-1BDD-4A8E-936F-621AF8FCD70B}" destId="{F4F68D21-A532-4CD3-848A-6A21B1E5ED00}" srcOrd="0" destOrd="0" presId="urn:microsoft.com/office/officeart/2005/8/layout/chevron2"/>
+    <dgm:cxn modelId="{C5D4622C-53E4-41AB-A20D-1941562C30DB}" type="presParOf" srcId="{7B4736A7-1BDD-4A8E-936F-621AF8FCD70B}" destId="{2CBD724B-AFB3-418F-A4F1-04F55608CC97}" srcOrd="1" destOrd="0" presId="urn:microsoft.com/office/officeart/2005/8/layout/chevron2"/>
+    <dgm:cxn modelId="{B14BC3EB-2C7F-4562-AAF1-0C04FAD2F903}" type="presParOf" srcId="{16311DCF-BA99-45F1-91B6-E5846E515FEC}" destId="{807CC53E-3BD6-4189-ACFC-70A10FF81254}" srcOrd="1" destOrd="0" presId="urn:microsoft.com/office/officeart/2005/8/layout/chevron2"/>
+    <dgm:cxn modelId="{1F3A3D83-74A7-495C-9A29-0DCD9498D543}" type="presParOf" srcId="{16311DCF-BA99-45F1-91B6-E5846E515FEC}" destId="{02891CC1-C891-49D7-B181-96705B65752F}" srcOrd="2" destOrd="0" presId="urn:microsoft.com/office/officeart/2005/8/layout/chevron2"/>
+    <dgm:cxn modelId="{AD466B9E-1F17-4511-AD22-3E0AC342B4AC}" type="presParOf" srcId="{02891CC1-C891-49D7-B181-96705B65752F}" destId="{C07B4CCE-0D63-4A58-BF97-8B1DAA93BC0A}" srcOrd="0" destOrd="0" presId="urn:microsoft.com/office/officeart/2005/8/layout/chevron2"/>
+    <dgm:cxn modelId="{A5930CAF-E7BF-4FC4-933C-DBFE09BAEB80}" type="presParOf" srcId="{02891CC1-C891-49D7-B181-96705B65752F}" destId="{20E51FB4-9F0D-460B-8DCA-E32FD769340D}" srcOrd="1" destOrd="0" presId="urn:microsoft.com/office/officeart/2005/8/layout/chevron2"/>
+    <dgm:cxn modelId="{4EE3E706-2EAC-4C15-BF7D-2DDA80467A95}" type="presParOf" srcId="{16311DCF-BA99-45F1-91B6-E5846E515FEC}" destId="{A65250FB-BBEC-408C-B884-64B8583C17E5}" srcOrd="3" destOrd="0" presId="urn:microsoft.com/office/officeart/2005/8/layout/chevron2"/>
+    <dgm:cxn modelId="{7D1E64EC-6E47-4732-8B14-110473772E23}" type="presParOf" srcId="{16311DCF-BA99-45F1-91B6-E5846E515FEC}" destId="{8B7A6FB9-1B67-4852-AF4A-91DB1292A670}" srcOrd="4" destOrd="0" presId="urn:microsoft.com/office/officeart/2005/8/layout/chevron2"/>
+    <dgm:cxn modelId="{6801ADDA-C026-4F6B-8D28-AC9E63D87D01}" type="presParOf" srcId="{8B7A6FB9-1B67-4852-AF4A-91DB1292A670}" destId="{1A6CF5FE-E3CE-42DB-A680-7CF3D9197B2A}" srcOrd="0" destOrd="0" presId="urn:microsoft.com/office/officeart/2005/8/layout/chevron2"/>
+    <dgm:cxn modelId="{9001CCC7-CFE9-45E5-9F0D-03D303ADB7A5}" type="presParOf" srcId="{8B7A6FB9-1B67-4852-AF4A-91DB1292A670}" destId="{AE0193D3-02EE-44F1-9994-C1D73397E89B}" srcOrd="1" destOrd="0" presId="urn:microsoft.com/office/officeart/2005/8/layout/chevron2"/>
+    <dgm:cxn modelId="{7B93BF7E-1E9D-46F0-8221-6959E3E7ABB4}" type="presParOf" srcId="{16311DCF-BA99-45F1-91B6-E5846E515FEC}" destId="{FB434F45-75F1-446E-AC8E-E4DD8D448B18}" srcOrd="5" destOrd="0" presId="urn:microsoft.com/office/officeart/2005/8/layout/chevron2"/>
+    <dgm:cxn modelId="{24936992-BA5E-4EFA-BCE6-9691CC8DE920}" type="presParOf" srcId="{16311DCF-BA99-45F1-91B6-E5846E515FEC}" destId="{6823CD4C-D785-4B56-AE14-A8D00EF9EDC0}" srcOrd="6" destOrd="0" presId="urn:microsoft.com/office/officeart/2005/8/layout/chevron2"/>
+    <dgm:cxn modelId="{BF914922-EF22-4859-9332-9E913B0F1374}" type="presParOf" srcId="{6823CD4C-D785-4B56-AE14-A8D00EF9EDC0}" destId="{E01E7AB5-759C-4FE7-B908-1AA977B3A49D}" srcOrd="0" destOrd="0" presId="urn:microsoft.com/office/officeart/2005/8/layout/chevron2"/>
+    <dgm:cxn modelId="{6ADEC581-EAFE-48A6-BCD0-3F1A14F814EA}" type="presParOf" srcId="{6823CD4C-D785-4B56-AE14-A8D00EF9EDC0}" destId="{B1234C05-D89A-4F80-9624-244ECB8A9512}" srcOrd="1" destOrd="0" presId="urn:microsoft.com/office/officeart/2005/8/layout/chevron2"/>
+    <dgm:cxn modelId="{0CB5A27E-BBB9-4EB8-A696-E566F36A8FBA}" type="presParOf" srcId="{16311DCF-BA99-45F1-91B6-E5846E515FEC}" destId="{02A4BE2E-953A-4193-8410-915C687D1A07}" srcOrd="7" destOrd="0" presId="urn:microsoft.com/office/officeart/2005/8/layout/chevron2"/>
+    <dgm:cxn modelId="{5382AC49-952B-4DF8-A1A1-D61E383C4934}" type="presParOf" srcId="{16311DCF-BA99-45F1-91B6-E5846E515FEC}" destId="{2B5763E8-A373-4542-A82F-43EC127F70C0}" srcOrd="8" destOrd="0" presId="urn:microsoft.com/office/officeart/2005/8/layout/chevron2"/>
+    <dgm:cxn modelId="{9AF608EF-40E9-4CA6-B59F-634FEC5E2CF6}" type="presParOf" srcId="{2B5763E8-A373-4542-A82F-43EC127F70C0}" destId="{2DAE0C45-396F-4C3C-831D-A22F72F71429}" srcOrd="0" destOrd="0" presId="urn:microsoft.com/office/officeart/2005/8/layout/chevron2"/>
+    <dgm:cxn modelId="{E09608E4-82BC-469B-984F-8BB0D9CBACAD}" type="presParOf" srcId="{2B5763E8-A373-4542-A82F-43EC127F70C0}" destId="{81801463-658B-4D1C-B84F-4D1C821E6540}" srcOrd="1" destOrd="0" presId="urn:microsoft.com/office/officeart/2005/8/layout/chevron2"/>
+    <dgm:cxn modelId="{C35A0074-A41C-4846-B9AA-249D73364EBE}" type="presParOf" srcId="{16311DCF-BA99-45F1-91B6-E5846E515FEC}" destId="{2136E612-EDC6-429F-ADBB-4F162D5BDF77}" srcOrd="9" destOrd="0" presId="urn:microsoft.com/office/officeart/2005/8/layout/chevron2"/>
+    <dgm:cxn modelId="{84BDA15F-61BC-465D-A40D-CC31033CB20C}" type="presParOf" srcId="{16311DCF-BA99-45F1-91B6-E5846E515FEC}" destId="{7D044EFF-295B-4DDE-9C78-B7F07E80C5BD}" srcOrd="10" destOrd="0" presId="urn:microsoft.com/office/officeart/2005/8/layout/chevron2"/>
+    <dgm:cxn modelId="{AA22F252-86EC-4997-A16F-F71F298E4D82}" type="presParOf" srcId="{7D044EFF-295B-4DDE-9C78-B7F07E80C5BD}" destId="{82FFD805-737F-475B-8272-0BFE30B9A8B5}" srcOrd="0" destOrd="0" presId="urn:microsoft.com/office/officeart/2005/8/layout/chevron2"/>
+    <dgm:cxn modelId="{AAF3D280-EDFF-43B4-9A4B-553CA660EEE0}" type="presParOf" srcId="{7D044EFF-295B-4DDE-9C78-B7F07E80C5BD}" destId="{21EE76CB-3D84-4B81-9110-5D28F3E771B0}" srcOrd="1" destOrd="0" presId="urn:microsoft.com/office/officeart/2005/8/layout/chevron2"/>
+    <dgm:cxn modelId="{226ADDC6-F74D-4ECA-A4F6-5714E762F28F}" type="presParOf" srcId="{16311DCF-BA99-45F1-91B6-E5846E515FEC}" destId="{8DE0BA14-1D1F-47F8-9C68-887786A40FC5}" srcOrd="11" destOrd="0" presId="urn:microsoft.com/office/officeart/2005/8/layout/chevron2"/>
+    <dgm:cxn modelId="{C0E0FB80-C68A-40EA-996E-6268FAA38B2B}" type="presParOf" srcId="{16311DCF-BA99-45F1-91B6-E5846E515FEC}" destId="{A8D2AA7F-2740-420F-83F7-C32DF669864D}" srcOrd="12" destOrd="0" presId="urn:microsoft.com/office/officeart/2005/8/layout/chevron2"/>
+    <dgm:cxn modelId="{05875684-57B6-4B77-B7AC-56CAD44BF664}" type="presParOf" srcId="{A8D2AA7F-2740-420F-83F7-C32DF669864D}" destId="{18D16C71-8CED-4A8E-9218-AB472E91CB63}" srcOrd="0" destOrd="0" presId="urn:microsoft.com/office/officeart/2005/8/layout/chevron2"/>
+    <dgm:cxn modelId="{A203E3BD-B38D-44F7-AD23-D7A527121660}" type="presParOf" srcId="{A8D2AA7F-2740-420F-83F7-C32DF669864D}" destId="{E11E8C9F-1B92-47AC-98CB-93BE71BB5B9F}" srcOrd="1" destOrd="0" presId="urn:microsoft.com/office/officeart/2005/8/layout/chevron2"/>
+    <dgm:cxn modelId="{C81C27C1-4023-4169-B11D-F726C4A085FE}" type="presParOf" srcId="{16311DCF-BA99-45F1-91B6-E5846E515FEC}" destId="{6DBA8EAF-AF76-43B5-8278-DC547D742002}" srcOrd="13" destOrd="0" presId="urn:microsoft.com/office/officeart/2005/8/layout/chevron2"/>
+    <dgm:cxn modelId="{D24EE420-7225-46A9-9558-AAC83E4D110B}" type="presParOf" srcId="{16311DCF-BA99-45F1-91B6-E5846E515FEC}" destId="{365D1670-445D-4A79-B6E6-22448F92848C}" srcOrd="14" destOrd="0" presId="urn:microsoft.com/office/officeart/2005/8/layout/chevron2"/>
+    <dgm:cxn modelId="{E0256F2A-ABE8-4850-95F9-27460EE9600B}" type="presParOf" srcId="{365D1670-445D-4A79-B6E6-22448F92848C}" destId="{77034779-5324-4B03-A29F-A4864243DD22}" srcOrd="0" destOrd="0" presId="urn:microsoft.com/office/officeart/2005/8/layout/chevron2"/>
+    <dgm:cxn modelId="{65B8954B-F777-4FA9-874A-633524DB5A31}" type="presParOf" srcId="{365D1670-445D-4A79-B6E6-22448F92848C}" destId="{4C4FA1E8-87B2-4537-BBF7-61CB1F2A032B}" srcOrd="1" destOrd="0" presId="urn:microsoft.com/office/officeart/2005/8/layout/chevron2"/>
+    <dgm:cxn modelId="{2D42520A-E964-474E-8612-EF545B34A9B8}" type="presParOf" srcId="{16311DCF-BA99-45F1-91B6-E5846E515FEC}" destId="{164068C8-9B92-4B97-B950-10F6C7F9DC94}" srcOrd="15" destOrd="0" presId="urn:microsoft.com/office/officeart/2005/8/layout/chevron2"/>
+    <dgm:cxn modelId="{4703A920-0CE7-4F14-8647-6828364F286A}" type="presParOf" srcId="{16311DCF-BA99-45F1-91B6-E5846E515FEC}" destId="{5FC185F3-B569-45E6-AC88-3685D37EBFF0}" srcOrd="16" destOrd="0" presId="urn:microsoft.com/office/officeart/2005/8/layout/chevron2"/>
+    <dgm:cxn modelId="{FD5BF3A4-8F52-4EEA-ACFB-1F370B190485}" type="presParOf" srcId="{5FC185F3-B569-45E6-AC88-3685D37EBFF0}" destId="{CF2BC555-A422-4C9E-808A-1375E6758DB7}" srcOrd="0" destOrd="0" presId="urn:microsoft.com/office/officeart/2005/8/layout/chevron2"/>
+    <dgm:cxn modelId="{A03995F5-5C5B-4794-B3A4-FB5389C33FA1}" type="presParOf" srcId="{5FC185F3-B569-45E6-AC88-3685D37EBFF0}" destId="{2D409489-079A-42B5-95A4-465348C192DC}" srcOrd="1" destOrd="0" presId="urn:microsoft.com/office/officeart/2005/8/layout/chevron2"/>
+    <dgm:cxn modelId="{F0AFCF4A-6B9D-4F4E-A07A-6D3F7B770486}" type="presParOf" srcId="{16311DCF-BA99-45F1-91B6-E5846E515FEC}" destId="{1A1338C0-86BA-4E66-9689-013A2B678585}" srcOrd="17" destOrd="0" presId="urn:microsoft.com/office/officeart/2005/8/layout/chevron2"/>
+    <dgm:cxn modelId="{CE4A2439-EA4C-42CC-B26C-51A32AE974D2}" type="presParOf" srcId="{16311DCF-BA99-45F1-91B6-E5846E515FEC}" destId="{5EDB3F29-B862-493E-AD6A-C2389FF3E73B}" srcOrd="18" destOrd="0" presId="urn:microsoft.com/office/officeart/2005/8/layout/chevron2"/>
+    <dgm:cxn modelId="{F08732FA-D438-4B9F-B2A7-3E90888B050A}" type="presParOf" srcId="{5EDB3F29-B862-493E-AD6A-C2389FF3E73B}" destId="{2E2757CD-889B-4BFE-AFF4-CECE6BF3F53D}" srcOrd="0" destOrd="0" presId="urn:microsoft.com/office/officeart/2005/8/layout/chevron2"/>
+    <dgm:cxn modelId="{89A85AD9-7123-482C-89E1-DCB2270176AB}" type="presParOf" srcId="{5EDB3F29-B862-493E-AD6A-C2389FF3E73B}" destId="{E6315EDD-7016-48A0-B6C5-E2B94C81FBF9}" srcOrd="1" destOrd="0" presId="urn:microsoft.com/office/officeart/2005/8/layout/chevron2"/>
+    <dgm:cxn modelId="{8403EC5E-94E5-4B14-9590-D4F5774FA450}" type="presParOf" srcId="{16311DCF-BA99-45F1-91B6-E5846E515FEC}" destId="{09D2794A-BC79-4F07-88C7-2F529E356AC2}" srcOrd="19" destOrd="0" presId="urn:microsoft.com/office/officeart/2005/8/layout/chevron2"/>
+    <dgm:cxn modelId="{BF83C56B-D64A-4807-A070-058B1978DCB5}" type="presParOf" srcId="{16311DCF-BA99-45F1-91B6-E5846E515FEC}" destId="{0BD04DEE-982F-4E87-ACA5-21DBB3B7DDA2}" srcOrd="20" destOrd="0" presId="urn:microsoft.com/office/officeart/2005/8/layout/chevron2"/>
+    <dgm:cxn modelId="{1EA65F7A-BB03-49F7-A341-3063A88B4EC9}" type="presParOf" srcId="{0BD04DEE-982F-4E87-ACA5-21DBB3B7DDA2}" destId="{C9EB9DAC-F239-4DEC-85E0-21A37A1CC121}" srcOrd="0" destOrd="0" presId="urn:microsoft.com/office/officeart/2005/8/layout/chevron2"/>
+    <dgm:cxn modelId="{E2D8BA4B-6978-4C78-A2EF-796B24BE8C19}" type="presParOf" srcId="{0BD04DEE-982F-4E87-ACA5-21DBB3B7DDA2}" destId="{57F9723E-E067-4D3A-B6EA-2D316333A719}" srcOrd="1" destOrd="0" presId="urn:microsoft.com/office/officeart/2005/8/layout/chevron2"/>
+  </dgm:cxnLst>
+  <dgm:bg/>
+  <dgm:whole/>
+  <dgm:extLst>
+    <a:ext uri="http://schemas.microsoft.com/office/drawing/2008/diagram">
+      <dsp:dataModelExt xmlns:dsp="http://schemas.microsoft.com/office/drawing/2008/diagram" relId="rId6" minVer="http://schemas.openxmlformats.org/drawingml/2006/diagram"/>
+    </a:ext>
+  </dgm:extLst>
+</dgm:dataModel>
+</file>
+
+<file path=ppt/diagrams/drawing1.xml><?xml version="1.0" encoding="utf-8"?>
+<dsp:drawing xmlns:dgm="http://schemas.openxmlformats.org/drawingml/2006/diagram" xmlns:dsp="http://schemas.microsoft.com/office/drawing/2008/diagram" xmlns:a="http://schemas.openxmlformats.org/drawingml/2006/main">
+  <dsp:spTree>
+    <dsp:nvGrpSpPr>
+      <dsp:cNvPr id="0" name=""/>
+      <dsp:cNvGrpSpPr/>
+    </dsp:nvGrpSpPr>
+    <dsp:grpSpPr/>
+    <dsp:sp modelId="{F4F68D21-A532-4CD3-848A-6A21B1E5ED00}">
+      <dsp:nvSpPr>
+        <dsp:cNvPr id="0" name=""/>
+        <dsp:cNvSpPr/>
+      </dsp:nvSpPr>
+      <dsp:spPr>
+        <a:xfrm rot="5400000">
+          <a:off x="-103170" y="107157"/>
+          <a:ext cx="687800" cy="481460"/>
+        </a:xfrm>
+        <a:prstGeom prst="chevron">
+          <a:avLst/>
+        </a:prstGeom>
+        <a:solidFill>
+          <a:srgbClr val="C00000"/>
+        </a:solidFill>
+        <a:ln w="25400" cap="flat" cmpd="sng" algn="ctr">
+          <a:solidFill>
+            <a:srgbClr val="C00000"/>
+          </a:solidFill>
+          <a:prstDash val="solid"/>
+        </a:ln>
+        <a:effectLst/>
+      </dsp:spPr>
+      <dsp:style>
+        <a:lnRef idx="2">
+          <a:scrgbClr r="0" g="0" b="0"/>
+        </a:lnRef>
+        <a:fillRef idx="1">
+          <a:scrgbClr r="0" g="0" b="0"/>
+        </a:fillRef>
+        <a:effectRef idx="0">
+          <a:scrgbClr r="0" g="0" b="0"/>
+        </a:effectRef>
+        <a:fontRef idx="minor">
+          <a:schemeClr val="lt1"/>
+        </a:fontRef>
+      </dsp:style>
+      <dsp:txBody>
+        <a:bodyPr spcFirstLastPara="0" vert="horz" wrap="square" lIns="4445" tIns="4445" rIns="4445" bIns="4445" numCol="1" spcCol="1270" anchor="ctr" anchorCtr="0">
+          <a:noAutofit/>
+        </a:bodyPr>
+        <a:lstStyle/>
+        <a:p>
+          <a:pPr lvl="0" algn="ctr" defTabSz="311150">
+            <a:lnSpc>
+              <a:spcPct val="90000"/>
+            </a:lnSpc>
+            <a:spcBef>
+              <a:spcPct val="0"/>
+            </a:spcBef>
+            <a:spcAft>
+              <a:spcPct val="35000"/>
+            </a:spcAft>
+          </a:pPr>
+          <a:r>
+            <a:rPr lang="fr-FR" sz="700" kern="1200" dirty="0" smtClean="0"/>
+            <a:t>31/10/2012</a:t>
+          </a:r>
+          <a:endParaRPr lang="fr-FR" sz="700" kern="1200" dirty="0"/>
+        </a:p>
+      </dsp:txBody>
+      <dsp:txXfrm rot="-5400000">
+        <a:off x="0" y="244717"/>
+        <a:ext cx="481460" cy="206340"/>
+      </dsp:txXfrm>
+    </dsp:sp>
+    <dsp:sp modelId="{2CBD724B-AFB3-418F-A4F1-04F55608CC97}">
+      <dsp:nvSpPr>
+        <dsp:cNvPr id="0" name=""/>
+        <dsp:cNvSpPr/>
+      </dsp:nvSpPr>
+      <dsp:spPr>
+        <a:xfrm rot="5400000">
+          <a:off x="2788970" y="-2305144"/>
+          <a:ext cx="447070" cy="5062089"/>
+        </a:xfrm>
+        <a:prstGeom prst="round2SameRect">
+          <a:avLst/>
+        </a:prstGeom>
+        <a:solidFill>
+          <a:schemeClr val="bg1"/>
+        </a:solidFill>
+        <a:ln w="25400" cap="flat" cmpd="sng" algn="ctr">
+          <a:solidFill>
+            <a:srgbClr val="C00000"/>
+          </a:solidFill>
+          <a:prstDash val="solid"/>
+        </a:ln>
+        <a:effectLst/>
+      </dsp:spPr>
+      <dsp:style>
+        <a:lnRef idx="2">
+          <a:scrgbClr r="0" g="0" b="0"/>
+        </a:lnRef>
+        <a:fillRef idx="1">
+          <a:scrgbClr r="0" g="0" b="0"/>
+        </a:fillRef>
+        <a:effectRef idx="0">
+          <a:scrgbClr r="0" g="0" b="0"/>
+        </a:effectRef>
+        <a:fontRef idx="minor"/>
+      </dsp:style>
+      <dsp:txBody>
+        <a:bodyPr spcFirstLastPara="0" vert="horz" wrap="square" lIns="85344" tIns="7620" rIns="7620" bIns="7620" numCol="1" spcCol="1270" anchor="ctr" anchorCtr="0">
+          <a:noAutofit/>
+        </a:bodyPr>
+        <a:lstStyle/>
+        <a:p>
+          <a:pPr marL="114300" lvl="1" indent="-114300" algn="l" defTabSz="533400">
+            <a:lnSpc>
+              <a:spcPct val="90000"/>
+            </a:lnSpc>
+            <a:spcBef>
+              <a:spcPct val="0"/>
+            </a:spcBef>
+            <a:spcAft>
+              <a:spcPct val="15000"/>
+            </a:spcAft>
+            <a:buChar char="••"/>
+          </a:pPr>
+          <a:r>
+            <a:rPr lang="fr-FR" sz="1200" kern="1200" dirty="0" smtClean="0"/>
+            <a:t>Note de cadrage</a:t>
+          </a:r>
+          <a:endParaRPr lang="fr-FR" sz="1200" kern="1200" dirty="0"/>
+        </a:p>
+      </dsp:txBody>
+      <dsp:txXfrm rot="-5400000">
+        <a:off x="481461" y="24189"/>
+        <a:ext cx="5040265" cy="403422"/>
+      </dsp:txXfrm>
+    </dsp:sp>
+    <dsp:sp modelId="{C07B4CCE-0D63-4A58-BF97-8B1DAA93BC0A}">
+      <dsp:nvSpPr>
+        <dsp:cNvPr id="0" name=""/>
+        <dsp:cNvSpPr/>
+      </dsp:nvSpPr>
+      <dsp:spPr>
+        <a:xfrm rot="5400000">
+          <a:off x="-103170" y="739572"/>
+          <a:ext cx="687800" cy="481460"/>
+        </a:xfrm>
+        <a:prstGeom prst="chevron">
+          <a:avLst/>
+        </a:prstGeom>
+        <a:solidFill>
+          <a:srgbClr val="C00000"/>
+        </a:solidFill>
+        <a:ln w="25400" cap="flat" cmpd="sng" algn="ctr">
+          <a:solidFill>
+            <a:srgbClr val="C00000"/>
+          </a:solidFill>
+          <a:prstDash val="solid"/>
+        </a:ln>
+        <a:effectLst/>
+      </dsp:spPr>
+      <dsp:style>
+        <a:lnRef idx="2">
+          <a:scrgbClr r="0" g="0" b="0"/>
+        </a:lnRef>
+        <a:fillRef idx="1">
+          <a:scrgbClr r="0" g="0" b="0"/>
+        </a:fillRef>
+        <a:effectRef idx="0">
+          <a:scrgbClr r="0" g="0" b="0"/>
+        </a:effectRef>
+        <a:fontRef idx="minor">
+          <a:schemeClr val="lt1"/>
+        </a:fontRef>
+      </dsp:style>
+      <dsp:txBody>
+        <a:bodyPr spcFirstLastPara="0" vert="horz" wrap="square" lIns="4445" tIns="4445" rIns="4445" bIns="4445" numCol="1" spcCol="1270" anchor="ctr" anchorCtr="0">
+          <a:noAutofit/>
+        </a:bodyPr>
+        <a:lstStyle/>
+        <a:p>
+          <a:pPr lvl="0" algn="ctr" defTabSz="311150">
+            <a:lnSpc>
+              <a:spcPct val="90000"/>
+            </a:lnSpc>
+            <a:spcBef>
+              <a:spcPct val="0"/>
+            </a:spcBef>
+            <a:spcAft>
+              <a:spcPct val="35000"/>
+            </a:spcAft>
+          </a:pPr>
+          <a:r>
+            <a:rPr lang="fr-FR" sz="700" kern="1200" dirty="0" smtClean="0"/>
+            <a:t>5/11/2012</a:t>
+          </a:r>
+          <a:endParaRPr lang="fr-FR" sz="700" kern="1200" dirty="0"/>
+        </a:p>
+      </dsp:txBody>
+      <dsp:txXfrm rot="-5400000">
+        <a:off x="0" y="877132"/>
+        <a:ext cx="481460" cy="206340"/>
+      </dsp:txXfrm>
+    </dsp:sp>
+    <dsp:sp modelId="{20E51FB4-9F0D-460B-8DCA-E32FD769340D}">
+      <dsp:nvSpPr>
+        <dsp:cNvPr id="0" name=""/>
+        <dsp:cNvSpPr/>
+      </dsp:nvSpPr>
+      <dsp:spPr>
+        <a:xfrm rot="5400000">
+          <a:off x="2788970" y="-1671107"/>
+          <a:ext cx="447070" cy="5062089"/>
+        </a:xfrm>
+        <a:prstGeom prst="round2SameRect">
+          <a:avLst/>
+        </a:prstGeom>
+        <a:solidFill>
+          <a:schemeClr val="lt1">
+            <a:alpha val="90000"/>
+            <a:hueOff val="0"/>
+            <a:satOff val="0"/>
+            <a:lumOff val="0"/>
+            <a:alphaOff val="0"/>
+          </a:schemeClr>
+        </a:solidFill>
+        <a:ln w="25400" cap="flat" cmpd="sng" algn="ctr">
+          <a:solidFill>
+            <a:srgbClr val="C00000"/>
+          </a:solidFill>
+          <a:prstDash val="solid"/>
+        </a:ln>
+        <a:effectLst/>
+      </dsp:spPr>
+      <dsp:style>
+        <a:lnRef idx="2">
+          <a:scrgbClr r="0" g="0" b="0"/>
+        </a:lnRef>
+        <a:fillRef idx="1">
+          <a:scrgbClr r="0" g="0" b="0"/>
+        </a:fillRef>
+        <a:effectRef idx="0">
+          <a:scrgbClr r="0" g="0" b="0"/>
+        </a:effectRef>
+        <a:fontRef idx="minor"/>
+      </dsp:style>
+      <dsp:txBody>
+        <a:bodyPr spcFirstLastPara="0" vert="horz" wrap="square" lIns="85344" tIns="7620" rIns="7620" bIns="7620" numCol="1" spcCol="1270" anchor="ctr" anchorCtr="0">
+          <a:noAutofit/>
+        </a:bodyPr>
+        <a:lstStyle/>
+        <a:p>
+          <a:pPr marL="114300" lvl="1" indent="-114300" algn="l" defTabSz="533400">
+            <a:lnSpc>
+              <a:spcPct val="90000"/>
+            </a:lnSpc>
+            <a:spcBef>
+              <a:spcPct val="0"/>
+            </a:spcBef>
+            <a:spcAft>
+              <a:spcPct val="15000"/>
+            </a:spcAft>
+            <a:buChar char="••"/>
+          </a:pPr>
+          <a:r>
+            <a:rPr lang="fr-FR" sz="1200" kern="1200" dirty="0" smtClean="0"/>
+            <a:t>Commande de matériel</a:t>
+          </a:r>
+          <a:endParaRPr lang="fr-FR" sz="1200" kern="1200" dirty="0"/>
+        </a:p>
+      </dsp:txBody>
+      <dsp:txXfrm rot="-5400000">
+        <a:off x="481461" y="658226"/>
+        <a:ext cx="5040265" cy="403422"/>
+      </dsp:txXfrm>
+    </dsp:sp>
+    <dsp:sp modelId="{1A6CF5FE-E3CE-42DB-A680-7CF3D9197B2A}">
+      <dsp:nvSpPr>
+        <dsp:cNvPr id="0" name=""/>
+        <dsp:cNvSpPr/>
+      </dsp:nvSpPr>
+      <dsp:spPr>
+        <a:xfrm rot="5400000">
+          <a:off x="-103170" y="1371987"/>
+          <a:ext cx="687800" cy="481460"/>
+        </a:xfrm>
+        <a:prstGeom prst="chevron">
+          <a:avLst/>
+        </a:prstGeom>
+        <a:solidFill>
+          <a:srgbClr val="C00000"/>
+        </a:solidFill>
+        <a:ln w="25400" cap="flat" cmpd="sng" algn="ctr">
+          <a:solidFill>
+            <a:srgbClr val="C00000"/>
+          </a:solidFill>
+          <a:prstDash val="solid"/>
+        </a:ln>
+        <a:effectLst/>
+      </dsp:spPr>
+      <dsp:style>
+        <a:lnRef idx="2">
+          <a:scrgbClr r="0" g="0" b="0"/>
+        </a:lnRef>
+        <a:fillRef idx="1">
+          <a:scrgbClr r="0" g="0" b="0"/>
+        </a:fillRef>
+        <a:effectRef idx="0">
+          <a:scrgbClr r="0" g="0" b="0"/>
+        </a:effectRef>
+        <a:fontRef idx="minor">
+          <a:schemeClr val="lt1"/>
+        </a:fontRef>
+      </dsp:style>
+      <dsp:txBody>
+        <a:bodyPr spcFirstLastPara="0" vert="horz" wrap="square" lIns="4445" tIns="4445" rIns="4445" bIns="4445" numCol="1" spcCol="1270" anchor="ctr" anchorCtr="0">
+          <a:noAutofit/>
+        </a:bodyPr>
+        <a:lstStyle/>
+        <a:p>
+          <a:pPr lvl="0" algn="ctr" defTabSz="311150">
+            <a:lnSpc>
+              <a:spcPct val="90000"/>
+            </a:lnSpc>
+            <a:spcBef>
+              <a:spcPct val="0"/>
+            </a:spcBef>
+            <a:spcAft>
+              <a:spcPct val="35000"/>
+            </a:spcAft>
+          </a:pPr>
+          <a:r>
+            <a:rPr lang="fr-FR" sz="700" kern="1200" dirty="0" smtClean="0"/>
+            <a:t>19/12/2012</a:t>
+          </a:r>
+          <a:endParaRPr lang="fr-FR" sz="700" kern="1200" dirty="0"/>
+        </a:p>
+      </dsp:txBody>
+      <dsp:txXfrm rot="-5400000">
+        <a:off x="0" y="1509547"/>
+        <a:ext cx="481460" cy="206340"/>
+      </dsp:txXfrm>
+    </dsp:sp>
+    <dsp:sp modelId="{AE0193D3-02EE-44F1-9994-C1D73397E89B}">
+      <dsp:nvSpPr>
+        <dsp:cNvPr id="0" name=""/>
+        <dsp:cNvSpPr/>
+      </dsp:nvSpPr>
+      <dsp:spPr>
+        <a:xfrm rot="5400000">
+          <a:off x="2788970" y="-1038692"/>
+          <a:ext cx="447070" cy="5062089"/>
+        </a:xfrm>
+        <a:prstGeom prst="round2SameRect">
+          <a:avLst/>
+        </a:prstGeom>
+        <a:solidFill>
+          <a:schemeClr val="lt1">
+            <a:alpha val="90000"/>
+            <a:hueOff val="0"/>
+            <a:satOff val="0"/>
+            <a:lumOff val="0"/>
+            <a:alphaOff val="0"/>
+          </a:schemeClr>
+        </a:solidFill>
+        <a:ln w="25400" cap="flat" cmpd="sng" algn="ctr">
+          <a:solidFill>
+            <a:srgbClr val="C00000"/>
+          </a:solidFill>
+          <a:prstDash val="solid"/>
+        </a:ln>
+        <a:effectLst/>
+      </dsp:spPr>
+      <dsp:style>
+        <a:lnRef idx="2">
+          <a:scrgbClr r="0" g="0" b="0"/>
+        </a:lnRef>
+        <a:fillRef idx="1">
+          <a:scrgbClr r="0" g="0" b="0"/>
+        </a:fillRef>
+        <a:effectRef idx="0">
+          <a:scrgbClr r="0" g="0" b="0"/>
+        </a:effectRef>
+        <a:fontRef idx="minor"/>
+      </dsp:style>
+      <dsp:txBody>
+        <a:bodyPr spcFirstLastPara="0" vert="horz" wrap="square" lIns="85344" tIns="7620" rIns="7620" bIns="7620" numCol="1" spcCol="1270" anchor="ctr" anchorCtr="0">
+          <a:noAutofit/>
+        </a:bodyPr>
+        <a:lstStyle/>
+        <a:p>
+          <a:pPr marL="114300" lvl="1" indent="-114300" algn="l" defTabSz="533400">
+            <a:lnSpc>
+              <a:spcPct val="90000"/>
+            </a:lnSpc>
+            <a:spcBef>
+              <a:spcPct val="0"/>
+            </a:spcBef>
+            <a:spcAft>
+              <a:spcPct val="15000"/>
+            </a:spcAft>
+            <a:buChar char="••"/>
+          </a:pPr>
+          <a:r>
+            <a:rPr lang="fr-FR" sz="1200" kern="1200" dirty="0" smtClean="0"/>
+            <a:t>Spécifications Fonctionnelles</a:t>
+          </a:r>
+          <a:endParaRPr lang="fr-FR" sz="1200" kern="1200" dirty="0"/>
+        </a:p>
+        <a:p>
+          <a:pPr marL="114300" lvl="1" indent="-114300" algn="l" defTabSz="533400">
+            <a:lnSpc>
+              <a:spcPct val="90000"/>
+            </a:lnSpc>
+            <a:spcBef>
+              <a:spcPct val="0"/>
+            </a:spcBef>
+            <a:spcAft>
+              <a:spcPct val="15000"/>
+            </a:spcAft>
+            <a:buChar char="••"/>
+          </a:pPr>
+          <a:r>
+            <a:rPr lang="fr-FR" sz="1200" kern="1200" dirty="0" smtClean="0"/>
+            <a:t>Spécifications techniques</a:t>
+          </a:r>
+          <a:endParaRPr lang="fr-FR" sz="1200" kern="1200" dirty="0"/>
+        </a:p>
+      </dsp:txBody>
+      <dsp:txXfrm rot="-5400000">
+        <a:off x="481461" y="1290641"/>
+        <a:ext cx="5040265" cy="403422"/>
+      </dsp:txXfrm>
+    </dsp:sp>
+    <dsp:sp modelId="{E01E7AB5-759C-4FE7-B908-1AA977B3A49D}">
+      <dsp:nvSpPr>
+        <dsp:cNvPr id="0" name=""/>
+        <dsp:cNvSpPr/>
+      </dsp:nvSpPr>
+      <dsp:spPr>
+        <a:xfrm rot="5400000">
+          <a:off x="-103170" y="2004402"/>
+          <a:ext cx="687800" cy="481460"/>
+        </a:xfrm>
+        <a:prstGeom prst="chevron">
+          <a:avLst/>
+        </a:prstGeom>
+        <a:solidFill>
+          <a:schemeClr val="accent1">
+            <a:hueOff val="0"/>
+            <a:satOff val="0"/>
+            <a:lumOff val="0"/>
+            <a:alphaOff val="0"/>
+          </a:schemeClr>
+        </a:solidFill>
+        <a:ln w="25400" cap="flat" cmpd="sng" algn="ctr">
+          <a:solidFill>
+            <a:schemeClr val="accent1">
+              <a:hueOff val="0"/>
+              <a:satOff val="0"/>
+              <a:lumOff val="0"/>
+              <a:alphaOff val="0"/>
+            </a:schemeClr>
+          </a:solidFill>
+          <a:prstDash val="solid"/>
+        </a:ln>
+        <a:effectLst/>
+      </dsp:spPr>
+      <dsp:style>
+        <a:lnRef idx="2">
+          <a:scrgbClr r="0" g="0" b="0"/>
+        </a:lnRef>
+        <a:fillRef idx="1">
+          <a:scrgbClr r="0" g="0" b="0"/>
+        </a:fillRef>
+        <a:effectRef idx="0">
+          <a:scrgbClr r="0" g="0" b="0"/>
+        </a:effectRef>
+        <a:fontRef idx="minor">
+          <a:schemeClr val="lt1"/>
+        </a:fontRef>
+      </dsp:style>
+      <dsp:txBody>
+        <a:bodyPr spcFirstLastPara="0" vert="horz" wrap="square" lIns="4445" tIns="4445" rIns="4445" bIns="4445" numCol="1" spcCol="1270" anchor="ctr" anchorCtr="0">
+          <a:noAutofit/>
+        </a:bodyPr>
+        <a:lstStyle/>
+        <a:p>
+          <a:pPr lvl="0" algn="ctr" defTabSz="311150">
+            <a:lnSpc>
+              <a:spcPct val="90000"/>
+            </a:lnSpc>
+            <a:spcBef>
+              <a:spcPct val="0"/>
+            </a:spcBef>
+            <a:spcAft>
+              <a:spcPct val="35000"/>
+            </a:spcAft>
+          </a:pPr>
+          <a:r>
+            <a:rPr lang="fr-FR" sz="700" kern="1200" dirty="0" smtClean="0"/>
+            <a:t>À La réception</a:t>
+          </a:r>
+          <a:endParaRPr lang="fr-FR" sz="700" kern="1200" dirty="0"/>
+        </a:p>
+      </dsp:txBody>
+      <dsp:txXfrm rot="-5400000">
+        <a:off x="0" y="2141962"/>
+        <a:ext cx="481460" cy="206340"/>
+      </dsp:txXfrm>
+    </dsp:sp>
+    <dsp:sp modelId="{B1234C05-D89A-4F80-9624-244ECB8A9512}">
+      <dsp:nvSpPr>
+        <dsp:cNvPr id="0" name=""/>
+        <dsp:cNvSpPr/>
+      </dsp:nvSpPr>
+      <dsp:spPr>
+        <a:xfrm rot="5400000">
+          <a:off x="2788970" y="-406277"/>
+          <a:ext cx="447070" cy="5062089"/>
+        </a:xfrm>
+        <a:prstGeom prst="round2SameRect">
+          <a:avLst/>
+        </a:prstGeom>
+        <a:solidFill>
+          <a:schemeClr val="lt1">
+            <a:alpha val="90000"/>
+            <a:hueOff val="0"/>
+            <a:satOff val="0"/>
+            <a:lumOff val="0"/>
+            <a:alphaOff val="0"/>
+          </a:schemeClr>
+        </a:solidFill>
+        <a:ln w="25400" cap="flat" cmpd="sng" algn="ctr">
+          <a:solidFill>
+            <a:schemeClr val="accent1">
+              <a:hueOff val="0"/>
+              <a:satOff val="0"/>
+              <a:lumOff val="0"/>
+              <a:alphaOff val="0"/>
+            </a:schemeClr>
+          </a:solidFill>
+          <a:prstDash val="solid"/>
+        </a:ln>
+        <a:effectLst/>
+      </dsp:spPr>
+      <dsp:style>
+        <a:lnRef idx="2">
+          <a:scrgbClr r="0" g="0" b="0"/>
+        </a:lnRef>
+        <a:fillRef idx="1">
+          <a:scrgbClr r="0" g="0" b="0"/>
+        </a:fillRef>
+        <a:effectRef idx="0">
+          <a:scrgbClr r="0" g="0" b="0"/>
+        </a:effectRef>
+        <a:fontRef idx="minor"/>
+      </dsp:style>
+      <dsp:txBody>
+        <a:bodyPr spcFirstLastPara="0" vert="horz" wrap="square" lIns="85344" tIns="7620" rIns="7620" bIns="7620" numCol="1" spcCol="1270" anchor="ctr" anchorCtr="0">
+          <a:noAutofit/>
+        </a:bodyPr>
+        <a:lstStyle/>
+        <a:p>
+          <a:pPr marL="114300" lvl="1" indent="-114300" algn="l" defTabSz="533400">
+            <a:lnSpc>
+              <a:spcPct val="90000"/>
+            </a:lnSpc>
+            <a:spcBef>
+              <a:spcPct val="0"/>
+            </a:spcBef>
+            <a:spcAft>
+              <a:spcPct val="15000"/>
+            </a:spcAft>
+            <a:buChar char="••"/>
+          </a:pPr>
+          <a:r>
+            <a:rPr lang="fr-FR" sz="1200" kern="1200" dirty="0" smtClean="0"/>
+            <a:t>Montage du matériel et calibration R/C</a:t>
+          </a:r>
+          <a:endParaRPr lang="fr-FR" sz="1200" kern="1200" dirty="0"/>
+        </a:p>
+      </dsp:txBody>
+      <dsp:txXfrm rot="-5400000">
+        <a:off x="481461" y="1923056"/>
+        <a:ext cx="5040265" cy="403422"/>
+      </dsp:txXfrm>
+    </dsp:sp>
+    <dsp:sp modelId="{2DAE0C45-396F-4C3C-831D-A22F72F71429}">
+      <dsp:nvSpPr>
+        <dsp:cNvPr id="0" name=""/>
+        <dsp:cNvSpPr/>
+      </dsp:nvSpPr>
+      <dsp:spPr>
+        <a:xfrm rot="5400000">
+          <a:off x="-103170" y="2636817"/>
+          <a:ext cx="687800" cy="481460"/>
+        </a:xfrm>
+        <a:prstGeom prst="chevron">
+          <a:avLst/>
+        </a:prstGeom>
+        <a:solidFill>
+          <a:schemeClr val="accent1">
+            <a:hueOff val="0"/>
+            <a:satOff val="0"/>
+            <a:lumOff val="0"/>
+            <a:alphaOff val="0"/>
+          </a:schemeClr>
+        </a:solidFill>
+        <a:ln w="25400" cap="flat" cmpd="sng" algn="ctr">
+          <a:solidFill>
+            <a:schemeClr val="accent1">
+              <a:hueOff val="0"/>
+              <a:satOff val="0"/>
+              <a:lumOff val="0"/>
+              <a:alphaOff val="0"/>
+            </a:schemeClr>
+          </a:solidFill>
+          <a:prstDash val="solid"/>
+        </a:ln>
+        <a:effectLst/>
+      </dsp:spPr>
+      <dsp:style>
+        <a:lnRef idx="2">
+          <a:scrgbClr r="0" g="0" b="0"/>
+        </a:lnRef>
+        <a:fillRef idx="1">
+          <a:scrgbClr r="0" g="0" b="0"/>
+        </a:fillRef>
+        <a:effectRef idx="0">
+          <a:scrgbClr r="0" g="0" b="0"/>
+        </a:effectRef>
+        <a:fontRef idx="minor">
+          <a:schemeClr val="lt1"/>
+        </a:fontRef>
+      </dsp:style>
+      <dsp:txBody>
+        <a:bodyPr spcFirstLastPara="0" vert="horz" wrap="square" lIns="4445" tIns="4445" rIns="4445" bIns="4445" numCol="1" spcCol="1270" anchor="ctr" anchorCtr="0">
+          <a:noAutofit/>
+        </a:bodyPr>
+        <a:lstStyle/>
+        <a:p>
+          <a:pPr lvl="0" algn="ctr" defTabSz="311150">
+            <a:lnSpc>
+              <a:spcPct val="90000"/>
+            </a:lnSpc>
+            <a:spcBef>
+              <a:spcPct val="0"/>
+            </a:spcBef>
+            <a:spcAft>
+              <a:spcPct val="35000"/>
+            </a:spcAft>
+          </a:pPr>
+          <a:r>
+            <a:rPr lang="fr-FR" sz="700" kern="1200" dirty="0"/>
+            <a:t>02/01/2012</a:t>
+          </a:r>
+        </a:p>
+      </dsp:txBody>
+      <dsp:txXfrm rot="-5400000">
+        <a:off x="0" y="2774377"/>
+        <a:ext cx="481460" cy="206340"/>
+      </dsp:txXfrm>
+    </dsp:sp>
+    <dsp:sp modelId="{81801463-658B-4D1C-B84F-4D1C821E6540}">
+      <dsp:nvSpPr>
+        <dsp:cNvPr id="0" name=""/>
+        <dsp:cNvSpPr/>
+      </dsp:nvSpPr>
+      <dsp:spPr>
+        <a:xfrm rot="5400000">
+          <a:off x="2788970" y="226137"/>
+          <a:ext cx="447070" cy="5062089"/>
+        </a:xfrm>
+        <a:prstGeom prst="round2SameRect">
+          <a:avLst/>
+        </a:prstGeom>
+        <a:solidFill>
+          <a:schemeClr val="lt1">
+            <a:alpha val="90000"/>
+            <a:hueOff val="0"/>
+            <a:satOff val="0"/>
+            <a:lumOff val="0"/>
+            <a:alphaOff val="0"/>
+          </a:schemeClr>
+        </a:solidFill>
+        <a:ln w="25400" cap="flat" cmpd="sng" algn="ctr">
+          <a:solidFill>
+            <a:schemeClr val="accent1">
+              <a:hueOff val="0"/>
+              <a:satOff val="0"/>
+              <a:lumOff val="0"/>
+              <a:alphaOff val="0"/>
+            </a:schemeClr>
+          </a:solidFill>
+          <a:prstDash val="solid"/>
+        </a:ln>
+        <a:effectLst/>
+      </dsp:spPr>
+      <dsp:style>
+        <a:lnRef idx="2">
+          <a:scrgbClr r="0" g="0" b="0"/>
+        </a:lnRef>
+        <a:fillRef idx="1">
+          <a:scrgbClr r="0" g="0" b="0"/>
+        </a:fillRef>
+        <a:effectRef idx="0">
+          <a:scrgbClr r="0" g="0" b="0"/>
+        </a:effectRef>
+        <a:fontRef idx="minor"/>
+      </dsp:style>
+      <dsp:txBody>
+        <a:bodyPr spcFirstLastPara="0" vert="horz" wrap="square" lIns="85344" tIns="7620" rIns="7620" bIns="7620" numCol="1" spcCol="1270" anchor="ctr" anchorCtr="0">
+          <a:noAutofit/>
+        </a:bodyPr>
+        <a:lstStyle/>
+        <a:p>
+          <a:pPr marL="114300" lvl="1" indent="-114300" algn="l" defTabSz="533400">
+            <a:lnSpc>
+              <a:spcPct val="90000"/>
+            </a:lnSpc>
+            <a:spcBef>
+              <a:spcPct val="0"/>
+            </a:spcBef>
+            <a:spcAft>
+              <a:spcPct val="15000"/>
+            </a:spcAft>
+            <a:buChar char="••"/>
+          </a:pPr>
+          <a:r>
+            <a:rPr lang="fr-FR" sz="1200" kern="1200" dirty="0" err="1" smtClean="0"/>
+            <a:t>Communication</a:t>
+          </a:r>
+          <a:r>
+            <a:rPr lang="fr-FR" sz="1200" kern="1200" dirty="0" smtClean="0"/>
+            <a:t> quadri – PC</a:t>
+          </a:r>
+          <a:endParaRPr lang="fr-FR" sz="1200" kern="1200" dirty="0"/>
+        </a:p>
+      </dsp:txBody>
+      <dsp:txXfrm rot="-5400000">
+        <a:off x="481461" y="2555470"/>
+        <a:ext cx="5040265" cy="403422"/>
+      </dsp:txXfrm>
+    </dsp:sp>
+    <dsp:sp modelId="{82FFD805-737F-475B-8272-0BFE30B9A8B5}">
+      <dsp:nvSpPr>
+        <dsp:cNvPr id="0" name=""/>
+        <dsp:cNvSpPr/>
+      </dsp:nvSpPr>
+      <dsp:spPr>
+        <a:xfrm rot="5400000">
+          <a:off x="-103170" y="3269232"/>
+          <a:ext cx="687800" cy="481460"/>
+        </a:xfrm>
+        <a:prstGeom prst="chevron">
+          <a:avLst/>
+        </a:prstGeom>
+        <a:solidFill>
+          <a:srgbClr val="C00000"/>
+        </a:solidFill>
+        <a:ln w="25400" cap="flat" cmpd="sng" algn="ctr">
+          <a:solidFill>
+            <a:srgbClr val="C00000"/>
+          </a:solidFill>
+          <a:prstDash val="solid"/>
+        </a:ln>
+        <a:effectLst/>
+      </dsp:spPr>
+      <dsp:style>
+        <a:lnRef idx="2">
+          <a:scrgbClr r="0" g="0" b="0"/>
+        </a:lnRef>
+        <a:fillRef idx="1">
+          <a:scrgbClr r="0" g="0" b="0"/>
+        </a:fillRef>
+        <a:effectRef idx="0">
+          <a:scrgbClr r="0" g="0" b="0"/>
+        </a:effectRef>
+        <a:fontRef idx="minor">
+          <a:schemeClr val="lt1"/>
+        </a:fontRef>
+      </dsp:style>
+      <dsp:txBody>
+        <a:bodyPr spcFirstLastPara="0" vert="horz" wrap="square" lIns="4445" tIns="4445" rIns="4445" bIns="4445" numCol="1" spcCol="1270" anchor="ctr" anchorCtr="0">
+          <a:noAutofit/>
+        </a:bodyPr>
+        <a:lstStyle/>
+        <a:p>
+          <a:pPr lvl="0" algn="ctr" defTabSz="311150">
+            <a:lnSpc>
+              <a:spcPct val="90000"/>
+            </a:lnSpc>
+            <a:spcBef>
+              <a:spcPct val="0"/>
+            </a:spcBef>
+            <a:spcAft>
+              <a:spcPct val="35000"/>
+            </a:spcAft>
+          </a:pPr>
+          <a:r>
+            <a:rPr lang="fr-FR" sz="700" kern="1200" dirty="0"/>
+            <a:t>04/02/2012</a:t>
+          </a:r>
+        </a:p>
+      </dsp:txBody>
+      <dsp:txXfrm rot="-5400000">
+        <a:off x="0" y="3406792"/>
+        <a:ext cx="481460" cy="206340"/>
+      </dsp:txXfrm>
+    </dsp:sp>
+    <dsp:sp modelId="{21EE76CB-3D84-4B81-9110-5D28F3E771B0}">
+      <dsp:nvSpPr>
+        <dsp:cNvPr id="0" name=""/>
+        <dsp:cNvSpPr/>
+      </dsp:nvSpPr>
+      <dsp:spPr>
+        <a:xfrm rot="5400000">
+          <a:off x="2788970" y="858552"/>
+          <a:ext cx="447070" cy="5062089"/>
+        </a:xfrm>
+        <a:prstGeom prst="round2SameRect">
+          <a:avLst/>
+        </a:prstGeom>
+        <a:solidFill>
+          <a:schemeClr val="lt1">
+            <a:alpha val="90000"/>
+            <a:hueOff val="0"/>
+            <a:satOff val="0"/>
+            <a:lumOff val="0"/>
+            <a:alphaOff val="0"/>
+          </a:schemeClr>
+        </a:solidFill>
+        <a:ln w="25400" cap="flat" cmpd="sng" algn="ctr">
+          <a:solidFill>
+            <a:srgbClr val="C00000"/>
+          </a:solidFill>
+          <a:prstDash val="solid"/>
+        </a:ln>
+        <a:effectLst/>
+      </dsp:spPr>
+      <dsp:style>
+        <a:lnRef idx="2">
+          <a:scrgbClr r="0" g="0" b="0"/>
+        </a:lnRef>
+        <a:fillRef idx="1">
+          <a:scrgbClr r="0" g="0" b="0"/>
+        </a:fillRef>
+        <a:effectRef idx="0">
+          <a:scrgbClr r="0" g="0" b="0"/>
+        </a:effectRef>
+        <a:fontRef idx="minor"/>
+      </dsp:style>
+      <dsp:txBody>
+        <a:bodyPr spcFirstLastPara="0" vert="horz" wrap="square" lIns="85344" tIns="7620" rIns="7620" bIns="7620" numCol="1" spcCol="1270" anchor="ctr" anchorCtr="0">
+          <a:noAutofit/>
+        </a:bodyPr>
+        <a:lstStyle/>
+        <a:p>
+          <a:pPr marL="114300" lvl="1" indent="-114300" algn="l" defTabSz="533400">
+            <a:lnSpc>
+              <a:spcPct val="90000"/>
+            </a:lnSpc>
+            <a:spcBef>
+              <a:spcPct val="0"/>
+            </a:spcBef>
+            <a:spcAft>
+              <a:spcPct val="15000"/>
+            </a:spcAft>
+            <a:buChar char="••"/>
+          </a:pPr>
+          <a:r>
+            <a:rPr lang="fr-FR" sz="1200" kern="1200" dirty="0"/>
+            <a:t>Point d'avancement critique</a:t>
+          </a:r>
+        </a:p>
+      </dsp:txBody>
+      <dsp:txXfrm rot="-5400000">
+        <a:off x="481461" y="3187885"/>
+        <a:ext cx="5040265" cy="403422"/>
+      </dsp:txXfrm>
+    </dsp:sp>
+    <dsp:sp modelId="{18D16C71-8CED-4A8E-9218-AB472E91CB63}">
+      <dsp:nvSpPr>
+        <dsp:cNvPr id="0" name=""/>
+        <dsp:cNvSpPr/>
+      </dsp:nvSpPr>
+      <dsp:spPr>
+        <a:xfrm rot="5400000">
+          <a:off x="-103170" y="3901647"/>
+          <a:ext cx="687800" cy="481460"/>
+        </a:xfrm>
+        <a:prstGeom prst="chevron">
+          <a:avLst/>
+        </a:prstGeom>
+        <a:solidFill>
+          <a:schemeClr val="accent1">
+            <a:hueOff val="0"/>
+            <a:satOff val="0"/>
+            <a:lumOff val="0"/>
+            <a:alphaOff val="0"/>
+          </a:schemeClr>
+        </a:solidFill>
+        <a:ln w="25400" cap="flat" cmpd="sng" algn="ctr">
+          <a:solidFill>
+            <a:schemeClr val="accent1">
+              <a:hueOff val="0"/>
+              <a:satOff val="0"/>
+              <a:lumOff val="0"/>
+              <a:alphaOff val="0"/>
+            </a:schemeClr>
+          </a:solidFill>
+          <a:prstDash val="solid"/>
+        </a:ln>
+        <a:effectLst/>
+      </dsp:spPr>
+      <dsp:style>
+        <a:lnRef idx="2">
+          <a:scrgbClr r="0" g="0" b="0"/>
+        </a:lnRef>
+        <a:fillRef idx="1">
+          <a:scrgbClr r="0" g="0" b="0"/>
+        </a:fillRef>
+        <a:effectRef idx="0">
+          <a:scrgbClr r="0" g="0" b="0"/>
+        </a:effectRef>
+        <a:fontRef idx="minor">
+          <a:schemeClr val="lt1"/>
+        </a:fontRef>
+      </dsp:style>
+      <dsp:txBody>
+        <a:bodyPr spcFirstLastPara="0" vert="horz" wrap="square" lIns="4445" tIns="4445" rIns="4445" bIns="4445" numCol="1" spcCol="1270" anchor="ctr" anchorCtr="0">
+          <a:noAutofit/>
+        </a:bodyPr>
+        <a:lstStyle/>
+        <a:p>
+          <a:pPr lvl="0" algn="ctr" defTabSz="311150">
+            <a:lnSpc>
+              <a:spcPct val="90000"/>
+            </a:lnSpc>
+            <a:spcBef>
+              <a:spcPct val="0"/>
+            </a:spcBef>
+            <a:spcAft>
+              <a:spcPct val="35000"/>
+            </a:spcAft>
+          </a:pPr>
+          <a:r>
+            <a:rPr lang="fr-FR" sz="700" kern="1200" dirty="0"/>
+            <a:t>11/02/2012</a:t>
+          </a:r>
+        </a:p>
+      </dsp:txBody>
+      <dsp:txXfrm rot="-5400000">
+        <a:off x="0" y="4039207"/>
+        <a:ext cx="481460" cy="206340"/>
+      </dsp:txXfrm>
+    </dsp:sp>
+    <dsp:sp modelId="{E11E8C9F-1B92-47AC-98CB-93BE71BB5B9F}">
+      <dsp:nvSpPr>
+        <dsp:cNvPr id="0" name=""/>
+        <dsp:cNvSpPr/>
+      </dsp:nvSpPr>
+      <dsp:spPr>
+        <a:xfrm rot="5400000">
+          <a:off x="2788970" y="1490967"/>
+          <a:ext cx="447070" cy="5062089"/>
+        </a:xfrm>
+        <a:prstGeom prst="round2SameRect">
+          <a:avLst/>
+        </a:prstGeom>
+        <a:solidFill>
+          <a:schemeClr val="lt1">
+            <a:alpha val="90000"/>
+            <a:hueOff val="0"/>
+            <a:satOff val="0"/>
+            <a:lumOff val="0"/>
+            <a:alphaOff val="0"/>
+          </a:schemeClr>
+        </a:solidFill>
+        <a:ln w="25400" cap="flat" cmpd="sng" algn="ctr">
+          <a:solidFill>
+            <a:schemeClr val="accent1">
+              <a:hueOff val="0"/>
+              <a:satOff val="0"/>
+              <a:lumOff val="0"/>
+              <a:alphaOff val="0"/>
+            </a:schemeClr>
+          </a:solidFill>
+          <a:prstDash val="solid"/>
+        </a:ln>
+        <a:effectLst/>
+      </dsp:spPr>
+      <dsp:style>
+        <a:lnRef idx="2">
+          <a:scrgbClr r="0" g="0" b="0"/>
+        </a:lnRef>
+        <a:fillRef idx="1">
+          <a:scrgbClr r="0" g="0" b="0"/>
+        </a:fillRef>
+        <a:effectRef idx="0">
+          <a:scrgbClr r="0" g="0" b="0"/>
+        </a:effectRef>
+        <a:fontRef idx="minor"/>
+      </dsp:style>
+      <dsp:txBody>
+        <a:bodyPr spcFirstLastPara="0" vert="horz" wrap="square" lIns="85344" tIns="7620" rIns="7620" bIns="7620" numCol="1" spcCol="1270" anchor="ctr" anchorCtr="0">
+          <a:noAutofit/>
+        </a:bodyPr>
+        <a:lstStyle/>
+        <a:p>
+          <a:pPr marL="114300" lvl="1" indent="-114300" algn="l" defTabSz="533400">
+            <a:lnSpc>
+              <a:spcPct val="90000"/>
+            </a:lnSpc>
+            <a:spcBef>
+              <a:spcPct val="0"/>
+            </a:spcBef>
+            <a:spcAft>
+              <a:spcPct val="15000"/>
+            </a:spcAft>
+            <a:buChar char="••"/>
+          </a:pPr>
+          <a:r>
+            <a:rPr lang="fr-FR" sz="1200" kern="1200" dirty="0"/>
+            <a:t>Commande de vol</a:t>
+          </a:r>
+        </a:p>
+      </dsp:txBody>
+      <dsp:txXfrm rot="-5400000">
+        <a:off x="481461" y="3820300"/>
+        <a:ext cx="5040265" cy="403422"/>
+      </dsp:txXfrm>
+    </dsp:sp>
+    <dsp:sp modelId="{77034779-5324-4B03-A29F-A4864243DD22}">
+      <dsp:nvSpPr>
+        <dsp:cNvPr id="0" name=""/>
+        <dsp:cNvSpPr/>
+      </dsp:nvSpPr>
+      <dsp:spPr>
+        <a:xfrm rot="5400000">
+          <a:off x="-103170" y="4534062"/>
+          <a:ext cx="687800" cy="481460"/>
+        </a:xfrm>
+        <a:prstGeom prst="chevron">
+          <a:avLst/>
+        </a:prstGeom>
+        <a:solidFill>
+          <a:srgbClr val="C00000"/>
+        </a:solidFill>
+        <a:ln w="25400" cap="flat" cmpd="sng" algn="ctr">
+          <a:solidFill>
+            <a:srgbClr val="C00000"/>
+          </a:solidFill>
+          <a:prstDash val="solid"/>
+        </a:ln>
+        <a:effectLst/>
+      </dsp:spPr>
+      <dsp:style>
+        <a:lnRef idx="2">
+          <a:scrgbClr r="0" g="0" b="0"/>
+        </a:lnRef>
+        <a:fillRef idx="1">
+          <a:scrgbClr r="0" g="0" b="0"/>
+        </a:fillRef>
+        <a:effectRef idx="0">
+          <a:scrgbClr r="0" g="0" b="0"/>
+        </a:effectRef>
+        <a:fontRef idx="minor">
+          <a:schemeClr val="lt1"/>
+        </a:fontRef>
+      </dsp:style>
+      <dsp:txBody>
+        <a:bodyPr spcFirstLastPara="0" vert="horz" wrap="square" lIns="4445" tIns="4445" rIns="4445" bIns="4445" numCol="1" spcCol="1270" anchor="ctr" anchorCtr="0">
+          <a:noAutofit/>
+        </a:bodyPr>
+        <a:lstStyle/>
+        <a:p>
+          <a:pPr lvl="0" algn="ctr" defTabSz="311150">
+            <a:lnSpc>
+              <a:spcPct val="90000"/>
+            </a:lnSpc>
+            <a:spcBef>
+              <a:spcPct val="0"/>
+            </a:spcBef>
+            <a:spcAft>
+              <a:spcPct val="35000"/>
+            </a:spcAft>
+          </a:pPr>
+          <a:r>
+            <a:rPr lang="fr-FR" sz="700" kern="1200" dirty="0"/>
+            <a:t>19/03/2012</a:t>
+          </a:r>
+        </a:p>
+      </dsp:txBody>
+      <dsp:txXfrm rot="-5400000">
+        <a:off x="0" y="4671622"/>
+        <a:ext cx="481460" cy="206340"/>
+      </dsp:txXfrm>
+    </dsp:sp>
+    <dsp:sp modelId="{4C4FA1E8-87B2-4537-BBF7-61CB1F2A032B}">
+      <dsp:nvSpPr>
+        <dsp:cNvPr id="0" name=""/>
+        <dsp:cNvSpPr/>
+      </dsp:nvSpPr>
+      <dsp:spPr>
+        <a:xfrm rot="5400000">
+          <a:off x="2788970" y="2123382"/>
+          <a:ext cx="447070" cy="5062089"/>
+        </a:xfrm>
+        <a:prstGeom prst="round2SameRect">
+          <a:avLst/>
+        </a:prstGeom>
+        <a:solidFill>
+          <a:schemeClr val="lt1">
+            <a:alpha val="90000"/>
+            <a:hueOff val="0"/>
+            <a:satOff val="0"/>
+            <a:lumOff val="0"/>
+            <a:alphaOff val="0"/>
+          </a:schemeClr>
+        </a:solidFill>
+        <a:ln w="25400" cap="flat" cmpd="sng" algn="ctr">
+          <a:solidFill>
+            <a:srgbClr val="C00000"/>
+          </a:solidFill>
+          <a:prstDash val="solid"/>
+        </a:ln>
+        <a:effectLst/>
+      </dsp:spPr>
+      <dsp:style>
+        <a:lnRef idx="2">
+          <a:scrgbClr r="0" g="0" b="0"/>
+        </a:lnRef>
+        <a:fillRef idx="1">
+          <a:scrgbClr r="0" g="0" b="0"/>
+        </a:fillRef>
+        <a:effectRef idx="0">
+          <a:scrgbClr r="0" g="0" b="0"/>
+        </a:effectRef>
+        <a:fontRef idx="minor"/>
+      </dsp:style>
+      <dsp:txBody>
+        <a:bodyPr spcFirstLastPara="0" vert="horz" wrap="square" lIns="85344" tIns="7620" rIns="7620" bIns="7620" numCol="1" spcCol="1270" anchor="ctr" anchorCtr="0">
+          <a:noAutofit/>
+        </a:bodyPr>
+        <a:lstStyle/>
+        <a:p>
+          <a:pPr marL="114300" lvl="1" indent="-114300" algn="l" defTabSz="533400">
+            <a:lnSpc>
+              <a:spcPct val="90000"/>
+            </a:lnSpc>
+            <a:spcBef>
+              <a:spcPct val="0"/>
+            </a:spcBef>
+            <a:spcAft>
+              <a:spcPct val="15000"/>
+            </a:spcAft>
+            <a:buChar char="••"/>
+          </a:pPr>
+          <a:r>
+            <a:rPr lang="fr-FR" sz="1200" kern="1200" dirty="0"/>
+            <a:t>Point d'avancement Critique</a:t>
+          </a:r>
+        </a:p>
+      </dsp:txBody>
+      <dsp:txXfrm rot="-5400000">
+        <a:off x="481461" y="4452715"/>
+        <a:ext cx="5040265" cy="403422"/>
+      </dsp:txXfrm>
+    </dsp:sp>
+    <dsp:sp modelId="{CF2BC555-A422-4C9E-808A-1375E6758DB7}">
+      <dsp:nvSpPr>
+        <dsp:cNvPr id="0" name=""/>
+        <dsp:cNvSpPr/>
+      </dsp:nvSpPr>
+      <dsp:spPr>
+        <a:xfrm rot="5400000">
+          <a:off x="-103170" y="5166477"/>
+          <a:ext cx="687800" cy="481460"/>
+        </a:xfrm>
+        <a:prstGeom prst="chevron">
+          <a:avLst/>
+        </a:prstGeom>
+        <a:solidFill>
+          <a:schemeClr val="accent1">
+            <a:hueOff val="0"/>
+            <a:satOff val="0"/>
+            <a:lumOff val="0"/>
+            <a:alphaOff val="0"/>
+          </a:schemeClr>
+        </a:solidFill>
+        <a:ln w="25400" cap="flat" cmpd="sng" algn="ctr">
+          <a:solidFill>
+            <a:schemeClr val="accent1">
+              <a:hueOff val="0"/>
+              <a:satOff val="0"/>
+              <a:lumOff val="0"/>
+              <a:alphaOff val="0"/>
+            </a:schemeClr>
+          </a:solidFill>
+          <a:prstDash val="solid"/>
+        </a:ln>
+        <a:effectLst/>
+      </dsp:spPr>
+      <dsp:style>
+        <a:lnRef idx="2">
+          <a:scrgbClr r="0" g="0" b="0"/>
+        </a:lnRef>
+        <a:fillRef idx="1">
+          <a:scrgbClr r="0" g="0" b="0"/>
+        </a:fillRef>
+        <a:effectRef idx="0">
+          <a:scrgbClr r="0" g="0" b="0"/>
+        </a:effectRef>
+        <a:fontRef idx="minor">
+          <a:schemeClr val="lt1"/>
+        </a:fontRef>
+      </dsp:style>
+      <dsp:txBody>
+        <a:bodyPr spcFirstLastPara="0" vert="horz" wrap="square" lIns="4445" tIns="4445" rIns="4445" bIns="4445" numCol="1" spcCol="1270" anchor="ctr" anchorCtr="0">
+          <a:noAutofit/>
+        </a:bodyPr>
+        <a:lstStyle/>
+        <a:p>
+          <a:pPr lvl="0" algn="ctr" defTabSz="311150">
+            <a:lnSpc>
+              <a:spcPct val="90000"/>
+            </a:lnSpc>
+            <a:spcBef>
+              <a:spcPct val="0"/>
+            </a:spcBef>
+            <a:spcAft>
+              <a:spcPct val="35000"/>
+            </a:spcAft>
+          </a:pPr>
+          <a:r>
+            <a:rPr lang="fr-FR" sz="700" kern="1200" dirty="0"/>
+            <a:t>10/04/12</a:t>
+          </a:r>
+        </a:p>
+      </dsp:txBody>
+      <dsp:txXfrm rot="-5400000">
+        <a:off x="0" y="5304037"/>
+        <a:ext cx="481460" cy="206340"/>
+      </dsp:txXfrm>
+    </dsp:sp>
+    <dsp:sp modelId="{2D409489-079A-42B5-95A4-465348C192DC}">
+      <dsp:nvSpPr>
+        <dsp:cNvPr id="0" name=""/>
+        <dsp:cNvSpPr/>
+      </dsp:nvSpPr>
+      <dsp:spPr>
+        <a:xfrm rot="5400000">
+          <a:off x="2788970" y="2755797"/>
+          <a:ext cx="447070" cy="5062089"/>
+        </a:xfrm>
+        <a:prstGeom prst="round2SameRect">
+          <a:avLst/>
+        </a:prstGeom>
+        <a:solidFill>
+          <a:schemeClr val="lt1">
+            <a:alpha val="90000"/>
+            <a:hueOff val="0"/>
+            <a:satOff val="0"/>
+            <a:lumOff val="0"/>
+            <a:alphaOff val="0"/>
+          </a:schemeClr>
+        </a:solidFill>
+        <a:ln w="25400" cap="flat" cmpd="sng" algn="ctr">
+          <a:solidFill>
+            <a:schemeClr val="accent1">
+              <a:hueOff val="0"/>
+              <a:satOff val="0"/>
+              <a:lumOff val="0"/>
+              <a:alphaOff val="0"/>
+            </a:schemeClr>
+          </a:solidFill>
+          <a:prstDash val="solid"/>
+        </a:ln>
+        <a:effectLst/>
+      </dsp:spPr>
+      <dsp:style>
+        <a:lnRef idx="2">
+          <a:scrgbClr r="0" g="0" b="0"/>
+        </a:lnRef>
+        <a:fillRef idx="1">
+          <a:scrgbClr r="0" g="0" b="0"/>
+        </a:fillRef>
+        <a:effectRef idx="0">
+          <a:scrgbClr r="0" g="0" b="0"/>
+        </a:effectRef>
+        <a:fontRef idx="minor"/>
+      </dsp:style>
+      <dsp:txBody>
+        <a:bodyPr spcFirstLastPara="0" vert="horz" wrap="square" lIns="85344" tIns="7620" rIns="7620" bIns="7620" numCol="1" spcCol="1270" anchor="ctr" anchorCtr="0">
+          <a:noAutofit/>
+        </a:bodyPr>
+        <a:lstStyle/>
+        <a:p>
+          <a:pPr marL="114300" lvl="1" indent="-114300" algn="l" defTabSz="533400">
+            <a:lnSpc>
+              <a:spcPct val="90000"/>
+            </a:lnSpc>
+            <a:spcBef>
+              <a:spcPct val="0"/>
+            </a:spcBef>
+            <a:spcAft>
+              <a:spcPct val="15000"/>
+            </a:spcAft>
+            <a:buChar char="••"/>
+          </a:pPr>
+          <a:r>
+            <a:rPr lang="fr-FR" sz="1200" kern="1200" dirty="0" smtClean="0"/>
+            <a:t>Interface</a:t>
+          </a:r>
+          <a:endParaRPr lang="fr-FR" sz="1200" kern="1200" dirty="0"/>
+        </a:p>
+      </dsp:txBody>
+      <dsp:txXfrm rot="-5400000">
+        <a:off x="481461" y="5085130"/>
+        <a:ext cx="5040265" cy="403422"/>
+      </dsp:txXfrm>
+    </dsp:sp>
+    <dsp:sp modelId="{2E2757CD-889B-4BFE-AFF4-CECE6BF3F53D}">
+      <dsp:nvSpPr>
+        <dsp:cNvPr id="0" name=""/>
+        <dsp:cNvSpPr/>
+      </dsp:nvSpPr>
+      <dsp:spPr>
+        <a:xfrm rot="5400000">
+          <a:off x="-103170" y="5798892"/>
+          <a:ext cx="687800" cy="481460"/>
+        </a:xfrm>
+        <a:prstGeom prst="chevron">
+          <a:avLst/>
+        </a:prstGeom>
+        <a:solidFill>
+          <a:schemeClr val="accent1">
+            <a:hueOff val="0"/>
+            <a:satOff val="0"/>
+            <a:lumOff val="0"/>
+            <a:alphaOff val="0"/>
+          </a:schemeClr>
+        </a:solidFill>
+        <a:ln w="25400" cap="flat" cmpd="sng" algn="ctr">
+          <a:solidFill>
+            <a:schemeClr val="accent1">
+              <a:hueOff val="0"/>
+              <a:satOff val="0"/>
+              <a:lumOff val="0"/>
+              <a:alphaOff val="0"/>
+            </a:schemeClr>
+          </a:solidFill>
+          <a:prstDash val="solid"/>
+        </a:ln>
+        <a:effectLst/>
+      </dsp:spPr>
+      <dsp:style>
+        <a:lnRef idx="2">
+          <a:scrgbClr r="0" g="0" b="0"/>
+        </a:lnRef>
+        <a:fillRef idx="1">
+          <a:scrgbClr r="0" g="0" b="0"/>
+        </a:fillRef>
+        <a:effectRef idx="0">
+          <a:scrgbClr r="0" g="0" b="0"/>
+        </a:effectRef>
+        <a:fontRef idx="minor">
+          <a:schemeClr val="lt1"/>
+        </a:fontRef>
+      </dsp:style>
+      <dsp:txBody>
+        <a:bodyPr spcFirstLastPara="0" vert="horz" wrap="square" lIns="4445" tIns="4445" rIns="4445" bIns="4445" numCol="1" spcCol="1270" anchor="ctr" anchorCtr="0">
+          <a:noAutofit/>
+        </a:bodyPr>
+        <a:lstStyle/>
+        <a:p>
+          <a:pPr lvl="0" algn="ctr" defTabSz="311150">
+            <a:lnSpc>
+              <a:spcPct val="90000"/>
+            </a:lnSpc>
+            <a:spcBef>
+              <a:spcPct val="0"/>
+            </a:spcBef>
+            <a:spcAft>
+              <a:spcPct val="35000"/>
+            </a:spcAft>
+          </a:pPr>
+          <a:r>
+            <a:rPr lang="fr-FR" sz="700" kern="1200" dirty="0"/>
+            <a:t>13/05/2012</a:t>
+          </a:r>
+        </a:p>
+      </dsp:txBody>
+      <dsp:txXfrm rot="-5400000">
+        <a:off x="0" y="5936452"/>
+        <a:ext cx="481460" cy="206340"/>
+      </dsp:txXfrm>
+    </dsp:sp>
+    <dsp:sp modelId="{E6315EDD-7016-48A0-B6C5-E2B94C81FBF9}">
+      <dsp:nvSpPr>
+        <dsp:cNvPr id="0" name=""/>
+        <dsp:cNvSpPr/>
+      </dsp:nvSpPr>
+      <dsp:spPr>
+        <a:xfrm rot="5400000">
+          <a:off x="2788970" y="3388212"/>
+          <a:ext cx="447070" cy="5062089"/>
+        </a:xfrm>
+        <a:prstGeom prst="round2SameRect">
+          <a:avLst/>
+        </a:prstGeom>
+        <a:solidFill>
+          <a:schemeClr val="lt1">
+            <a:alpha val="90000"/>
+            <a:hueOff val="0"/>
+            <a:satOff val="0"/>
+            <a:lumOff val="0"/>
+            <a:alphaOff val="0"/>
+          </a:schemeClr>
+        </a:solidFill>
+        <a:ln w="25400" cap="flat" cmpd="sng" algn="ctr">
+          <a:solidFill>
+            <a:schemeClr val="accent1">
+              <a:hueOff val="0"/>
+              <a:satOff val="0"/>
+              <a:lumOff val="0"/>
+              <a:alphaOff val="0"/>
+            </a:schemeClr>
+          </a:solidFill>
+          <a:prstDash val="solid"/>
+        </a:ln>
+        <a:effectLst/>
+      </dsp:spPr>
+      <dsp:style>
+        <a:lnRef idx="2">
+          <a:scrgbClr r="0" g="0" b="0"/>
+        </a:lnRef>
+        <a:fillRef idx="1">
+          <a:scrgbClr r="0" g="0" b="0"/>
+        </a:fillRef>
+        <a:effectRef idx="0">
+          <a:scrgbClr r="0" g="0" b="0"/>
+        </a:effectRef>
+        <a:fontRef idx="minor"/>
+      </dsp:style>
+      <dsp:txBody>
+        <a:bodyPr spcFirstLastPara="0" vert="horz" wrap="square" lIns="85344" tIns="7620" rIns="7620" bIns="7620" numCol="1" spcCol="1270" anchor="ctr" anchorCtr="0">
+          <a:noAutofit/>
+        </a:bodyPr>
+        <a:lstStyle/>
+        <a:p>
+          <a:pPr marL="114300" lvl="1" indent="-114300" algn="l" defTabSz="533400">
+            <a:lnSpc>
+              <a:spcPct val="90000"/>
+            </a:lnSpc>
+            <a:spcBef>
+              <a:spcPct val="0"/>
+            </a:spcBef>
+            <a:spcAft>
+              <a:spcPct val="15000"/>
+            </a:spcAft>
+            <a:buChar char="••"/>
+          </a:pPr>
+          <a:r>
+            <a:rPr lang="fr-FR" sz="1200" kern="1200" dirty="0" smtClean="0"/>
+            <a:t>Tests</a:t>
+          </a:r>
+          <a:endParaRPr lang="fr-FR" sz="1200" kern="1200" dirty="0"/>
+        </a:p>
+      </dsp:txBody>
+      <dsp:txXfrm rot="-5400000">
+        <a:off x="481461" y="5717545"/>
+        <a:ext cx="5040265" cy="403422"/>
+      </dsp:txXfrm>
+    </dsp:sp>
+    <dsp:sp modelId="{C9EB9DAC-F239-4DEC-85E0-21A37A1CC121}">
+      <dsp:nvSpPr>
+        <dsp:cNvPr id="0" name=""/>
+        <dsp:cNvSpPr/>
+      </dsp:nvSpPr>
+      <dsp:spPr>
+        <a:xfrm rot="5400000">
+          <a:off x="-103170" y="6431306"/>
+          <a:ext cx="687800" cy="481460"/>
+        </a:xfrm>
+        <a:prstGeom prst="chevron">
+          <a:avLst/>
+        </a:prstGeom>
+        <a:solidFill>
+          <a:srgbClr val="C00000"/>
+        </a:solidFill>
+        <a:ln w="25400" cap="flat" cmpd="sng" algn="ctr">
+          <a:solidFill>
+            <a:srgbClr val="C00000"/>
+          </a:solidFill>
+          <a:prstDash val="solid"/>
+        </a:ln>
+        <a:effectLst/>
+      </dsp:spPr>
+      <dsp:style>
+        <a:lnRef idx="2">
+          <a:scrgbClr r="0" g="0" b="0"/>
+        </a:lnRef>
+        <a:fillRef idx="1">
+          <a:scrgbClr r="0" g="0" b="0"/>
+        </a:fillRef>
+        <a:effectRef idx="0">
+          <a:scrgbClr r="0" g="0" b="0"/>
+        </a:effectRef>
+        <a:fontRef idx="minor">
+          <a:schemeClr val="lt1"/>
+        </a:fontRef>
+      </dsp:style>
+      <dsp:txBody>
+        <a:bodyPr spcFirstLastPara="0" vert="horz" wrap="square" lIns="4445" tIns="4445" rIns="4445" bIns="4445" numCol="1" spcCol="1270" anchor="ctr" anchorCtr="0">
+          <a:noAutofit/>
+        </a:bodyPr>
+        <a:lstStyle/>
+        <a:p>
+          <a:pPr lvl="0" algn="ctr" defTabSz="311150">
+            <a:lnSpc>
+              <a:spcPct val="90000"/>
+            </a:lnSpc>
+            <a:spcBef>
+              <a:spcPct val="0"/>
+            </a:spcBef>
+            <a:spcAft>
+              <a:spcPct val="35000"/>
+            </a:spcAft>
+          </a:pPr>
+          <a:r>
+            <a:rPr lang="fr-FR" sz="700" kern="1200" dirty="0"/>
+            <a:t>17/06/13</a:t>
+          </a:r>
+        </a:p>
+      </dsp:txBody>
+      <dsp:txXfrm rot="-5400000">
+        <a:off x="0" y="6568866"/>
+        <a:ext cx="481460" cy="206340"/>
+      </dsp:txXfrm>
+    </dsp:sp>
+    <dsp:sp modelId="{57F9723E-E067-4D3A-B6EA-2D316333A719}">
+      <dsp:nvSpPr>
+        <dsp:cNvPr id="0" name=""/>
+        <dsp:cNvSpPr/>
+      </dsp:nvSpPr>
+      <dsp:spPr>
+        <a:xfrm rot="5400000">
+          <a:off x="2788970" y="4020627"/>
+          <a:ext cx="447070" cy="5062089"/>
+        </a:xfrm>
+        <a:prstGeom prst="round2SameRect">
+          <a:avLst/>
+        </a:prstGeom>
+        <a:solidFill>
+          <a:schemeClr val="lt1">
+            <a:alpha val="90000"/>
+            <a:hueOff val="0"/>
+            <a:satOff val="0"/>
+            <a:lumOff val="0"/>
+            <a:alphaOff val="0"/>
+          </a:schemeClr>
+        </a:solidFill>
+        <a:ln w="25400" cap="flat" cmpd="sng" algn="ctr">
+          <a:solidFill>
+            <a:srgbClr val="C00000"/>
+          </a:solidFill>
+          <a:prstDash val="solid"/>
+        </a:ln>
+        <a:effectLst/>
+      </dsp:spPr>
+      <dsp:style>
+        <a:lnRef idx="2">
+          <a:scrgbClr r="0" g="0" b="0"/>
+        </a:lnRef>
+        <a:fillRef idx="1">
+          <a:scrgbClr r="0" g="0" b="0"/>
+        </a:fillRef>
+        <a:effectRef idx="0">
+          <a:scrgbClr r="0" g="0" b="0"/>
+        </a:effectRef>
+        <a:fontRef idx="minor"/>
+      </dsp:style>
+      <dsp:txBody>
+        <a:bodyPr spcFirstLastPara="0" vert="horz" wrap="square" lIns="85344" tIns="7620" rIns="7620" bIns="7620" numCol="1" spcCol="1270" anchor="ctr" anchorCtr="0">
+          <a:noAutofit/>
+        </a:bodyPr>
+        <a:lstStyle/>
+        <a:p>
+          <a:pPr marL="114300" lvl="1" indent="-114300" algn="l" defTabSz="533400">
+            <a:lnSpc>
+              <a:spcPct val="90000"/>
+            </a:lnSpc>
+            <a:spcBef>
+              <a:spcPct val="0"/>
+            </a:spcBef>
+            <a:spcAft>
+              <a:spcPct val="15000"/>
+            </a:spcAft>
+            <a:buChar char="••"/>
+          </a:pPr>
+          <a:r>
+            <a:rPr lang="fr-FR" sz="1200" kern="1200" dirty="0"/>
+            <a:t>Livrable Final</a:t>
+          </a:r>
+        </a:p>
+      </dsp:txBody>
+      <dsp:txXfrm rot="-5400000">
+        <a:off x="481461" y="6349960"/>
+        <a:ext cx="5040265" cy="403422"/>
+      </dsp:txXfrm>
+    </dsp:sp>
+  </dsp:spTree>
+</dsp:drawing>
+</file>
+
+<file path=ppt/diagrams/layout1.xml><?xml version="1.0" encoding="utf-8"?>
+<dgm:layoutDef xmlns:dgm="http://schemas.openxmlformats.org/drawingml/2006/diagram" xmlns:a="http://schemas.openxmlformats.org/drawingml/2006/main" uniqueId="urn:microsoft.com/office/officeart/2005/8/layout/chevron2">
+  <dgm:title val=""/>
+  <dgm:desc val=""/>
+  <dgm:catLst>
+    <dgm:cat type="process" pri="12000"/>
+    <dgm:cat type="list" pri="16000"/>
+    <dgm:cat type="convert" pri="11000"/>
+  </dgm:catLst>
+  <dgm:sampData>
+    <dgm:dataModel>
+      <dgm:ptLst>
+        <dgm:pt modelId="0" type="doc"/>
+        <dgm:pt modelId="1">
+          <dgm:prSet phldr="1"/>
+        </dgm:pt>
+        <dgm:pt modelId="11">
+          <dgm:prSet phldr="1"/>
+        </dgm:pt>
+        <dgm:pt modelId="12">
+          <dgm:prSet phldr="1"/>
+        </dgm:pt>
+        <dgm:pt modelId="2">
+          <dgm:prSet phldr="1"/>
+        </dgm:pt>
+        <dgm:pt modelId="21">
+          <dgm:prSet phldr="1"/>
+        </dgm:pt>
+        <dgm:pt modelId="22">
+          <dgm:prSet phldr="1"/>
+        </dgm:pt>
+        <dgm:pt modelId="3">
+          <dgm:prSet phldr="1"/>
+        </dgm:pt>
+        <dgm:pt modelId="31">
+          <dgm:prSet phldr="1"/>
+        </dgm:pt>
+        <dgm:pt modelId="32">
+          <dgm:prSet phldr="1"/>
+        </dgm:pt>
+      </dgm:ptLst>
+      <dgm:cxnLst>
+        <dgm:cxn modelId="4" srcId="0" destId="1" srcOrd="0" destOrd="0"/>
+        <dgm:cxn modelId="5" srcId="0" destId="2" srcOrd="1" destOrd="0"/>
+        <dgm:cxn modelId="6" srcId="0" destId="3" srcOrd="2" destOrd="0"/>
+        <dgm:cxn modelId="13" srcId="1" destId="11" srcOrd="0" destOrd="0"/>
+        <dgm:cxn modelId="14" srcId="1" destId="12" srcOrd="1" destOrd="0"/>
+        <dgm:cxn modelId="23" srcId="2" destId="21" srcOrd="0" destOrd="0"/>
+        <dgm:cxn modelId="24" srcId="2" destId="22" srcOrd="1" destOrd="0"/>
+        <dgm:cxn modelId="33" srcId="3" destId="31" srcOrd="0" destOrd="0"/>
+        <dgm:cxn modelId="34" srcId="3" destId="32" srcOrd="1" destOrd="0"/>
+      </dgm:cxnLst>
+      <dgm:bg/>
+      <dgm:whole/>
+    </dgm:dataModel>
+  </dgm:sampData>
+  <dgm:styleData>
+    <dgm:dataModel>
+      <dgm:ptLst>
+        <dgm:pt modelId="0" type="doc"/>
+        <dgm:pt modelId="1"/>
+      </dgm:ptLst>
+      <dgm:cxnLst>
+        <dgm:cxn modelId="4" srcId="0" destId="1" srcOrd="0" destOrd="0"/>
+      </dgm:cxnLst>
+      <dgm:bg/>
+      <dgm:whole/>
+    </dgm:dataModel>
+  </dgm:styleData>
+  <dgm:clrData>
+    <dgm:dataModel>
+      <dgm:ptLst>
+        <dgm:pt modelId="0" type="doc"/>
+        <dgm:pt modelId="1"/>
+        <dgm:pt modelId="11"/>
+        <dgm:pt modelId="2"/>
+        <dgm:pt modelId="21"/>
+        <dgm:pt modelId="3"/>
+        <dgm:pt modelId="31"/>
+        <dgm:pt modelId="4"/>
+        <dgm:pt modelId="41"/>
+      </dgm:ptLst>
+      <dgm:cxnLst>
+        <dgm:cxn modelId="5" srcId="0" destId="1" srcOrd="0" destOrd="0"/>
+        <dgm:cxn modelId="6" srcId="0" destId="2" srcOrd="1" destOrd="0"/>
+        <dgm:cxn modelId="7" srcId="0" destId="3" srcOrd="2" destOrd="0"/>
+        <dgm:cxn modelId="8" srcId="0" destId="4" srcOrd="3" destOrd="0"/>
+        <dgm:cxn modelId="13" srcId="1" destId="11" srcOrd="0" destOrd="0"/>
+        <dgm:cxn modelId="23" srcId="2" destId="21" srcOrd="0" destOrd="0"/>
+        <dgm:cxn modelId="33" srcId="3" destId="31" srcOrd="0" destOrd="0"/>
+        <dgm:cxn modelId="43" srcId="4" destId="41" srcOrd="0" destOrd="0"/>
+      </dgm:cxnLst>
+      <dgm:bg/>
+      <dgm:whole/>
+    </dgm:dataModel>
+  </dgm:clrData>
+  <dgm:layoutNode name="linearFlow">
+    <dgm:varLst>
+      <dgm:dir/>
+      <dgm:animLvl val="lvl"/>
+      <dgm:resizeHandles val="exact"/>
+    </dgm:varLst>
+    <dgm:alg type="lin">
+      <dgm:param type="linDir" val="fromT"/>
+      <dgm:param type="nodeHorzAlign" val="l"/>
+    </dgm:alg>
+    <dgm:shape xmlns:r="http://schemas.openxmlformats.org/officeDocument/2006/relationships" r:blip="">
+      <dgm:adjLst/>
+    </dgm:shape>
+    <dgm:presOf/>
+    <dgm:constrLst>
+      <dgm:constr type="h" for="ch" forName="composite" refType="h"/>
+      <dgm:constr type="w" for="ch" forName="composite" refType="w"/>
+      <dgm:constr type="h" for="des" forName="parentText" op="equ"/>
+      <dgm:constr type="h" for="ch" forName="sp" val="-14.88"/>
+      <dgm:constr type="h" for="ch" forName="sp" refType="w" refFor="des" refForName="parentText" op="gte" fact="-0.3"/>
+      <dgm:constr type="primFontSz" for="des" forName="parentText" op="equ" val="65"/>
+      <dgm:constr type="primFontSz" for="des" forName="descendantText" op="equ" val="65"/>
+    </dgm:constrLst>
+    <dgm:ruleLst/>
+    <dgm:forEach name="Name0" axis="ch" ptType="node">
+      <dgm:layoutNode name="composite">
+        <dgm:alg type="composite"/>
+        <dgm:shape xmlns:r="http://schemas.openxmlformats.org/officeDocument/2006/relationships" r:blip="">
+          <dgm:adjLst/>
+        </dgm:shape>
+        <dgm:presOf/>
+        <dgm:choose name="Name1">
+          <dgm:if name="Name2" func="var" arg="dir" op="equ" val="norm">
+            <dgm:constrLst>
+              <dgm:constr type="t" for="ch" forName="parentText"/>
+              <dgm:constr type="l" for="ch" forName="parentText"/>
+              <dgm:constr type="w" for="ch" forName="parentText" refType="w" fact="0.4"/>
+              <dgm:constr type="h" for="ch" forName="parentText" refType="h"/>
+              <dgm:constr type="w" for="ch" forName="parentText" refType="w" op="lte" fact="0.5"/>
+              <dgm:constr type="w" for="ch" forName="parentText" refType="h" refFor="ch" refForName="parentText" op="lte" fact="0.7"/>
+              <dgm:constr type="h" for="ch" forName="parentText" refType="w" refFor="ch" refForName="parentText" op="lte" fact="3"/>
+              <dgm:constr type="l" for="ch" forName="descendantText" refType="w" refFor="ch" refForName="parentText"/>
+              <dgm:constr type="w" for="ch" forName="descendantText" refType="w"/>
+              <dgm:constr type="wOff" for="ch" forName="descendantText" refType="w" refFor="ch" refForName="parentText" fact="-1"/>
+              <dgm:constr type="t" for="ch" forName="descendantText"/>
+              <dgm:constr type="b" for="ch" forName="descendantText" refType="h" refFor="ch" refForName="parentText"/>
+              <dgm:constr type="bOff" for="ch" forName="descendantText" refType="w" refFor="ch" refForName="parentText" fact="-0.5"/>
+            </dgm:constrLst>
+          </dgm:if>
+          <dgm:else name="Name3">
+            <dgm:constrLst>
+              <dgm:constr type="t" for="ch" forName="parentText"/>
+              <dgm:constr type="r" for="ch" forName="parentText" refType="w"/>
+              <dgm:constr type="w" for="ch" forName="parentText" refType="w" fact="0.4"/>
+              <dgm:constr type="h" for="ch" forName="parentText" refType="h"/>
+              <dgm:constr type="w" for="ch" forName="parentText" refType="w" op="lte" fact="0.5"/>
+              <dgm:constr type="w" for="ch" forName="parentText" refType="h" refFor="ch" refForName="parentText" op="lte" fact="0.7"/>
+              <dgm:constr type="h" for="ch" forName="parentText" refType="w" refFor="ch" refForName="parentText" op="lte" fact="3"/>
+              <dgm:constr type="l" for="ch" forName="descendantText"/>
+              <dgm:constr type="w" for="ch" forName="descendantText" refType="w"/>
+              <dgm:constr type="wOff" for="ch" forName="descendantText" refType="w" refFor="ch" refForName="parentText" fact="-1"/>
+              <dgm:constr type="t" for="ch" forName="descendantText"/>
+              <dgm:constr type="b" for="ch" forName="descendantText" refType="h" refFor="ch" refForName="parentText"/>
+              <dgm:constr type="bOff" for="ch" forName="descendantText" refType="w" refFor="ch" refForName="parentText" fact="-0.5"/>
+            </dgm:constrLst>
+          </dgm:else>
+        </dgm:choose>
+        <dgm:ruleLst/>
+        <dgm:layoutNode name="parentText" styleLbl="alignNode1">
+          <dgm:varLst>
+            <dgm:chMax val="1"/>
+            <dgm:bulletEnabled val="1"/>
+          </dgm:varLst>
+          <dgm:alg type="tx"/>
+          <dgm:shape xmlns:r="http://schemas.openxmlformats.org/officeDocument/2006/relationships" rot="90" type="chevron" r:blip="">
+            <dgm:adjLst/>
+          </dgm:shape>
+          <dgm:presOf axis="self" ptType="node"/>
+          <dgm:constrLst>
+            <dgm:constr type="lMarg" refType="primFontSz" fact="0.05"/>
+            <dgm:constr type="rMarg" refType="primFontSz" fact="0.05"/>
+            <dgm:constr type="tMarg" refType="primFontSz" fact="0.05"/>
+            <dgm:constr type="bMarg" refType="primFontSz" fact="0.05"/>
+          </dgm:constrLst>
+          <dgm:ruleLst>
+            <dgm:rule type="h" val="100" fact="NaN" max="NaN"/>
+            <dgm:rule type="primFontSz" val="24" fact="NaN" max="NaN"/>
+            <dgm:rule type="h" val="110" fact="NaN" max="NaN"/>
+            <dgm:rule type="primFontSz" val="18" fact="NaN" max="NaN"/>
+            <dgm:rule type="h" val="INF" fact="NaN" max="NaN"/>
+            <dgm:rule type="primFontSz" val="5" fact="NaN" max="NaN"/>
+          </dgm:ruleLst>
+        </dgm:layoutNode>
+        <dgm:layoutNode name="descendantText" styleLbl="alignAcc1">
+          <dgm:varLst>
+            <dgm:bulletEnabled val="1"/>
+          </dgm:varLst>
+          <dgm:choose name="Name4">
+            <dgm:if name="Name5" func="var" arg="dir" op="equ" val="norm">
+              <dgm:alg type="tx">
+                <dgm:param type="stBulletLvl" val="1"/>
+                <dgm:param type="txAnchorVertCh" val="mid"/>
+              </dgm:alg>
+              <dgm:shape xmlns:r="http://schemas.openxmlformats.org/officeDocument/2006/relationships" rot="90" type="round2SameRect" r:blip="">
+                <dgm:adjLst/>
+              </dgm:shape>
+            </dgm:if>
+            <dgm:else name="Name6">
+              <dgm:alg type="tx">
+                <dgm:param type="stBulletLvl" val="1"/>
+                <dgm:param type="txAnchorVertCh" val="mid"/>
+              </dgm:alg>
+              <dgm:shape xmlns:r="http://schemas.openxmlformats.org/officeDocument/2006/relationships" rot="-90" type="round2SameRect" r:blip="">
+                <dgm:adjLst/>
+              </dgm:shape>
+            </dgm:else>
+          </dgm:choose>
+          <dgm:presOf axis="des" ptType="node"/>
+          <dgm:choose name="Name7">
+            <dgm:if name="Name8" func="var" arg="dir" op="equ" val="norm">
+              <dgm:constrLst>
+                <dgm:constr type="secFontSz" refType="primFontSz"/>
+                <dgm:constr type="tMarg" refType="primFontSz" fact="0.05"/>
+                <dgm:constr type="bMarg" refType="primFontSz" fact="0.05"/>
+                <dgm:constr type="rMarg" refType="primFontSz" fact="0.05"/>
+              </dgm:constrLst>
+            </dgm:if>
+            <dgm:else name="Name9">
+              <dgm:constrLst>
+                <dgm:constr type="secFontSz" refType="primFontSz"/>
+                <dgm:constr type="tMarg" refType="primFontSz" fact="0.05"/>
+                <dgm:constr type="bMarg" refType="primFontSz" fact="0.05"/>
+                <dgm:constr type="lMarg" refType="primFontSz" fact="0.05"/>
+              </dgm:constrLst>
+            </dgm:else>
+          </dgm:choose>
+          <dgm:ruleLst>
+            <dgm:rule type="primFontSz" val="5" fact="NaN" max="NaN"/>
+          </dgm:ruleLst>
+        </dgm:layoutNode>
+      </dgm:layoutNode>
+      <dgm:forEach name="Name10" axis="followSib" ptType="sibTrans" cnt="1">
+        <dgm:layoutNode name="sp">
+          <dgm:alg type="sp"/>
+          <dgm:shape xmlns:r="http://schemas.openxmlformats.org/officeDocument/2006/relationships" r:blip="">
+            <dgm:adjLst/>
+          </dgm:shape>
+          <dgm:presOf axis="self"/>
+          <dgm:constrLst>
+            <dgm:constr type="w" val="1"/>
+            <dgm:constr type="h" val="37.5"/>
+          </dgm:constrLst>
+          <dgm:ruleLst/>
+        </dgm:layoutNode>
+      </dgm:forEach>
+    </dgm:forEach>
+  </dgm:layoutNode>
+</dgm:layoutDef>
+</file>
+
+<file path=ppt/diagrams/quickStyle1.xml><?xml version="1.0" encoding="utf-8"?>
+<dgm:styleDef xmlns:dgm="http://schemas.openxmlformats.org/drawingml/2006/diagram" xmlns:a="http://schemas.openxmlformats.org/drawingml/2006/main" uniqueId="urn:microsoft.com/office/officeart/2005/8/quickstyle/simple1">
+  <dgm:title val=""/>
+  <dgm:desc val=""/>
+  <dgm:catLst>
+    <dgm:cat type="simple" pri="10100"/>
+  </dgm:catLst>
+  <dgm:scene3d>
+    <a:camera prst="orthographicFront"/>
+    <a:lightRig rig="threePt" dir="t"/>
+  </dgm:scene3d>
+  <dgm:styleLbl name="node0">
+    <dgm:scene3d>
+      <a:camera prst="orthographicFront"/>
+      <a:lightRig rig="threePt" dir="t"/>
+    </dgm:scene3d>
+    <dgm:sp3d/>
+    <dgm:txPr/>
+    <dgm:style>
+      <a:lnRef idx="2">
+        <a:scrgbClr r="0" g="0" b="0"/>
+      </a:lnRef>
+      <a:fillRef idx="1">
+        <a:scrgbClr r="0" g="0" b="0"/>
+      </a:fillRef>
+      <a:effectRef idx="0">
+        <a:scrgbClr r="0" g="0" b="0"/>
+      </a:effectRef>
+      <a:fontRef idx="minor">
+        <a:schemeClr val="lt1"/>
+      </a:fontRef>
+    </dgm:style>
+  </dgm:styleLbl>
+  <dgm:styleLbl name="lnNode1">
+    <dgm:scene3d>
+      <a:camera prst="orthographicFront"/>
+      <a:lightRig rig="threePt" dir="t"/>
+    </dgm:scene3d>
+    <dgm:sp3d/>
+    <dgm:txPr/>
+    <dgm:style>
+      <a:lnRef idx="2">
+        <a:scrgbClr r="0" g="0" b="0"/>
+      </a:lnRef>
+      <a:fillRef idx="1">
+        <a:scrgbClr r="0" g="0" b="0"/>
+      </a:fillRef>
+      <a:effectRef idx="0">
+        <a:scrgbClr r="0" g="0" b="0"/>
+      </a:effectRef>
+      <a:fontRef idx="minor">
+        <a:schemeClr val="lt1"/>
+      </a:fontRef>
+    </dgm:style>
+  </dgm:styleLbl>
+  <dgm:styleLbl name="vennNode1">
+    <dgm:scene3d>
+      <a:camera prst="orthographicFront"/>
+      <a:lightRig rig="threePt" dir="t"/>
+    </dgm:scene3d>
+    <dgm:sp3d/>
+    <dgm:txPr/>
+    <dgm:style>
+      <a:lnRef idx="2">
+        <a:scrgbClr r="0" g="0" b="0"/>
+      </a:lnRef>
+      <a:fillRef idx="1">
+        <a:scrgbClr r="0" g="0" b="0"/>
+      </a:fillRef>
+      <a:effectRef idx="0">
+        <a:scrgbClr r="0" g="0" b="0"/>
+      </a:effectRef>
+      <a:fontRef idx="minor">
+        <a:schemeClr val="tx1"/>
+      </a:fontRef>
+    </dgm:style>
+  </dgm:styleLbl>
+  <dgm:styleLbl name="alignNode1">
+    <dgm:scene3d>
+      <a:camera prst="orthographicFront"/>
+      <a:lightRig rig="threePt" dir="t"/>
+    </dgm:scene3d>
+    <dgm:sp3d/>
+    <dgm:txPr/>
+    <dgm:style>
+      <a:lnRef idx="2">
+        <a:scrgbClr r="0" g="0" b="0"/>
+      </a:lnRef>
+      <a:fillRef idx="1">
+        <a:scrgbClr r="0" g="0" b="0"/>
+      </a:fillRef>
+      <a:effectRef idx="0">
+        <a:scrgbClr r="0" g="0" b="0"/>
+      </a:effectRef>
+      <a:fontRef idx="minor">
+        <a:schemeClr val="lt1"/>
+      </a:fontRef>
+    </dgm:style>
+  </dgm:styleLbl>
+  <dgm:styleLbl name="node1">
+    <dgm:scene3d>
+      <a:camera prst="orthographicFront"/>
+      <a:lightRig rig="threePt" dir="t"/>
+    </dgm:scene3d>
+    <dgm:sp3d/>
+    <dgm:txPr/>
+    <dgm:style>
+      <a:lnRef idx="2">
+        <a:scrgbClr r="0" g="0" b="0"/>
+      </a:lnRef>
+      <a:fillRef idx="1">
+        <a:scrgbClr r="0" g="0" b="0"/>
+      </a:fillRef>
+      <a:effectRef idx="0">
+        <a:scrgbClr r="0" g="0" b="0"/>
+      </a:effectRef>
+      <a:fontRef idx="minor">
+        <a:schemeClr val="lt1"/>
+      </a:fontRef>
+    </dgm:style>
+  </dgm:styleLbl>
+  <dgm:styleLbl name="node2">
+    <dgm:scene3d>
+      <a:camera prst="orthographicFront"/>
+      <a:lightRig rig="threePt" dir="t"/>
+    </dgm:scene3d>
+    <dgm:sp3d/>
+    <dgm:txPr/>
+    <dgm:style>
+      <a:lnRef idx="2">
+        <a:scrgbClr r="0" g="0" b="0"/>
+      </a:lnRef>
+      <a:fillRef idx="1">
+        <a:scrgbClr r="0" g="0" b="0"/>
+      </a:fillRef>
+      <a:effectRef idx="0">
+        <a:scrgbClr r="0" g="0" b="0"/>
+      </a:effectRef>
+      <a:fontRef idx="minor">
+        <a:schemeClr val="lt1"/>
+      </a:fontRef>
+    </dgm:style>
+  </dgm:styleLbl>
+  <dgm:styleLbl name="node3">
+    <dgm:scene3d>
+      <a:camera prst="orthographicFront"/>
+      <a:lightRig rig="threePt" dir="t"/>
+    </dgm:scene3d>
+    <dgm:sp3d/>
+    <dgm:txPr/>
+    <dgm:style>
+      <a:lnRef idx="2">
+        <a:scrgbClr r="0" g="0" b="0"/>
+      </a:lnRef>
+      <a:fillRef idx="1">
+        <a:scrgbClr r="0" g="0" b="0"/>
+      </a:fillRef>
+      <a:effectRef idx="0">
+        <a:scrgbClr r="0" g="0" b="0"/>
+      </a:effectRef>
+      <a:fontRef idx="minor">
+        <a:schemeClr val="lt1"/>
+      </a:fontRef>
+    </dgm:style>
+  </dgm:styleLbl>
+  <dgm:styleLbl name="node4">
+    <dgm:scene3d>
+      <a:camera prst="orthographicFront"/>
+      <a:lightRig rig="threePt" dir="t"/>
+    </dgm:scene3d>
+    <dgm:sp3d/>
+    <dgm:txPr/>
+    <dgm:style>
+      <a:lnRef idx="2">
+        <a:scrgbClr r="0" g="0" b="0"/>
+      </a:lnRef>
+      <a:fillRef idx="1">
+        <a:scrgbClr r="0" g="0" b="0"/>
+      </a:fillRef>
+      <a:effectRef idx="0">
+        <a:scrgbClr r="0" g="0" b="0"/>
+      </a:effectRef>
+      <a:fontRef idx="minor">
+        <a:schemeClr val="lt1"/>
+      </a:fontRef>
+    </dgm:style>
+  </dgm:styleLbl>
+  <dgm:styleLbl name="fgImgPlace1">
+    <dgm:scene3d>
+      <a:camera prst="orthographicFront"/>
+      <a:lightRig rig="threePt" dir="t"/>
+    </dgm:scene3d>
+    <dgm:sp3d/>
+    <dgm:txPr/>
+    <dgm:style>
+      <a:lnRef idx="2">
+        <a:scrgbClr r="0" g="0" b="0"/>
+      </a:lnRef>
+      <a:fillRef idx="1">
+        <a:scrgbClr r="0" g="0" b="0"/>
+      </a:fillRef>
+      <a:effectRef idx="0">
+        <a:scrgbClr r="0" g="0" b="0"/>
+      </a:effectRef>
+      <a:fontRef idx="minor"/>
+    </dgm:style>
+  </dgm:styleLbl>
+  <dgm:styleLbl name="alignImgPlace1">
+    <dgm:scene3d>
+      <a:camera prst="orthographicFront"/>
+      <a:lightRig rig="threePt" dir="t"/>
+    </dgm:scene3d>
+    <dgm:sp3d/>
+    <dgm:txPr/>
+    <dgm:style>
+      <a:lnRef idx="2">
+        <a:scrgbClr r="0" g="0" b="0"/>
+      </a:lnRef>
+      <a:fillRef idx="1">
+        <a:scrgbClr r="0" g="0" b="0"/>
+      </a:fillRef>
+      <a:effectRef idx="0">
+        <a:scrgbClr r="0" g="0" b="0"/>
+      </a:effectRef>
+      <a:fontRef idx="minor"/>
+    </dgm:style>
+  </dgm:styleLbl>
+  <dgm:styleLbl name="bgImgPlace1">
+    <dgm:scene3d>
+      <a:camera prst="orthographicFront"/>
+      <a:lightRig rig="threePt" dir="t"/>
+    </dgm:scene3d>
+    <dgm:sp3d/>
+    <dgm:txPr/>
+    <dgm:style>
+      <a:lnRef idx="2">
+        <a:scrgbClr r="0" g="0" b="0"/>
+      </a:lnRef>
+      <a:fillRef idx="1">
+        <a:scrgbClr r="0" g="0" b="0"/>
+      </a:fillRef>
+      <a:effectRef idx="0">
+        <a:scrgbClr r="0" g="0" b="0"/>
+      </a:effectRef>
+      <a:fontRef idx="minor"/>
+    </dgm:style>
+  </dgm:styleLbl>
+  <dgm:styleLbl name="sibTrans2D1">
+    <dgm:scene3d>
+      <a:camera prst="orthographicFront"/>
+      <a:lightRig rig="threePt" dir="t"/>
+    </dgm:scene3d>
+    <dgm:sp3d/>
+    <dgm:txPr/>
+    <dgm:style>
+      <a:lnRef idx="0">
+        <a:scrgbClr r="0" g="0" b="0"/>
+      </a:lnRef>
+      <a:fillRef idx="1">
+        <a:scrgbClr r="0" g="0" b="0"/>
+      </a:fillRef>
+      <a:effectRef idx="0">
+        <a:scrgbClr r="0" g="0" b="0"/>
+      </a:effectRef>
+      <a:fontRef idx="minor">
+        <a:schemeClr val="lt1"/>
+      </a:fontRef>
+    </dgm:style>
+  </dgm:styleLbl>
+  <dgm:styleLbl name="fgSibTrans2D1">
+    <dgm:scene3d>
+      <a:camera prst="orthographicFront"/>
+      <a:lightRig rig="threePt" dir="t"/>
+    </dgm:scene3d>
+    <dgm:sp3d/>
+    <dgm:txPr/>
+    <dgm:style>
+      <a:lnRef idx="0">
+        <a:scrgbClr r="0" g="0" b="0"/>
+      </a:lnRef>
+      <a:fillRef idx="1">
+        <a:scrgbClr r="0" g="0" b="0"/>
+      </a:fillRef>
+      <a:effectRef idx="0">
+        <a:scrgbClr r="0" g="0" b="0"/>
+      </a:effectRef>
+      <a:fontRef idx="minor">
+        <a:schemeClr val="lt1"/>
+      </a:fontRef>
+    </dgm:style>
+  </dgm:styleLbl>
+  <dgm:styleLbl name="bgSibTrans2D1">
+    <dgm:scene3d>
+      <a:camera prst="orthographicFront"/>
+      <a:lightRig rig="threePt" dir="t"/>
+    </dgm:scene3d>
+    <dgm:sp3d/>
+    <dgm:txPr/>
+    <dgm:style>
+      <a:lnRef idx="0">
+        <a:scrgbClr r="0" g="0" b="0"/>
+      </a:lnRef>
+      <a:fillRef idx="1">
+        <a:scrgbClr r="0" g="0" b="0"/>
+      </a:fillRef>
+      <a:effectRef idx="0">
+        <a:scrgbClr r="0" g="0" b="0"/>
+      </a:effectRef>
+      <a:fontRef idx="minor">
+        <a:schemeClr val="lt1"/>
+      </a:fontRef>
+    </dgm:style>
+  </dgm:styleLbl>
+  <dgm:styleLbl name="sibTrans1D1">
+    <dgm:scene3d>
+      <a:camera prst="orthographicFront"/>
+      <a:lightRig rig="threePt" dir="t"/>
+    </dgm:scene3d>
+    <dgm:sp3d/>
+    <dgm:txPr/>
+    <dgm:style>
+      <a:lnRef idx="1">
+        <a:scrgbClr r="0" g="0" b="0"/>
+      </a:lnRef>
+      <a:fillRef idx="0">
+        <a:scrgbClr r="0" g="0" b="0"/>
+      </a:fillRef>
+      <a:effectRef idx="0">
+        <a:scrgbClr r="0" g="0" b="0"/>
+      </a:effectRef>
+      <a:fontRef idx="minor"/>
+    </dgm:style>
+  </dgm:styleLbl>
+  <dgm:styleLbl name="callout">
+    <dgm:scene3d>
+      <a:camera prst="orthographicFront"/>
+      <a:lightRig rig="threePt" dir="t"/>
+    </dgm:scene3d>
+    <dgm:sp3d/>
+    <dgm:txPr/>
+    <dgm:style>
+      <a:lnRef idx="2">
+        <a:scrgbClr r="0" g="0" b="0"/>
+      </a:lnRef>
+      <a:fillRef idx="1">
+        <a:scrgbClr r="0" g="0" b="0"/>
+      </a:fillRef>
+      <a:effectRef idx="0">
+        <a:scrgbClr r="0" g="0" b="0"/>
+      </a:effectRef>
+      <a:fontRef idx="minor"/>
+    </dgm:style>
+  </dgm:styleLbl>
+  <dgm:styleLbl name="asst0">
+    <dgm:scene3d>
+      <a:camera prst="orthographicFront"/>
+      <a:lightRig rig="threePt" dir="t"/>
+    </dgm:scene3d>
+    <dgm:sp3d/>
+    <dgm:txPr/>
+    <dgm:style>
+      <a:lnRef idx="2">
+        <a:scrgbClr r="0" g="0" b="0"/>
+      </a:lnRef>
+      <a:fillRef idx="1">
+        <a:scrgbClr r="0" g="0" b="0"/>
+      </a:fillRef>
+      <a:effectRef idx="0">
+        <a:scrgbClr r="0" g="0" b="0"/>
+      </a:effectRef>
+      <a:fontRef idx="minor">
+        <a:schemeClr val="lt1"/>
+      </a:fontRef>
+    </dgm:style>
+  </dgm:styleLbl>
+  <dgm:styleLbl name="asst1">
+    <dgm:scene3d>
+      <a:camera prst="orthographicFront"/>
+      <a:lightRig rig="threePt" dir="t"/>
+    </dgm:scene3d>
+    <dgm:sp3d/>
+    <dgm:txPr/>
+    <dgm:style>
+      <a:lnRef idx="2">
+        <a:scrgbClr r="0" g="0" b="0"/>
+      </a:lnRef>
+      <a:fillRef idx="1">
+        <a:scrgbClr r="0" g="0" b="0"/>
+      </a:fillRef>
+      <a:effectRef idx="0">
+        <a:scrgbClr r="0" g="0" b="0"/>
+      </a:effectRef>
+      <a:fontRef idx="minor">
+        <a:schemeClr val="lt1"/>
+      </a:fontRef>
+    </dgm:style>
+  </dgm:styleLbl>
+  <dgm:styleLbl name="asst2">
+    <dgm:scene3d>
+      <a:camera prst="orthographicFront"/>
+      <a:lightRig rig="threePt" dir="t"/>
+    </dgm:scene3d>
+    <dgm:sp3d/>
+    <dgm:txPr/>
+    <dgm:style>
+      <a:lnRef idx="2">
+        <a:scrgbClr r="0" g="0" b="0"/>
+      </a:lnRef>
+      <a:fillRef idx="1">
+        <a:scrgbClr r="0" g="0" b="0"/>
+      </a:fillRef>
+      <a:effectRef idx="0">
+        <a:scrgbClr r="0" g="0" b="0"/>
+      </a:effectRef>
+      <a:fontRef idx="minor">
+        <a:schemeClr val="lt1"/>
+      </a:fontRef>
+    </dgm:style>
+  </dgm:styleLbl>
+  <dgm:styleLbl name="asst3">
+    <dgm:scene3d>
+      <a:camera prst="orthographicFront"/>
+      <a:lightRig rig="threePt" dir="t"/>
+    </dgm:scene3d>
+    <dgm:sp3d/>
+    <dgm:txPr/>
+    <dgm:style>
+      <a:lnRef idx="2">
+        <a:scrgbClr r="0" g="0" b="0"/>
+      </a:lnRef>
+      <a:fillRef idx="1">
+        <a:scrgbClr r="0" g="0" b="0"/>
+      </a:fillRef>
+      <a:effectRef idx="0">
+        <a:scrgbClr r="0" g="0" b="0"/>
+      </a:effectRef>
+      <a:fontRef idx="minor">
+        <a:schemeClr val="lt1"/>
+      </a:fontRef>
+    </dgm:style>
+  </dgm:styleLbl>
+  <dgm:styleLbl name="asst4">
+    <dgm:scene3d>
+      <a:camera prst="orthographicFront"/>
+      <a:lightRig rig="threePt" dir="t"/>
+    </dgm:scene3d>
+    <dgm:sp3d/>
+    <dgm:txPr/>
+    <dgm:style>
+      <a:lnRef idx="2">
+        <a:scrgbClr r="0" g="0" b="0"/>
+      </a:lnRef>
+      <a:fillRef idx="1">
+        <a:scrgbClr r="0" g="0" b="0"/>
+      </a:fillRef>
+      <a:effectRef idx="0">
+        <a:scrgbClr r="0" g="0" b="0"/>
+      </a:effectRef>
+      <a:fontRef idx="minor">
+        <a:schemeClr val="lt1"/>
+      </a:fontRef>
+    </dgm:style>
+  </dgm:styleLbl>
+  <dgm:styleLbl name="parChTrans2D1">
+    <dgm:scene3d>
+      <a:camera prst="orthographicFront"/>
+      <a:lightRig rig="threePt" dir="t"/>
+    </dgm:scene3d>
+    <dgm:sp3d/>
+    <dgm:txPr/>
+    <dgm:style>
+      <a:lnRef idx="2">
+        <a:scrgbClr r="0" g="0" b="0"/>
+      </a:lnRef>
+      <a:fillRef idx="1">
+        <a:scrgbClr r="0" g="0" b="0"/>
+      </a:fillRef>
+      <a:effectRef idx="0">
+        <a:scrgbClr r="0" g="0" b="0"/>
+      </a:effectRef>
+      <a:fontRef idx="minor">
+        <a:schemeClr val="lt1"/>
+      </a:fontRef>
+    </dgm:style>
+  </dgm:styleLbl>
+  <dgm:styleLbl name="parChTrans2D2">
+    <dgm:scene3d>
+      <a:camera prst="orthographicFront"/>
+      <a:lightRig rig="threePt" dir="t"/>
+    </dgm:scene3d>
+    <dgm:sp3d/>
+    <dgm:txPr/>
+    <dgm:style>
+      <a:lnRef idx="2">
+        <a:scrgbClr r="0" g="0" b="0"/>
+      </a:lnRef>
+      <a:fillRef idx="1">
+        <a:scrgbClr r="0" g="0" b="0"/>
+      </a:fillRef>
+      <a:effectRef idx="0">
+        <a:scrgbClr r="0" g="0" b="0"/>
+      </a:effectRef>
+      <a:fontRef idx="minor">
+        <a:schemeClr val="lt1"/>
+      </a:fontRef>
+    </dgm:style>
+  </dgm:styleLbl>
+  <dgm:styleLbl name="parChTrans2D3">
+    <dgm:scene3d>
+      <a:camera prst="orthographicFront"/>
+      <a:lightRig rig="threePt" dir="t"/>
+    </dgm:scene3d>
+    <dgm:sp3d/>
+    <dgm:txPr/>
+    <dgm:style>
+      <a:lnRef idx="2">
+        <a:scrgbClr r="0" g="0" b="0"/>
+      </a:lnRef>
+      <a:fillRef idx="1">
+        <a:scrgbClr r="0" g="0" b="0"/>
+      </a:fillRef>
+      <a:effectRef idx="0">
+        <a:scrgbClr r="0" g="0" b="0"/>
+      </a:effectRef>
+      <a:fontRef idx="minor">
+        <a:schemeClr val="lt1"/>
+      </a:fontRef>
+    </dgm:style>
+  </dgm:styleLbl>
+  <dgm:styleLbl name="parChTrans2D4">
+    <dgm:scene3d>
+      <a:camera prst="orthographicFront"/>
+      <a:lightRig rig="threePt" dir="t"/>
+    </dgm:scene3d>
+    <dgm:sp3d/>
+    <dgm:txPr/>
+    <dgm:style>
+      <a:lnRef idx="2">
+        <a:scrgbClr r="0" g="0" b="0"/>
+      </a:lnRef>
+      <a:fillRef idx="1">
+        <a:scrgbClr r="0" g="0" b="0"/>
+      </a:fillRef>
+      <a:effectRef idx="0">
+        <a:scrgbClr r="0" g="0" b="0"/>
+      </a:effectRef>
+      <a:fontRef idx="minor">
+        <a:schemeClr val="lt1"/>
+      </a:fontRef>
+    </dgm:style>
+  </dgm:styleLbl>
+  <dgm:styleLbl name="parChTrans1D1">
+    <dgm:scene3d>
+      <a:camera prst="orthographicFront"/>
+      <a:lightRig rig="threePt" dir="t"/>
+    </dgm:scene3d>
+    <dgm:sp3d/>
+    <dgm:txPr/>
+    <dgm:style>
+      <a:lnRef idx="2">
+        <a:scrgbClr r="0" g="0" b="0"/>
+      </a:lnRef>
+      <a:fillRef idx="0">
+        <a:scrgbClr r="0" g="0" b="0"/>
+      </a:fillRef>
+      <a:effectRef idx="0">
+        <a:scrgbClr r="0" g="0" b="0"/>
+      </a:effectRef>
+      <a:fontRef idx="minor"/>
+    </dgm:style>
+  </dgm:styleLbl>
+  <dgm:styleLbl name="parChTrans1D2">
+    <dgm:scene3d>
+      <a:camera prst="orthographicFront"/>
+      <a:lightRig rig="threePt" dir="t"/>
+    </dgm:scene3d>
+    <dgm:sp3d/>
+    <dgm:txPr/>
+    <dgm:style>
+      <a:lnRef idx="2">
+        <a:scrgbClr r="0" g="0" b="0"/>
+      </a:lnRef>
+      <a:fillRef idx="0">
+        <a:scrgbClr r="0" g="0" b="0"/>
+      </a:fillRef>
+      <a:effectRef idx="0">
+        <a:scrgbClr r="0" g="0" b="0"/>
+      </a:effectRef>
+      <a:fontRef idx="minor"/>
+    </dgm:style>
+  </dgm:styleLbl>
+  <dgm:styleLbl name="parChTrans1D3">
+    <dgm:scene3d>
+      <a:camera prst="orthographicFront"/>
+      <a:lightRig rig="threePt" dir="t"/>
+    </dgm:scene3d>
+    <dgm:sp3d/>
+    <dgm:txPr/>
+    <dgm:style>
+      <a:lnRef idx="2">
+        <a:scrgbClr r="0" g="0" b="0"/>
+      </a:lnRef>
+      <a:fillRef idx="0">
+        <a:scrgbClr r="0" g="0" b="0"/>
+      </a:fillRef>
+      <a:effectRef idx="0">
+        <a:scrgbClr r="0" g="0" b="0"/>
+      </a:effectRef>
+      <a:fontRef idx="minor"/>
+    </dgm:style>
+  </dgm:styleLbl>
+  <dgm:styleLbl name="parChTrans1D4">
+    <dgm:scene3d>
+      <a:camera prst="orthographicFront"/>
+      <a:lightRig rig="threePt" dir="t"/>
+    </dgm:scene3d>
+    <dgm:sp3d/>
+    <dgm:txPr/>
+    <dgm:style>
+      <a:lnRef idx="2">
+        <a:scrgbClr r="0" g="0" b="0"/>
+      </a:lnRef>
+      <a:fillRef idx="0">
+        <a:scrgbClr r="0" g="0" b="0"/>
+      </a:fillRef>
+      <a:effectRef idx="0">
+        <a:scrgbClr r="0" g="0" b="0"/>
+      </a:effectRef>
+      <a:fontRef idx="minor"/>
+    </dgm:style>
+  </dgm:styleLbl>
+  <dgm:styleLbl name="fgAcc1">
+    <dgm:scene3d>
+      <a:camera prst="orthographicFront"/>
+      <a:lightRig rig="threePt" dir="t"/>
+    </dgm:scene3d>
+    <dgm:sp3d/>
+    <dgm:txPr/>
+    <dgm:style>
+      <a:lnRef idx="2">
+        <a:scrgbClr r="0" g="0" b="0"/>
+      </a:lnRef>
+      <a:fillRef idx="1">
+        <a:scrgbClr r="0" g="0" b="0"/>
+      </a:fillRef>
+      <a:effectRef idx="0">
+        <a:scrgbClr r="0" g="0" b="0"/>
+      </a:effectRef>
+      <a:fontRef idx="minor"/>
+    </dgm:style>
+  </dgm:styleLbl>
+  <dgm:styleLbl name="conFgAcc1">
+    <dgm:scene3d>
+      <a:camera prst="orthographicFront"/>
+      <a:lightRig rig="threePt" dir="t"/>
+    </dgm:scene3d>
+    <dgm:sp3d/>
+    <dgm:txPr/>
+    <dgm:style>
+      <a:lnRef idx="2">
+        <a:scrgbClr r="0" g="0" b="0"/>
+      </a:lnRef>
+      <a:fillRef idx="1">
+        <a:scrgbClr r="0" g="0" b="0"/>
+      </a:fillRef>
+      <a:effectRef idx="0">
+        <a:scrgbClr r="0" g="0" b="0"/>
+      </a:effectRef>
+      <a:fontRef idx="minor"/>
+    </dgm:style>
+  </dgm:styleLbl>
+  <dgm:styleLbl name="alignAcc1">
+    <dgm:scene3d>
+      <a:camera prst="orthographicFront"/>
+      <a:lightRig rig="threePt" dir="t"/>
+    </dgm:scene3d>
+    <dgm:sp3d/>
+    <dgm:txPr/>
+    <dgm:style>
+      <a:lnRef idx="2">
+        <a:scrgbClr r="0" g="0" b="0"/>
+      </a:lnRef>
+      <a:fillRef idx="1">
+        <a:scrgbClr r="0" g="0" b="0"/>
+      </a:fillRef>
+      <a:effectRef idx="0">
+        <a:scrgbClr r="0" g="0" b="0"/>
+      </a:effectRef>
+      <a:fontRef idx="minor"/>
+    </dgm:style>
+  </dgm:styleLbl>
+  <dgm:styleLbl name="trAlignAcc1">
+    <dgm:scene3d>
+      <a:camera prst="orthographicFront"/>
+      <a:lightRig rig="threePt" dir="t"/>
+    </dgm:scene3d>
+    <dgm:sp3d/>
+    <dgm:txPr/>
+    <dgm:style>
+      <a:lnRef idx="1">
+        <a:scrgbClr r="0" g="0" b="0"/>
+      </a:lnRef>
+      <a:fillRef idx="1">
+        <a:scrgbClr r="0" g="0" b="0"/>
+      </a:fillRef>
+      <a:effectRef idx="0">
+        <a:scrgbClr r="0" g="0" b="0"/>
+      </a:effectRef>
+      <a:fontRef idx="minor"/>
+    </dgm:style>
+  </dgm:styleLbl>
+  <dgm:styleLbl name="bgAcc1">
+    <dgm:scene3d>
+      <a:camera prst="orthographicFront"/>
+      <a:lightRig rig="threePt" dir="t"/>
+    </dgm:scene3d>
+    <dgm:sp3d/>
+    <dgm:txPr/>
+    <dgm:style>
+      <a:lnRef idx="2">
+        <a:scrgbClr r="0" g="0" b="0"/>
+      </a:lnRef>
+      <a:fillRef idx="1">
+        <a:scrgbClr r="0" g="0" b="0"/>
+      </a:fillRef>
+      <a:effectRef idx="0">
+        <a:scrgbClr r="0" g="0" b="0"/>
+      </a:effectRef>
+      <a:fontRef idx="minor"/>
+    </dgm:style>
+  </dgm:styleLbl>
+  <dgm:styleLbl name="solidFgAcc1">
+    <dgm:scene3d>
+      <a:camera prst="orthographicFront"/>
+      <a:lightRig rig="threePt" dir="t"/>
+    </dgm:scene3d>
+    <dgm:sp3d/>
+    <dgm:txPr/>
+    <dgm:style>
+      <a:lnRef idx="2">
+        <a:scrgbClr r="0" g="0" b="0"/>
+      </a:lnRef>
+      <a:fillRef idx="1">
+        <a:scrgbClr r="0" g="0" b="0"/>
+      </a:fillRef>
+      <a:effectRef idx="0">
+        <a:scrgbClr r="0" g="0" b="0"/>
+      </a:effectRef>
+      <a:fontRef idx="minor"/>
+    </dgm:style>
+  </dgm:styleLbl>
+  <dgm:styleLbl name="solidAlignAcc1">
+    <dgm:scene3d>
+      <a:camera prst="orthographicFront"/>
+      <a:lightRig rig="threePt" dir="t"/>
+    </dgm:scene3d>
+    <dgm:sp3d/>
+    <dgm:txPr/>
+    <dgm:style>
+      <a:lnRef idx="2">
+        <a:scrgbClr r="0" g="0" b="0"/>
+      </a:lnRef>
+      <a:fillRef idx="1">
+        <a:scrgbClr r="0" g="0" b="0"/>
+      </a:fillRef>
+      <a:effectRef idx="0">
+        <a:scrgbClr r="0" g="0" b="0"/>
+      </a:effectRef>
+      <a:fontRef idx="minor"/>
+    </dgm:style>
+  </dgm:styleLbl>
+  <dgm:styleLbl name="solidBgAcc1">
+    <dgm:scene3d>
+      <a:camera prst="orthographicFront"/>
+      <a:lightRig rig="threePt" dir="t"/>
+    </dgm:scene3d>
+    <dgm:sp3d/>
+    <dgm:txPr/>
+    <dgm:style>
+      <a:lnRef idx="2">
+        <a:scrgbClr r="0" g="0" b="0"/>
+      </a:lnRef>
+      <a:fillRef idx="1">
+        <a:scrgbClr r="0" g="0" b="0"/>
+      </a:fillRef>
+      <a:effectRef idx="0">
+        <a:scrgbClr r="0" g="0" b="0"/>
+      </a:effectRef>
+      <a:fontRef idx="minor"/>
+    </dgm:style>
+  </dgm:styleLbl>
+  <dgm:styleLbl name="fgAccFollowNode1">
+    <dgm:scene3d>
+      <a:camera prst="orthographicFront"/>
+      <a:lightRig rig="threePt" dir="t"/>
+    </dgm:scene3d>
+    <dgm:sp3d/>
+    <dgm:txPr/>
+    <dgm:style>
+      <a:lnRef idx="2">
+        <a:scrgbClr r="0" g="0" b="0"/>
+      </a:lnRef>
+      <a:fillRef idx="1">
+        <a:scrgbClr r="0" g="0" b="0"/>
+      </a:fillRef>
+      <a:effectRef idx="0">
+        <a:scrgbClr r="0" g="0" b="0"/>
+      </a:effectRef>
+      <a:fontRef idx="minor"/>
+    </dgm:style>
+  </dgm:styleLbl>
+  <dgm:styleLbl name="alignAccFollowNode1">
+    <dgm:scene3d>
+      <a:camera prst="orthographicFront"/>
+      <a:lightRig rig="threePt" dir="t"/>
+    </dgm:scene3d>
+    <dgm:sp3d/>
+    <dgm:txPr/>
+    <dgm:style>
+      <a:lnRef idx="2">
+        <a:scrgbClr r="0" g="0" b="0"/>
+      </a:lnRef>
+      <a:fillRef idx="1">
+        <a:scrgbClr r="0" g="0" b="0"/>
+      </a:fillRef>
+      <a:effectRef idx="0">
+        <a:scrgbClr r="0" g="0" b="0"/>
+      </a:effectRef>
+      <a:fontRef idx="minor"/>
+    </dgm:style>
+  </dgm:styleLbl>
+  <dgm:styleLbl name="bgAccFollowNode1">
+    <dgm:scene3d>
+      <a:camera prst="orthographicFront"/>
+      <a:lightRig rig="threePt" dir="t"/>
+    </dgm:scene3d>
+    <dgm:sp3d/>
+    <dgm:txPr/>
+    <dgm:style>
+      <a:lnRef idx="2">
+        <a:scrgbClr r="0" g="0" b="0"/>
+      </a:lnRef>
+      <a:fillRef idx="1">
+        <a:scrgbClr r="0" g="0" b="0"/>
+      </a:fillRef>
+      <a:effectRef idx="0">
+        <a:scrgbClr r="0" g="0" b="0"/>
+      </a:effectRef>
+      <a:fontRef idx="minor"/>
+    </dgm:style>
+  </dgm:styleLbl>
+  <dgm:styleLbl name="fgAcc0">
+    <dgm:scene3d>
+      <a:camera prst="orthographicFront"/>
+      <a:lightRig rig="threePt" dir="t"/>
+    </dgm:scene3d>
+    <dgm:sp3d/>
+    <dgm:txPr/>
+    <dgm:style>
+      <a:lnRef idx="2">
+        <a:scrgbClr r="0" g="0" b="0"/>
+      </a:lnRef>
+      <a:fillRef idx="1">
+        <a:scrgbClr r="0" g="0" b="0"/>
+      </a:fillRef>
+      <a:effectRef idx="0">
+        <a:scrgbClr r="0" g="0" b="0"/>
+      </a:effectRef>
+      <a:fontRef idx="minor"/>
+    </dgm:style>
+  </dgm:styleLbl>
+  <dgm:styleLbl name="fgAcc2">
+    <dgm:scene3d>
+      <a:camera prst="orthographicFront"/>
+      <a:lightRig rig="threePt" dir="t"/>
+    </dgm:scene3d>
+    <dgm:sp3d/>
+    <dgm:txPr/>
+    <dgm:style>
+      <a:lnRef idx="2">
+        <a:scrgbClr r="0" g="0" b="0"/>
+      </a:lnRef>
+      <a:fillRef idx="1">
+        <a:scrgbClr r="0" g="0" b="0"/>
+      </a:fillRef>
+      <a:effectRef idx="0">
+        <a:scrgbClr r="0" g="0" b="0"/>
+      </a:effectRef>
+      <a:fontRef idx="minor"/>
+    </dgm:style>
+  </dgm:styleLbl>
+  <dgm:styleLbl name="fgAcc3">
+    <dgm:scene3d>
+      <a:camera prst="orthographicFront"/>
+      <a:lightRig rig="threePt" dir="t"/>
+    </dgm:scene3d>
+    <dgm:sp3d/>
+    <dgm:txPr/>
+    <dgm:style>
+      <a:lnRef idx="2">
+        <a:scrgbClr r="0" g="0" b="0"/>
+      </a:lnRef>
+      <a:fillRef idx="1">
+        <a:scrgbClr r="0" g="0" b="0"/>
+      </a:fillRef>
+      <a:effectRef idx="0">
+        <a:scrgbClr r="0" g="0" b="0"/>
+      </a:effectRef>
+      <a:fontRef idx="minor"/>
+    </dgm:style>
+  </dgm:styleLbl>
+  <dgm:styleLbl name="fgAcc4">
+    <dgm:scene3d>
+      <a:camera prst="orthographicFront"/>
+      <a:lightRig rig="threePt" dir="t"/>
+    </dgm:scene3d>
+    <dgm:sp3d/>
+    <dgm:txPr/>
+    <dgm:style>
+      <a:lnRef idx="2">
+        <a:scrgbClr r="0" g="0" b="0"/>
+      </a:lnRef>
+      <a:fillRef idx="1">
+        <a:scrgbClr r="0" g="0" b="0"/>
+      </a:fillRef>
+      <a:effectRef idx="0">
+        <a:scrgbClr r="0" g="0" b="0"/>
+      </a:effectRef>
+      <a:fontRef idx="minor"/>
+    </dgm:style>
+  </dgm:styleLbl>
+  <dgm:styleLbl name="bgShp">
+    <dgm:scene3d>
+      <a:camera prst="orthographicFront"/>
+      <a:lightRig rig="threePt" dir="t"/>
+    </dgm:scene3d>
+    <dgm:sp3d/>
+    <dgm:txPr/>
+    <dgm:style>
+      <a:lnRef idx="0">
+        <a:scrgbClr r="0" g="0" b="0"/>
+      </a:lnRef>
+      <a:fillRef idx="1">
+        <a:scrgbClr r="0" g="0" b="0"/>
+      </a:fillRef>
+      <a:effectRef idx="0">
+        <a:scrgbClr r="0" g="0" b="0"/>
+      </a:effectRef>
+      <a:fontRef idx="minor"/>
+    </dgm:style>
+  </dgm:styleLbl>
+  <dgm:styleLbl name="dkBgShp">
+    <dgm:scene3d>
+      <a:camera prst="orthographicFront"/>
+      <a:lightRig rig="threePt" dir="t"/>
+    </dgm:scene3d>
+    <dgm:sp3d/>
+    <dgm:txPr/>
+    <dgm:style>
+      <a:lnRef idx="0">
+        <a:scrgbClr r="0" g="0" b="0"/>
+      </a:lnRef>
+      <a:fillRef idx="1">
+        <a:scrgbClr r="0" g="0" b="0"/>
+      </a:fillRef>
+      <a:effectRef idx="0">
+        <a:scrgbClr r="0" g="0" b="0"/>
+      </a:effectRef>
+      <a:fontRef idx="minor"/>
+    </dgm:style>
+  </dgm:styleLbl>
+  <dgm:styleLbl name="trBgShp">
+    <dgm:scene3d>
+      <a:camera prst="orthographicFront"/>
+      <a:lightRig rig="threePt" dir="t"/>
+    </dgm:scene3d>
+    <dgm:sp3d/>
+    <dgm:txPr/>
+    <dgm:style>
+      <a:lnRef idx="0">
+        <a:scrgbClr r="0" g="0" b="0"/>
+      </a:lnRef>
+      <a:fillRef idx="1">
+        <a:scrgbClr r="0" g="0" b="0"/>
+      </a:fillRef>
+      <a:effectRef idx="0">
+        <a:scrgbClr r="0" g="0" b="0"/>
+      </a:effectRef>
+      <a:fontRef idx="minor"/>
+    </dgm:style>
+  </dgm:styleLbl>
+  <dgm:styleLbl name="fgShp">
+    <dgm:scene3d>
+      <a:camera prst="orthographicFront"/>
+      <a:lightRig rig="threePt" dir="t"/>
+    </dgm:scene3d>
+    <dgm:sp3d/>
+    <dgm:txPr/>
+    <dgm:style>
+      <a:lnRef idx="2">
+        <a:scrgbClr r="0" g="0" b="0"/>
+      </a:lnRef>
+      <a:fillRef idx="1">
+        <a:scrgbClr r="0" g="0" b="0"/>
+      </a:fillRef>
+      <a:effectRef idx="0">
+        <a:scrgbClr r="0" g="0" b="0"/>
+      </a:effectRef>
+      <a:fontRef idx="minor"/>
+    </dgm:style>
+  </dgm:styleLbl>
+  <dgm:styleLbl name="revTx">
+    <dgm:scene3d>
+      <a:camera prst="orthographicFront"/>
+      <a:lightRig rig="threePt" dir="t"/>
+    </dgm:scene3d>
+    <dgm:sp3d/>
+    <dgm:txPr/>
+    <dgm:style>
+      <a:lnRef idx="0">
+        <a:scrgbClr r="0" g="0" b="0"/>
+      </a:lnRef>
+      <a:fillRef idx="0">
+        <a:scrgbClr r="0" g="0" b="0"/>
+      </a:fillRef>
+      <a:effectRef idx="0">
+        <a:scrgbClr r="0" g="0" b="0"/>
+      </a:effectRef>
+      <a:fontRef idx="minor"/>
+    </dgm:style>
+  </dgm:styleLbl>
+</dgm:styleDef>
 </file>
 
 <file path=ppt/slideLayouts/slideLayout1.xml><?xml version="1.0" encoding="utf-8"?>
@@ -296,7 +5460,7 @@
           <a:p>
             <a:fld id="{E62562DB-802C-4DFD-A24B-C83B5566FA60}" type="datetimeFigureOut">
               <a:rPr lang="fr-FR" smtClean="0"/>
-              <a:t>31/10/2012</a:t>
+              <a:t>01/11/2012</a:t>
             </a:fld>
             <a:endParaRPr lang="fr-FR"/>
           </a:p>
@@ -466,7 +5630,7 @@
           <a:p>
             <a:fld id="{E62562DB-802C-4DFD-A24B-C83B5566FA60}" type="datetimeFigureOut">
               <a:rPr lang="fr-FR" smtClean="0"/>
-              <a:t>31/10/2012</a:t>
+              <a:t>01/11/2012</a:t>
             </a:fld>
             <a:endParaRPr lang="fr-FR"/>
           </a:p>
@@ -646,7 +5810,7 @@
           <a:p>
             <a:fld id="{E62562DB-802C-4DFD-A24B-C83B5566FA60}" type="datetimeFigureOut">
               <a:rPr lang="fr-FR" smtClean="0"/>
-              <a:t>31/10/2012</a:t>
+              <a:t>01/11/2012</a:t>
             </a:fld>
             <a:endParaRPr lang="fr-FR"/>
           </a:p>
@@ -816,7 +5980,7 @@
           <a:p>
             <a:fld id="{E62562DB-802C-4DFD-A24B-C83B5566FA60}" type="datetimeFigureOut">
               <a:rPr lang="fr-FR" smtClean="0"/>
-              <a:t>31/10/2012</a:t>
+              <a:t>01/11/2012</a:t>
             </a:fld>
             <a:endParaRPr lang="fr-FR"/>
           </a:p>
@@ -1062,7 +6226,7 @@
           <a:p>
             <a:fld id="{E62562DB-802C-4DFD-A24B-C83B5566FA60}" type="datetimeFigureOut">
               <a:rPr lang="fr-FR" smtClean="0"/>
-              <a:t>31/10/2012</a:t>
+              <a:t>01/11/2012</a:t>
             </a:fld>
             <a:endParaRPr lang="fr-FR"/>
           </a:p>
@@ -1350,7 +6514,7 @@
           <a:p>
             <a:fld id="{E62562DB-802C-4DFD-A24B-C83B5566FA60}" type="datetimeFigureOut">
               <a:rPr lang="fr-FR" smtClean="0"/>
-              <a:t>31/10/2012</a:t>
+              <a:t>01/11/2012</a:t>
             </a:fld>
             <a:endParaRPr lang="fr-FR"/>
           </a:p>
@@ -1772,7 +6936,7 @@
           <a:p>
             <a:fld id="{E62562DB-802C-4DFD-A24B-C83B5566FA60}" type="datetimeFigureOut">
               <a:rPr lang="fr-FR" smtClean="0"/>
-              <a:t>31/10/2012</a:t>
+              <a:t>01/11/2012</a:t>
             </a:fld>
             <a:endParaRPr lang="fr-FR"/>
           </a:p>
@@ -1890,7 +7054,7 @@
           <a:p>
             <a:fld id="{E62562DB-802C-4DFD-A24B-C83B5566FA60}" type="datetimeFigureOut">
               <a:rPr lang="fr-FR" smtClean="0"/>
-              <a:t>31/10/2012</a:t>
+              <a:t>01/11/2012</a:t>
             </a:fld>
             <a:endParaRPr lang="fr-FR"/>
           </a:p>
@@ -1985,7 +7149,7 @@
           <a:p>
             <a:fld id="{E62562DB-802C-4DFD-A24B-C83B5566FA60}" type="datetimeFigureOut">
               <a:rPr lang="fr-FR" smtClean="0"/>
-              <a:t>31/10/2012</a:t>
+              <a:t>01/11/2012</a:t>
             </a:fld>
             <a:endParaRPr lang="fr-FR"/>
           </a:p>
@@ -2262,7 +7426,7 @@
           <a:p>
             <a:fld id="{E62562DB-802C-4DFD-A24B-C83B5566FA60}" type="datetimeFigureOut">
               <a:rPr lang="fr-FR" smtClean="0"/>
-              <a:t>31/10/2012</a:t>
+              <a:t>01/11/2012</a:t>
             </a:fld>
             <a:endParaRPr lang="fr-FR"/>
           </a:p>
@@ -2515,7 +7679,7 @@
           <a:p>
             <a:fld id="{E62562DB-802C-4DFD-A24B-C83B5566FA60}" type="datetimeFigureOut">
               <a:rPr lang="fr-FR" smtClean="0"/>
-              <a:t>31/10/2012</a:t>
+              <a:t>01/11/2012</a:t>
             </a:fld>
             <a:endParaRPr lang="fr-FR"/>
           </a:p>
@@ -2728,7 +7892,7 @@
           <a:p>
             <a:fld id="{E62562DB-802C-4DFD-A24B-C83B5566FA60}" type="datetimeFigureOut">
               <a:rPr lang="fr-FR" smtClean="0"/>
-              <a:t>31/10/2012</a:t>
+              <a:t>01/11/2012</a:t>
             </a:fld>
             <a:endParaRPr lang="fr-FR"/>
           </a:p>
@@ -3119,8 +8283,8 @@
           <a:lstStyle/>
           <a:p>
             <a:r>
-              <a:rPr lang="fr-FR" dirty="0" err="1" smtClean="0"/>
-              <a:t>tretzertze</a:t>
+              <a:rPr lang="fr-FR" dirty="0" smtClean="0"/>
+              <a:t>Pré-soutenance</a:t>
             </a:r>
             <a:endParaRPr lang="fr-FR" dirty="0"/>
           </a:p>
@@ -3141,7 +8305,15 @@
           <a:bodyPr/>
           <a:lstStyle/>
           <a:p>
-            <a:endParaRPr lang="fr-FR"/>
+            <a:r>
+              <a:rPr lang="fr-FR" dirty="0" err="1" smtClean="0"/>
+              <a:t>MegaUAV</a:t>
+            </a:r>
+            <a:r>
+              <a:rPr lang="fr-FR" dirty="0" smtClean="0"/>
+              <a:t> 2013</a:t>
+            </a:r>
+            <a:endParaRPr lang="fr-FR" dirty="0"/>
           </a:p>
         </p:txBody>
       </p:sp>
@@ -3155,6 +8327,248 @@
   <p:clrMapOvr>
     <a:masterClrMapping/>
   </p:clrMapOvr>
+  <p:timing>
+    <p:tnLst>
+      <p:par>
+        <p:cTn id="1" dur="indefinite" restart="never" nodeType="tmRoot"/>
+      </p:par>
+    </p:tnLst>
+  </p:timing>
+</p:sld>
+</file>
+
+<file path=ppt/slides/slide10.xml><?xml version="1.0" encoding="utf-8"?>
+<p:sld xmlns:a="http://schemas.openxmlformats.org/drawingml/2006/main" xmlns:r="http://schemas.openxmlformats.org/officeDocument/2006/relationships" xmlns:p="http://schemas.openxmlformats.org/presentationml/2006/main">
+  <p:cSld>
+    <p:spTree>
+      <p:nvGrpSpPr>
+        <p:cNvPr id="1" name=""/>
+        <p:cNvGrpSpPr/>
+        <p:nvPr/>
+      </p:nvGrpSpPr>
+      <p:grpSpPr>
+        <a:xfrm>
+          <a:off x="0" y="0"/>
+          <a:ext cx="0" cy="0"/>
+          <a:chOff x="0" y="0"/>
+          <a:chExt cx="0" cy="0"/>
+        </a:xfrm>
+      </p:grpSpPr>
+      <p:graphicFrame>
+        <p:nvGraphicFramePr>
+          <p:cNvPr id="4" name="Diagramme 3"/>
+          <p:cNvGraphicFramePr/>
+          <p:nvPr>
+            <p:extLst>
+              <p:ext uri="{D42A27DB-BD31-4B8C-83A1-F6EECF244321}">
+                <p14:modId xmlns:p14="http://schemas.microsoft.com/office/powerpoint/2010/main" val="1780759427"/>
+              </p:ext>
+            </p:extLst>
+          </p:nvPr>
+        </p:nvGraphicFramePr>
+        <p:xfrm>
+          <a:off x="1619672" y="0"/>
+          <a:ext cx="5543550" cy="7019925"/>
+        </p:xfrm>
+        <a:graphic>
+          <a:graphicData uri="http://schemas.openxmlformats.org/drawingml/2006/diagram">
+            <dgm:relIds xmlns:dgm="http://schemas.openxmlformats.org/drawingml/2006/diagram" xmlns:r="http://schemas.openxmlformats.org/officeDocument/2006/relationships" r:dm="rId2" r:lo="rId3" r:qs="rId4" r:cs="rId5"/>
+          </a:graphicData>
+        </a:graphic>
+      </p:graphicFrame>
+    </p:spTree>
+    <p:extLst>
+      <p:ext uri="{BB962C8B-B14F-4D97-AF65-F5344CB8AC3E}">
+        <p14:creationId xmlns:p14="http://schemas.microsoft.com/office/powerpoint/2010/main" val="2629342657"/>
+      </p:ext>
+    </p:extLst>
+  </p:cSld>
+  <p:clrMapOvr>
+    <a:masterClrMapping/>
+  </p:clrMapOvr>
+  <p:timing>
+    <p:tnLst>
+      <p:par>
+        <p:cTn id="1" dur="indefinite" restart="never" nodeType="tmRoot"/>
+      </p:par>
+    </p:tnLst>
+  </p:timing>
+</p:sld>
+</file>
+
+<file path=ppt/slides/slide11.xml><?xml version="1.0" encoding="utf-8"?>
+<p:sld xmlns:a="http://schemas.openxmlformats.org/drawingml/2006/main" xmlns:r="http://schemas.openxmlformats.org/officeDocument/2006/relationships" xmlns:p="http://schemas.openxmlformats.org/presentationml/2006/main">
+  <p:cSld>
+    <p:spTree>
+      <p:nvGrpSpPr>
+        <p:cNvPr id="1" name=""/>
+        <p:cNvGrpSpPr/>
+        <p:nvPr/>
+      </p:nvGrpSpPr>
+      <p:grpSpPr>
+        <a:xfrm>
+          <a:off x="0" y="0"/>
+          <a:ext cx="0" cy="0"/>
+          <a:chOff x="0" y="0"/>
+          <a:chExt cx="0" cy="0"/>
+        </a:xfrm>
+      </p:grpSpPr>
+      <p:sp>
+        <p:nvSpPr>
+          <p:cNvPr id="2" name="Titre 1"/>
+          <p:cNvSpPr>
+            <a:spLocks noGrp="1"/>
+          </p:cNvSpPr>
+          <p:nvPr>
+            <p:ph type="title"/>
+          </p:nvPr>
+        </p:nvSpPr>
+        <p:spPr/>
+        <p:txBody>
+          <a:bodyPr/>
+          <a:lstStyle/>
+          <a:p>
+            <a:r>
+              <a:rPr lang="fr-FR" dirty="0" smtClean="0"/>
+              <a:t>Outils de gestion</a:t>
+            </a:r>
+            <a:endParaRPr lang="fr-FR" dirty="0"/>
+          </a:p>
+        </p:txBody>
+      </p:sp>
+      <p:sp>
+        <p:nvSpPr>
+          <p:cNvPr id="3" name="Espace réservé du contenu 2"/>
+          <p:cNvSpPr>
+            <a:spLocks noGrp="1"/>
+          </p:cNvSpPr>
+          <p:nvPr>
+            <p:ph idx="1"/>
+          </p:nvPr>
+        </p:nvSpPr>
+        <p:spPr/>
+        <p:txBody>
+          <a:bodyPr/>
+          <a:lstStyle/>
+          <a:p>
+            <a:r>
+              <a:rPr lang="fr-FR" dirty="0" smtClean="0"/>
+              <a:t>Module de </a:t>
+            </a:r>
+            <a:r>
+              <a:rPr lang="fr-FR" dirty="0" smtClean="0"/>
+              <a:t>gestion de projet</a:t>
+            </a:r>
+          </a:p>
+          <a:p>
+            <a:r>
+              <a:rPr lang="fr-FR" dirty="0" err="1" smtClean="0"/>
+              <a:t>Github</a:t>
+            </a:r>
+            <a:r>
+              <a:rPr lang="fr-FR" dirty="0" smtClean="0"/>
+              <a:t> environnement de développement collaboratif</a:t>
+            </a:r>
+          </a:p>
+          <a:p>
+            <a:r>
+              <a:rPr lang="fr-FR" dirty="0" smtClean="0"/>
+              <a:t>Site internet</a:t>
+            </a:r>
+            <a:endParaRPr lang="fr-FR" dirty="0" smtClean="0"/>
+          </a:p>
+          <a:p>
+            <a:r>
+              <a:rPr lang="fr-FR" dirty="0" smtClean="0"/>
+              <a:t>Réunion mensuel</a:t>
+            </a:r>
+            <a:endParaRPr lang="fr-FR" dirty="0" smtClean="0"/>
+          </a:p>
+          <a:p>
+            <a:endParaRPr lang="fr-FR" dirty="0" smtClean="0"/>
+          </a:p>
+          <a:p>
+            <a:endParaRPr lang="fr-FR" dirty="0"/>
+          </a:p>
+        </p:txBody>
+      </p:sp>
+    </p:spTree>
+    <p:extLst>
+      <p:ext uri="{BB962C8B-B14F-4D97-AF65-F5344CB8AC3E}">
+        <p14:creationId xmlns:p14="http://schemas.microsoft.com/office/powerpoint/2010/main" val="1934190619"/>
+      </p:ext>
+    </p:extLst>
+  </p:cSld>
+  <p:clrMapOvr>
+    <a:masterClrMapping/>
+  </p:clrMapOvr>
+  <p:timing>
+    <p:tnLst>
+      <p:par>
+        <p:cTn id="1" dur="indefinite" restart="never" nodeType="tmRoot"/>
+      </p:par>
+    </p:tnLst>
+  </p:timing>
+</p:sld>
+</file>
+
+<file path=ppt/slides/slide12.xml><?xml version="1.0" encoding="utf-8"?>
+<p:sld xmlns:a="http://schemas.openxmlformats.org/drawingml/2006/main" xmlns:r="http://schemas.openxmlformats.org/officeDocument/2006/relationships" xmlns:p="http://schemas.openxmlformats.org/presentationml/2006/main">
+  <p:cSld>
+    <p:spTree>
+      <p:nvGrpSpPr>
+        <p:cNvPr id="1" name=""/>
+        <p:cNvGrpSpPr/>
+        <p:nvPr/>
+      </p:nvGrpSpPr>
+      <p:grpSpPr>
+        <a:xfrm>
+          <a:off x="0" y="0"/>
+          <a:ext cx="0" cy="0"/>
+          <a:chOff x="0" y="0"/>
+          <a:chExt cx="0" cy="0"/>
+        </a:xfrm>
+      </p:grpSpPr>
+      <p:sp>
+        <p:nvSpPr>
+          <p:cNvPr id="2" name="Titre 1"/>
+          <p:cNvSpPr>
+            <a:spLocks noGrp="1"/>
+          </p:cNvSpPr>
+          <p:nvPr>
+            <p:ph type="ctrTitle"/>
+          </p:nvPr>
+        </p:nvSpPr>
+        <p:spPr/>
+        <p:txBody>
+          <a:bodyPr/>
+          <a:lstStyle/>
+          <a:p>
+            <a:r>
+              <a:rPr lang="fr-FR" dirty="0" smtClean="0"/>
+              <a:t>Questions ?</a:t>
+            </a:r>
+            <a:endParaRPr lang="fr-FR" dirty="0"/>
+          </a:p>
+        </p:txBody>
+      </p:sp>
+    </p:spTree>
+    <p:extLst>
+      <p:ext uri="{BB962C8B-B14F-4D97-AF65-F5344CB8AC3E}">
+        <p14:creationId xmlns:p14="http://schemas.microsoft.com/office/powerpoint/2010/main" val="902810264"/>
+      </p:ext>
+    </p:extLst>
+  </p:cSld>
+  <p:clrMapOvr>
+    <a:masterClrMapping/>
+  </p:clrMapOvr>
+  <p:timing>
+    <p:tnLst>
+      <p:par>
+        <p:cTn id="1" dur="indefinite" restart="never" nodeType="tmRoot"/>
+      </p:par>
+    </p:tnLst>
+  </p:timing>
 </p:sld>
 </file>
 
@@ -3236,14 +8650,9 @@
           <a:p>
             <a:r>
               <a:rPr lang="fr-FR" dirty="0" smtClean="0"/>
-              <a:t>Conditions de réussite</a:t>
-            </a:r>
-          </a:p>
-          <a:p>
-            <a:r>
-              <a:rPr lang="fr-FR" dirty="0" smtClean="0"/>
               <a:t>Planning</a:t>
             </a:r>
+            <a:endParaRPr lang="fr-FR" dirty="0" smtClean="0"/>
           </a:p>
           <a:p>
             <a:r>
@@ -3269,6 +8678,13 @@
   <p:clrMapOvr>
     <a:masterClrMapping/>
   </p:clrMapOvr>
+  <p:timing>
+    <p:tnLst>
+      <p:par>
+        <p:cTn id="1" dur="indefinite" restart="never" nodeType="tmRoot"/>
+      </p:par>
+    </p:tnLst>
+  </p:timing>
 </p:sld>
 </file>
 
@@ -3341,6 +8757,13 @@
   <p:clrMapOvr>
     <a:masterClrMapping/>
   </p:clrMapOvr>
+  <p:timing>
+    <p:tnLst>
+      <p:par>
+        <p:cTn id="1" dur="indefinite" restart="never" nodeType="tmRoot"/>
+      </p:par>
+    </p:tnLst>
+  </p:timing>
 </p:sld>
 </file>
 
@@ -3417,33 +8840,7 @@
               <a:rPr lang="fr-FR" dirty="0" smtClean="0"/>
               <a:t>Besoin</a:t>
             </a:r>
-          </a:p>
-          <a:p>
-            <a:r>
-              <a:rPr lang="fr-FR" dirty="0" smtClean="0"/>
-              <a:t>Périmètre du projet</a:t>
-            </a:r>
-          </a:p>
-          <a:p>
-            <a:pPr lvl="1"/>
-            <a:r>
-              <a:rPr lang="fr-FR" dirty="0" smtClean="0"/>
-              <a:t>Objectif</a:t>
-            </a:r>
-          </a:p>
-          <a:p>
-            <a:pPr lvl="1"/>
-            <a:r>
-              <a:rPr lang="fr-FR" dirty="0" smtClean="0"/>
-              <a:t>Limitation</a:t>
-            </a:r>
-          </a:p>
-          <a:p>
-            <a:pPr lvl="1"/>
-            <a:r>
-              <a:rPr lang="fr-FR" dirty="0" smtClean="0"/>
-              <a:t>Condition de réussite</a:t>
-            </a:r>
+            <a:endParaRPr lang="fr-FR" dirty="0" smtClean="0"/>
           </a:p>
         </p:txBody>
       </p:sp>
@@ -3741,7 +9138,7 @@
           <a:p>
             <a:r>
               <a:rPr lang="fr-FR" dirty="0" smtClean="0"/>
-              <a:t>Solution retenue</a:t>
+              <a:t>Périmètre du projet</a:t>
             </a:r>
             <a:endParaRPr lang="fr-FR" dirty="0"/>
           </a:p>
@@ -3764,11 +9161,51 @@
           <a:p>
             <a:r>
               <a:rPr lang="fr-FR" dirty="0" smtClean="0"/>
-              <a:t>Matériel</a:t>
+              <a:t>Objectif</a:t>
             </a:r>
           </a:p>
           <a:p>
             <a:pPr lvl="1"/>
+            <a:r>
+              <a:rPr lang="fr-FR" dirty="0" smtClean="0"/>
+              <a:t>Communication temps réelle robuste</a:t>
+            </a:r>
+          </a:p>
+          <a:p>
+            <a:pPr lvl="1"/>
+            <a:r>
+              <a:rPr lang="fr-FR" dirty="0" smtClean="0"/>
+              <a:t>Repérage GPS</a:t>
+            </a:r>
+          </a:p>
+          <a:p>
+            <a:pPr lvl="1"/>
+            <a:r>
+              <a:rPr lang="fr-FR" dirty="0" smtClean="0"/>
+              <a:t>Capteur de proximité et imagerie</a:t>
+            </a:r>
+            <a:endParaRPr lang="fr-FR" dirty="0"/>
+          </a:p>
+          <a:p>
+            <a:r>
+              <a:rPr lang="fr-FR" dirty="0" smtClean="0"/>
+              <a:t>Limitation</a:t>
+            </a:r>
+            <a:endParaRPr lang="fr-FR" dirty="0"/>
+          </a:p>
+          <a:p>
+            <a:pPr lvl="1"/>
+            <a:r>
+              <a:rPr lang="fr-FR" dirty="0" smtClean="0"/>
+              <a:t>Autonomie de l’hélico</a:t>
+            </a:r>
+          </a:p>
+          <a:p>
+            <a:pPr lvl="1"/>
+            <a:r>
+              <a:rPr lang="fr-FR" dirty="0" smtClean="0"/>
+              <a:t>????</a:t>
+            </a:r>
             <a:endParaRPr lang="fr-FR" dirty="0"/>
           </a:p>
         </p:txBody>
@@ -3776,13 +9213,20 @@
     </p:spTree>
     <p:extLst>
       <p:ext uri="{BB962C8B-B14F-4D97-AF65-F5344CB8AC3E}">
-        <p14:creationId xmlns:p14="http://schemas.microsoft.com/office/powerpoint/2010/main" val="2826413765"/>
+        <p14:creationId xmlns:p14="http://schemas.microsoft.com/office/powerpoint/2010/main" val="777361844"/>
       </p:ext>
     </p:extLst>
   </p:cSld>
   <p:clrMapOvr>
     <a:masterClrMapping/>
   </p:clrMapOvr>
+  <p:timing>
+    <p:tnLst>
+      <p:par>
+        <p:cTn id="1" dur="indefinite" restart="never" nodeType="tmRoot"/>
+      </p:par>
+    </p:tnLst>
+  </p:timing>
 </p:sld>
 </file>
 
@@ -3820,7 +9264,7 @@
           <a:p>
             <a:r>
               <a:rPr lang="fr-FR" dirty="0" smtClean="0"/>
-              <a:t>Solution retenue</a:t>
+              <a:t>Condition de réussite</a:t>
             </a:r>
             <a:endParaRPr lang="fr-FR" dirty="0"/>
           </a:p>
@@ -3843,36 +9287,7 @@
           <a:p>
             <a:r>
               <a:rPr lang="fr-FR" dirty="0" smtClean="0"/>
-              <a:t>Logiciel</a:t>
-            </a:r>
-          </a:p>
-          <a:p>
-            <a:pPr lvl="1"/>
-            <a:r>
-              <a:rPr lang="fr-FR" dirty="0" smtClean="0"/>
-              <a:t>Solution</a:t>
-            </a:r>
-          </a:p>
-          <a:p>
-            <a:pPr lvl="1"/>
-            <a:r>
-              <a:rPr lang="fr-FR" dirty="0" smtClean="0"/>
-              <a:t>langage</a:t>
-            </a:r>
-          </a:p>
-          <a:p>
-            <a:pPr lvl="1"/>
-            <a:r>
-              <a:rPr lang="fr-FR" dirty="0" err="1" smtClean="0"/>
-              <a:t>Platforme</a:t>
-            </a:r>
-            <a:r>
-              <a:rPr lang="fr-FR" dirty="0" smtClean="0"/>
-              <a:t> de </a:t>
-            </a:r>
-            <a:r>
-              <a:rPr lang="fr-FR" dirty="0" err="1" smtClean="0"/>
-              <a:t>dev</a:t>
+              <a:t>Communication …..</a:t>
             </a:r>
             <a:endParaRPr lang="fr-FR" dirty="0"/>
           </a:p>
@@ -3881,13 +9296,20 @@
     </p:spTree>
     <p:extLst>
       <p:ext uri="{BB962C8B-B14F-4D97-AF65-F5344CB8AC3E}">
-        <p14:creationId xmlns:p14="http://schemas.microsoft.com/office/powerpoint/2010/main" val="3425996"/>
+        <p14:creationId xmlns:p14="http://schemas.microsoft.com/office/powerpoint/2010/main" val="78108021"/>
       </p:ext>
     </p:extLst>
   </p:cSld>
   <p:clrMapOvr>
     <a:masterClrMapping/>
   </p:clrMapOvr>
+  <p:timing>
+    <p:tnLst>
+      <p:par>
+        <p:cTn id="1" dur="indefinite" restart="never" nodeType="tmRoot"/>
+      </p:par>
+    </p:tnLst>
+  </p:timing>
 </p:sld>
 </file>
 
@@ -3925,7 +9347,11 @@
           <a:p>
             <a:r>
               <a:rPr lang="fr-FR" dirty="0" smtClean="0"/>
-              <a:t>Condition de réussite</a:t>
+              <a:t>Solution </a:t>
+            </a:r>
+            <a:r>
+              <a:rPr lang="fr-FR" dirty="0" smtClean="0"/>
+              <a:t>Matériel</a:t>
             </a:r>
             <a:endParaRPr lang="fr-FR" dirty="0"/>
           </a:p>
@@ -3948,8 +9374,91 @@
           <a:p>
             <a:r>
               <a:rPr lang="fr-FR" dirty="0" smtClean="0"/>
-              <a:t>Communication …..</a:t>
-            </a:r>
+              <a:t>Matériel </a:t>
+            </a:r>
+            <a:r>
+              <a:rPr lang="fr-FR" dirty="0" err="1" smtClean="0"/>
+              <a:t>mikrokopter</a:t>
+            </a:r>
+            <a:endParaRPr lang="fr-FR" dirty="0" smtClean="0"/>
+          </a:p>
+          <a:p>
+            <a:pPr lvl="1"/>
+            <a:r>
+              <a:rPr lang="fr-FR" dirty="0" smtClean="0"/>
+              <a:t>Achat d’un kit entier + pièces de rechange</a:t>
+            </a:r>
+          </a:p>
+          <a:p>
+            <a:r>
+              <a:rPr lang="fr-FR" dirty="0" smtClean="0"/>
+              <a:t>Carte </a:t>
+            </a:r>
+            <a:r>
+              <a:rPr lang="fr-FR" dirty="0" err="1" smtClean="0"/>
+              <a:t>mikro</a:t>
+            </a:r>
+            <a:r>
+              <a:rPr lang="fr-FR" dirty="0" smtClean="0"/>
+              <a:t> interfacé avec un </a:t>
+            </a:r>
+            <a:r>
+              <a:rPr lang="fr-FR" dirty="0" err="1" smtClean="0"/>
+              <a:t>gumstix</a:t>
+            </a:r>
+            <a:r>
+              <a:rPr lang="fr-FR" dirty="0" smtClean="0"/>
+              <a:t>.</a:t>
+            </a:r>
+          </a:p>
+          <a:p>
+            <a:pPr lvl="1"/>
+            <a:r>
+              <a:rPr lang="fr-FR" dirty="0" smtClean="0"/>
+              <a:t>Communication pc to </a:t>
+            </a:r>
+            <a:r>
+              <a:rPr lang="fr-FR" dirty="0" err="1" smtClean="0"/>
+              <a:t>helico</a:t>
+            </a:r>
+            <a:endParaRPr lang="fr-FR" dirty="0" smtClean="0"/>
+          </a:p>
+          <a:p>
+            <a:pPr lvl="1"/>
+            <a:r>
+              <a:rPr lang="fr-FR" dirty="0" smtClean="0"/>
+              <a:t>Communication </a:t>
+            </a:r>
+            <a:r>
+              <a:rPr lang="fr-FR" dirty="0" err="1" smtClean="0"/>
+              <a:t>gumstix</a:t>
+            </a:r>
+            <a:r>
+              <a:rPr lang="fr-FR" dirty="0" smtClean="0"/>
+              <a:t> to carte </a:t>
+            </a:r>
+            <a:r>
+              <a:rPr lang="fr-FR" dirty="0" err="1" smtClean="0"/>
+              <a:t>mikro</a:t>
+            </a:r>
+            <a:endParaRPr lang="fr-FR" dirty="0" smtClean="0"/>
+          </a:p>
+          <a:p>
+            <a:pPr lvl="1"/>
+            <a:r>
+              <a:rPr lang="fr-FR" dirty="0" smtClean="0"/>
+              <a:t>Possibilité de reprise par la R/C</a:t>
+            </a:r>
+          </a:p>
+          <a:p>
+            <a:endParaRPr lang="fr-FR" dirty="0" smtClean="0"/>
+          </a:p>
+          <a:p>
+            <a:pPr lvl="1"/>
+            <a:endParaRPr lang="fr-FR" dirty="0" smtClean="0"/>
+          </a:p>
+          <a:p>
+            <a:pPr lvl="1"/>
             <a:endParaRPr lang="fr-FR" dirty="0"/>
           </a:p>
         </p:txBody>
@@ -3957,13 +9466,20 @@
     </p:spTree>
     <p:extLst>
       <p:ext uri="{BB962C8B-B14F-4D97-AF65-F5344CB8AC3E}">
-        <p14:creationId xmlns:p14="http://schemas.microsoft.com/office/powerpoint/2010/main" val="78108021"/>
+        <p14:creationId xmlns:p14="http://schemas.microsoft.com/office/powerpoint/2010/main" val="2826413765"/>
       </p:ext>
     </p:extLst>
   </p:cSld>
   <p:clrMapOvr>
     <a:masterClrMapping/>
   </p:clrMapOvr>
+  <p:timing>
+    <p:tnLst>
+      <p:par>
+        <p:cTn id="1" dur="indefinite" restart="never" nodeType="tmRoot"/>
+      </p:par>
+    </p:tnLst>
+  </p:timing>
 </p:sld>
 </file>
 
@@ -4001,7 +9517,7 @@
           <a:p>
             <a:r>
               <a:rPr lang="fr-FR" dirty="0" smtClean="0"/>
-              <a:t>Planning</a:t>
+              <a:t>Solution Logiciel</a:t>
             </a:r>
             <a:endParaRPr lang="fr-FR" dirty="0"/>
           </a:p>
@@ -4019,23 +9535,102 @@
         </p:nvSpPr>
         <p:spPr/>
         <p:txBody>
-          <a:bodyPr/>
+          <a:bodyPr>
+            <a:normAutofit lnSpcReduction="10000"/>
+          </a:bodyPr>
           <a:lstStyle/>
           <a:p>
-            <a:endParaRPr lang="fr-FR"/>
+            <a:r>
+              <a:rPr lang="fr-FR" dirty="0" smtClean="0"/>
+              <a:t>Tour opérateur (</a:t>
+            </a:r>
+            <a:r>
+              <a:rPr lang="fr-FR" dirty="0" err="1" smtClean="0"/>
+              <a:t>Laptop</a:t>
+            </a:r>
+            <a:r>
+              <a:rPr lang="fr-FR" dirty="0" smtClean="0"/>
+              <a:t>)</a:t>
+            </a:r>
+          </a:p>
+          <a:p>
+            <a:pPr lvl="1"/>
+            <a:r>
+              <a:rPr lang="fr-FR" dirty="0" smtClean="0"/>
+              <a:t>Communication entre l’hélico et le pc</a:t>
+            </a:r>
+            <a:endParaRPr lang="fr-FR" dirty="0" smtClean="0"/>
+          </a:p>
+          <a:p>
+            <a:pPr lvl="1"/>
+            <a:r>
+              <a:rPr lang="fr-FR" dirty="0" smtClean="0"/>
+              <a:t>informations de vol</a:t>
+            </a:r>
+          </a:p>
+          <a:p>
+            <a:pPr lvl="1"/>
+            <a:r>
+              <a:rPr lang="fr-FR" dirty="0" smtClean="0"/>
+              <a:t>possibilité d’envoyer de nouvelle mission à l’hélico </a:t>
+            </a:r>
+          </a:p>
+          <a:p>
+            <a:r>
+              <a:rPr lang="fr-FR" dirty="0" err="1" smtClean="0"/>
+              <a:t>Gumstix</a:t>
+            </a:r>
+            <a:endParaRPr lang="fr-FR" dirty="0" smtClean="0"/>
+          </a:p>
+          <a:p>
+            <a:pPr lvl="1"/>
+            <a:r>
+              <a:rPr lang="fr-FR" dirty="0" smtClean="0"/>
+              <a:t>Communication avec la carte de vol</a:t>
+            </a:r>
+          </a:p>
+          <a:p>
+            <a:pPr lvl="1"/>
+            <a:r>
+              <a:rPr lang="fr-FR" dirty="0" smtClean="0"/>
+              <a:t>Gestion de plan de vol</a:t>
+            </a:r>
+            <a:endParaRPr lang="fr-FR" dirty="0" smtClean="0"/>
+          </a:p>
+          <a:p>
+            <a:pPr lvl="1"/>
+            <a:r>
+              <a:rPr lang="fr-FR" dirty="0" smtClean="0"/>
+              <a:t>Interprétation des capteurs</a:t>
+            </a:r>
+          </a:p>
+          <a:p>
+            <a:pPr lvl="1"/>
+            <a:r>
+              <a:rPr lang="fr-FR" dirty="0" smtClean="0"/>
+              <a:t>Réaction en fonction </a:t>
+            </a:r>
+            <a:endParaRPr lang="fr-FR" dirty="0" smtClean="0"/>
           </a:p>
         </p:txBody>
       </p:sp>
     </p:spTree>
     <p:extLst>
       <p:ext uri="{BB962C8B-B14F-4D97-AF65-F5344CB8AC3E}">
-        <p14:creationId xmlns:p14="http://schemas.microsoft.com/office/powerpoint/2010/main" val="2629342657"/>
+        <p14:creationId xmlns:p14="http://schemas.microsoft.com/office/powerpoint/2010/main" val="3425996"/>
       </p:ext>
     </p:extLst>
   </p:cSld>
   <p:clrMapOvr>
     <a:masterClrMapping/>
   </p:clrMapOvr>
+  <p:timing>
+    <p:tnLst>
+      <p:par>
+        <p:cTn id="1" dur="indefinite" restart="never" nodeType="tmRoot"/>
+      </p:par>
+    </p:tnLst>
+  </p:timing>
 </p:sld>
 </file>
 
@@ -4073,7 +9668,7 @@
           <a:p>
             <a:r>
               <a:rPr lang="fr-FR" dirty="0" smtClean="0"/>
-              <a:t>Outils de gestion</a:t>
+              <a:t>Solution logiciel</a:t>
             </a:r>
             <a:endParaRPr lang="fr-FR" dirty="0"/>
           </a:p>
@@ -4095,25 +9690,41 @@
           <a:lstStyle/>
           <a:p>
             <a:r>
-              <a:rPr lang="fr-FR" dirty="0" smtClean="0"/>
-              <a:t>Documentation de gestion de projet</a:t>
-            </a:r>
-          </a:p>
-          <a:p>
-            <a:r>
-              <a:rPr lang="fr-FR" dirty="0" err="1" smtClean="0"/>
-              <a:t>Github</a:t>
-            </a:r>
-            <a:endParaRPr lang="fr-FR" dirty="0" smtClean="0"/>
-          </a:p>
-          <a:p>
-            <a:r>
-              <a:rPr lang="fr-FR" dirty="0" smtClean="0"/>
-              <a:t>Réunion</a:t>
-            </a:r>
-          </a:p>
-          <a:p>
-            <a:endParaRPr lang="fr-FR" dirty="0" smtClean="0"/>
+              <a:rPr lang="fr-FR" dirty="0"/>
+              <a:t>Langage </a:t>
+            </a:r>
+          </a:p>
+          <a:p>
+            <a:pPr lvl="1"/>
+            <a:r>
+              <a:rPr lang="fr-FR" dirty="0"/>
+              <a:t>Java </a:t>
+            </a:r>
+          </a:p>
+          <a:p>
+            <a:pPr lvl="1"/>
+            <a:r>
+              <a:rPr lang="fr-FR" dirty="0"/>
+              <a:t>C/C++</a:t>
+            </a:r>
+          </a:p>
+          <a:p>
+            <a:r>
+              <a:rPr lang="fr-FR" dirty="0"/>
+              <a:t>Plateforme de </a:t>
+            </a:r>
+            <a:r>
+              <a:rPr lang="fr-FR" dirty="0" err="1"/>
+              <a:t>dev</a:t>
+            </a:r>
+            <a:endParaRPr lang="fr-FR" dirty="0"/>
+          </a:p>
+          <a:p>
+            <a:pPr lvl="1"/>
+            <a:r>
+              <a:rPr lang="fr-FR" dirty="0"/>
+              <a:t>Eclipse</a:t>
+            </a:r>
           </a:p>
           <a:p>
             <a:endParaRPr lang="fr-FR" dirty="0"/>
@@ -4123,13 +9734,20 @@
     </p:spTree>
     <p:extLst>
       <p:ext uri="{BB962C8B-B14F-4D97-AF65-F5344CB8AC3E}">
-        <p14:creationId xmlns:p14="http://schemas.microsoft.com/office/powerpoint/2010/main" val="1934190619"/>
+        <p14:creationId xmlns:p14="http://schemas.microsoft.com/office/powerpoint/2010/main" val="1704215547"/>
       </p:ext>
     </p:extLst>
   </p:cSld>
   <p:clrMapOvr>
     <a:masterClrMapping/>
   </p:clrMapOvr>
+  <p:timing>
+    <p:tnLst>
+      <p:par>
+        <p:cTn id="1" dur="indefinite" restart="never" nodeType="tmRoot"/>
+      </p:par>
+    </p:tnLst>
+  </p:timing>
 </p:sld>
 </file>
 
